--- a/GottaBattleEmAll.pptx
+++ b/GottaBattleEmAll.pptx
@@ -5,7 +5,7 @@
     <p:sldMasterId id="2147483648" r:id="rId1"/>
   </p:sldMasterIdLst>
   <p:notesMasterIdLst>
-    <p:notesMasterId r:id="rId26"/>
+    <p:notesMasterId r:id="rId33"/>
   </p:notesMasterIdLst>
   <p:sldIdLst>
     <p:sldId id="260" r:id="rId2"/>
@@ -22,7 +22,7 @@
     <p:sldId id="273" r:id="rId13"/>
     <p:sldId id="274" r:id="rId14"/>
     <p:sldId id="278" r:id="rId15"/>
-    <p:sldId id="275" r:id="rId16"/>
+    <p:sldId id="289" r:id="rId16"/>
     <p:sldId id="276" r:id="rId17"/>
     <p:sldId id="279" r:id="rId18"/>
     <p:sldId id="280" r:id="rId19"/>
@@ -32,6 +32,13 @@
     <p:sldId id="284" r:id="rId23"/>
     <p:sldId id="286" r:id="rId24"/>
     <p:sldId id="285" r:id="rId25"/>
+    <p:sldId id="287" r:id="rId26"/>
+    <p:sldId id="288" r:id="rId27"/>
+    <p:sldId id="293" r:id="rId28"/>
+    <p:sldId id="294" r:id="rId29"/>
+    <p:sldId id="290" r:id="rId30"/>
+    <p:sldId id="291" r:id="rId31"/>
+    <p:sldId id="292" r:id="rId32"/>
   </p:sldIdLst>
   <p:sldSz cx="12192000" cy="6858000"/>
   <p:notesSz cx="6858000" cy="9144000"/>
@@ -8518,7 +8525,7 @@
           <a:p>
             <a:fld id="{39FB7FE6-1A5B-4C5E-BEE4-4FD9BBF773B4}" type="datetimeFigureOut">
               <a:rPr lang="it-IT" smtClean="0"/>
-              <a:t>31/01/2024</a:t>
+              <a:t>01/02/2024</a:t>
             </a:fld>
             <a:endParaRPr lang="it-IT"/>
           </a:p>
@@ -8932,7 +8939,7 @@
           <a:p>
             <a:fld id="{1A0C97EF-0749-4306-8B96-19C464BD9493}" type="datetimeFigureOut">
               <a:rPr lang="it-IT" smtClean="0"/>
-              <a:t>31/01/2024</a:t>
+              <a:t>01/02/2024</a:t>
             </a:fld>
             <a:endParaRPr lang="it-IT"/>
           </a:p>
@@ -9130,7 +9137,7 @@
           <a:p>
             <a:fld id="{1A0C97EF-0749-4306-8B96-19C464BD9493}" type="datetimeFigureOut">
               <a:rPr lang="it-IT" smtClean="0"/>
-              <a:t>31/01/2024</a:t>
+              <a:t>01/02/2024</a:t>
             </a:fld>
             <a:endParaRPr lang="it-IT"/>
           </a:p>
@@ -9338,7 +9345,7 @@
           <a:p>
             <a:fld id="{1A0C97EF-0749-4306-8B96-19C464BD9493}" type="datetimeFigureOut">
               <a:rPr lang="it-IT" smtClean="0"/>
-              <a:t>31/01/2024</a:t>
+              <a:t>01/02/2024</a:t>
             </a:fld>
             <a:endParaRPr lang="it-IT"/>
           </a:p>
@@ -9536,7 +9543,7 @@
           <a:p>
             <a:fld id="{1A0C97EF-0749-4306-8B96-19C464BD9493}" type="datetimeFigureOut">
               <a:rPr lang="it-IT" smtClean="0"/>
-              <a:t>31/01/2024</a:t>
+              <a:t>01/02/2024</a:t>
             </a:fld>
             <a:endParaRPr lang="it-IT"/>
           </a:p>
@@ -9811,7 +9818,7 @@
           <a:p>
             <a:fld id="{1A0C97EF-0749-4306-8B96-19C464BD9493}" type="datetimeFigureOut">
               <a:rPr lang="it-IT" smtClean="0"/>
-              <a:t>31/01/2024</a:t>
+              <a:t>01/02/2024</a:t>
             </a:fld>
             <a:endParaRPr lang="it-IT"/>
           </a:p>
@@ -10076,7 +10083,7 @@
           <a:p>
             <a:fld id="{1A0C97EF-0749-4306-8B96-19C464BD9493}" type="datetimeFigureOut">
               <a:rPr lang="it-IT" smtClean="0"/>
-              <a:t>31/01/2024</a:t>
+              <a:t>01/02/2024</a:t>
             </a:fld>
             <a:endParaRPr lang="it-IT"/>
           </a:p>
@@ -10488,7 +10495,7 @@
           <a:p>
             <a:fld id="{1A0C97EF-0749-4306-8B96-19C464BD9493}" type="datetimeFigureOut">
               <a:rPr lang="it-IT" smtClean="0"/>
-              <a:t>31/01/2024</a:t>
+              <a:t>01/02/2024</a:t>
             </a:fld>
             <a:endParaRPr lang="it-IT"/>
           </a:p>
@@ -10629,7 +10636,7 @@
           <a:p>
             <a:fld id="{1A0C97EF-0749-4306-8B96-19C464BD9493}" type="datetimeFigureOut">
               <a:rPr lang="it-IT" smtClean="0"/>
-              <a:t>31/01/2024</a:t>
+              <a:t>01/02/2024</a:t>
             </a:fld>
             <a:endParaRPr lang="it-IT"/>
           </a:p>
@@ -10742,7 +10749,7 @@
           <a:p>
             <a:fld id="{1A0C97EF-0749-4306-8B96-19C464BD9493}" type="datetimeFigureOut">
               <a:rPr lang="it-IT" smtClean="0"/>
-              <a:t>31/01/2024</a:t>
+              <a:t>01/02/2024</a:t>
             </a:fld>
             <a:endParaRPr lang="it-IT"/>
           </a:p>
@@ -11053,7 +11060,7 @@
           <a:p>
             <a:fld id="{1A0C97EF-0749-4306-8B96-19C464BD9493}" type="datetimeFigureOut">
               <a:rPr lang="it-IT" smtClean="0"/>
-              <a:t>31/01/2024</a:t>
+              <a:t>01/02/2024</a:t>
             </a:fld>
             <a:endParaRPr lang="it-IT"/>
           </a:p>
@@ -11341,7 +11348,7 @@
           <a:p>
             <a:fld id="{1A0C97EF-0749-4306-8B96-19C464BD9493}" type="datetimeFigureOut">
               <a:rPr lang="it-IT" smtClean="0"/>
-              <a:t>31/01/2024</a:t>
+              <a:t>01/02/2024</a:t>
             </a:fld>
             <a:endParaRPr lang="it-IT"/>
           </a:p>
@@ -11585,7 +11592,7 @@
           <a:p>
             <a:fld id="{1A0C97EF-0749-4306-8B96-19C464BD9493}" type="datetimeFigureOut">
               <a:rPr lang="it-IT" smtClean="0"/>
-              <a:t>31/01/2024</a:t>
+              <a:t>01/02/2024</a:t>
             </a:fld>
             <a:endParaRPr lang="it-IT"/>
           </a:p>
@@ -14844,13 +14851,13 @@
   <p:clrMapOvr>
     <a:masterClrMapping/>
   </p:clrMapOvr>
-  <mc:AlternateContent xmlns:mc="http://schemas.openxmlformats.org/markup-compatibility/2006">
-    <mc:Choice xmlns:p159="http://schemas.microsoft.com/office/powerpoint/2015/09/main" Requires="p159">
+  <mc:AlternateContent xmlns:mc="http://schemas.openxmlformats.org/markup-compatibility/2006" xmlns:p159="http://schemas.microsoft.com/office/powerpoint/2015/09/main">
+    <mc:Choice Requires="p159">
       <p:transition xmlns:p14="http://schemas.microsoft.com/office/powerpoint/2010/main" spd="slow" p14:dur="2000">
         <p159:morph option="byObject"/>
       </p:transition>
     </mc:Choice>
-    <mc:Fallback>
+    <mc:Fallback xmlns="">
       <p:transition spd="slow">
         <p:fade/>
       </p:transition>
@@ -16783,13 +16790,13 @@
   <p:clrMapOvr>
     <a:masterClrMapping/>
   </p:clrMapOvr>
-  <mc:AlternateContent xmlns:mc="http://schemas.openxmlformats.org/markup-compatibility/2006">
-    <mc:Choice xmlns:p159="http://schemas.microsoft.com/office/powerpoint/2015/09/main" Requires="p159">
+  <mc:AlternateContent xmlns:mc="http://schemas.openxmlformats.org/markup-compatibility/2006" xmlns:p159="http://schemas.microsoft.com/office/powerpoint/2015/09/main">
+    <mc:Choice Requires="p159">
       <p:transition xmlns:p14="http://schemas.microsoft.com/office/powerpoint/2010/main" spd="slow" p14:dur="2000">
         <p159:morph option="byObject"/>
       </p:transition>
     </mc:Choice>
-    <mc:Fallback>
+    <mc:Fallback xmlns="">
       <p:transition spd="slow">
         <p:fade/>
       </p:transition>
@@ -18722,13 +18729,13 @@
   <p:clrMapOvr>
     <a:masterClrMapping/>
   </p:clrMapOvr>
-  <mc:AlternateContent xmlns:mc="http://schemas.openxmlformats.org/markup-compatibility/2006">
-    <mc:Choice xmlns:p159="http://schemas.microsoft.com/office/powerpoint/2015/09/main" Requires="p159">
+  <mc:AlternateContent xmlns:mc="http://schemas.openxmlformats.org/markup-compatibility/2006" xmlns:p159="http://schemas.microsoft.com/office/powerpoint/2015/09/main">
+    <mc:Choice Requires="p159">
       <p:transition xmlns:p14="http://schemas.microsoft.com/office/powerpoint/2010/main" spd="slow" p14:dur="2000">
         <p159:morph option="byObject"/>
       </p:transition>
     </mc:Choice>
-    <mc:Fallback>
+    <mc:Fallback xmlns="">
       <p:transition spd="slow">
         <p:fade/>
       </p:transition>
@@ -18754,6 +18761,104 @@
           <a:chExt cx="0" cy="0"/>
         </a:xfrm>
       </p:grpSpPr>
+      <p:sp>
+        <p:nvSpPr>
+          <p:cNvPr id="3" name="Rettangolo 2">
+            <a:extLst>
+              <a:ext uri="{FF2B5EF4-FFF2-40B4-BE49-F238E27FC236}">
+                <a16:creationId xmlns:a16="http://schemas.microsoft.com/office/drawing/2014/main" id="{C29E1FB9-DC7A-2582-7ADE-1D6FD514EBAD}"/>
+              </a:ext>
+            </a:extLst>
+          </p:cNvPr>
+          <p:cNvSpPr/>
+          <p:nvPr/>
+        </p:nvSpPr>
+        <p:spPr>
+          <a:xfrm>
+            <a:off x="13289256" y="3138714"/>
+            <a:ext cx="952500" cy="1333500"/>
+          </a:xfrm>
+          <a:prstGeom prst="rect">
+            <a:avLst/>
+          </a:prstGeom>
+          <a:solidFill>
+            <a:srgbClr val="147B3D"/>
+          </a:solidFill>
+        </p:spPr>
+        <p:style>
+          <a:lnRef idx="2">
+            <a:schemeClr val="accent1">
+              <a:shade val="15000"/>
+            </a:schemeClr>
+          </a:lnRef>
+          <a:fillRef idx="1">
+            <a:schemeClr val="accent1"/>
+          </a:fillRef>
+          <a:effectRef idx="0">
+            <a:schemeClr val="accent1"/>
+          </a:effectRef>
+          <a:fontRef idx="minor">
+            <a:schemeClr val="lt1"/>
+          </a:fontRef>
+        </p:style>
+        <p:txBody>
+          <a:bodyPr rtlCol="0" anchor="ctr"/>
+          <a:lstStyle/>
+          <a:p>
+            <a:pPr algn="ctr"/>
+            <a:endParaRPr lang="it-IT"/>
+          </a:p>
+        </p:txBody>
+      </p:sp>
+      <p:sp>
+        <p:nvSpPr>
+          <p:cNvPr id="5" name="Rettangolo 4">
+            <a:extLst>
+              <a:ext uri="{FF2B5EF4-FFF2-40B4-BE49-F238E27FC236}">
+                <a16:creationId xmlns:a16="http://schemas.microsoft.com/office/drawing/2014/main" id="{57B2366C-FEC3-B4A5-417B-57E5A6F0C2A5}"/>
+              </a:ext>
+            </a:extLst>
+          </p:cNvPr>
+          <p:cNvSpPr/>
+          <p:nvPr/>
+        </p:nvSpPr>
+        <p:spPr>
+          <a:xfrm>
+            <a:off x="13289256" y="3154107"/>
+            <a:ext cx="952500" cy="1333500"/>
+          </a:xfrm>
+          <a:prstGeom prst="rect">
+            <a:avLst/>
+          </a:prstGeom>
+          <a:solidFill>
+            <a:srgbClr val="27CB50"/>
+          </a:solidFill>
+        </p:spPr>
+        <p:style>
+          <a:lnRef idx="2">
+            <a:schemeClr val="accent1">
+              <a:shade val="15000"/>
+            </a:schemeClr>
+          </a:lnRef>
+          <a:fillRef idx="1">
+            <a:schemeClr val="accent1"/>
+          </a:fillRef>
+          <a:effectRef idx="0">
+            <a:schemeClr val="accent1"/>
+          </a:effectRef>
+          <a:fontRef idx="minor">
+            <a:schemeClr val="lt1"/>
+          </a:fontRef>
+        </p:style>
+        <p:txBody>
+          <a:bodyPr rtlCol="0" anchor="ctr"/>
+          <a:lstStyle/>
+          <a:p>
+            <a:pPr algn="ctr"/>
+            <a:endParaRPr lang="it-IT"/>
+          </a:p>
+        </p:txBody>
+      </p:sp>
       <p:pic>
         <p:nvPicPr>
           <p:cNvPr id="15" name="Immagine 14" descr="Immagine che contiene cerchio, logo, simbolo, Carattere&#10;&#10;Descrizione generata automaticamente">
@@ -19098,13 +19203,13 @@
   <p:clrMapOvr>
     <a:masterClrMapping/>
   </p:clrMapOvr>
-  <mc:AlternateContent xmlns:mc="http://schemas.openxmlformats.org/markup-compatibility/2006">
-    <mc:Choice xmlns:p159="http://schemas.microsoft.com/office/powerpoint/2015/09/main" Requires="p159">
+  <mc:AlternateContent xmlns:mc="http://schemas.openxmlformats.org/markup-compatibility/2006" xmlns:p159="http://schemas.microsoft.com/office/powerpoint/2015/09/main">
+    <mc:Choice Requires="p159">
       <p:transition xmlns:p14="http://schemas.microsoft.com/office/powerpoint/2010/main" spd="slow" p14:dur="2000">
         <p159:morph option="byObject"/>
       </p:transition>
     </mc:Choice>
-    <mc:Fallback>
+    <mc:Fallback xmlns="">
       <p:transition spd="slow">
         <p:fade/>
       </p:transition>
@@ -19114,7 +19219,7 @@
 </file>
 
 <file path=ppt/slides/slide14.xml><?xml version="1.0" encoding="utf-8"?>
-<p:sld xmlns:a="http://schemas.openxmlformats.org/drawingml/2006/main" xmlns:r="http://schemas.openxmlformats.org/officeDocument/2006/relationships" xmlns:p="http://schemas.openxmlformats.org/presentationml/2006/main">
+<p:sld xmlns:a="http://schemas.openxmlformats.org/drawingml/2006/main" xmlns:r="http://schemas.openxmlformats.org/officeDocument/2006/relationships" xmlns:p="http://schemas.openxmlformats.org/presentationml/2006/main" show="0">
   <p:cSld>
     <p:spTree>
       <p:nvGrpSpPr>
@@ -19615,7 +19720,7 @@
           <p:cNvPr id="7" name="Rettangolo 6">
             <a:extLst>
               <a:ext uri="{FF2B5EF4-FFF2-40B4-BE49-F238E27FC236}">
-                <a16:creationId xmlns:a16="http://schemas.microsoft.com/office/drawing/2014/main" id="{391D3BB9-9C60-6AA8-1A11-E47DFAFFEF68}"/>
+                <a16:creationId xmlns:a16="http://schemas.microsoft.com/office/drawing/2014/main" id="{7CC91CC4-CA62-EDC1-1855-CC3E271D48C2}"/>
               </a:ext>
             </a:extLst>
           </p:cNvPr>
@@ -19624,7 +19729,7 @@
         </p:nvSpPr>
         <p:spPr>
           <a:xfrm>
-            <a:off x="4108501" y="3160849"/>
+            <a:off x="4101712" y="3160849"/>
             <a:ext cx="952500" cy="1333500"/>
           </a:xfrm>
           <a:prstGeom prst="rect">
@@ -19633,9 +19738,55 @@
           <a:solidFill>
             <a:srgbClr val="147B3D"/>
           </a:solidFill>
-          <a:ln>
-            <a:noFill/>
-          </a:ln>
+        </p:spPr>
+        <p:style>
+          <a:lnRef idx="2">
+            <a:schemeClr val="accent1">
+              <a:shade val="15000"/>
+            </a:schemeClr>
+          </a:lnRef>
+          <a:fillRef idx="1">
+            <a:schemeClr val="accent1"/>
+          </a:fillRef>
+          <a:effectRef idx="0">
+            <a:schemeClr val="accent1"/>
+          </a:effectRef>
+          <a:fontRef idx="minor">
+            <a:schemeClr val="lt1"/>
+          </a:fontRef>
+        </p:style>
+        <p:txBody>
+          <a:bodyPr rtlCol="0" anchor="ctr"/>
+          <a:lstStyle/>
+          <a:p>
+            <a:pPr algn="ctr"/>
+            <a:endParaRPr lang="it-IT"/>
+          </a:p>
+        </p:txBody>
+      </p:sp>
+      <p:sp>
+        <p:nvSpPr>
+          <p:cNvPr id="6" name="Rettangolo 5">
+            <a:extLst>
+              <a:ext uri="{FF2B5EF4-FFF2-40B4-BE49-F238E27FC236}">
+                <a16:creationId xmlns:a16="http://schemas.microsoft.com/office/drawing/2014/main" id="{693BF76C-0A06-71DF-0247-ED470F6372A7}"/>
+              </a:ext>
+            </a:extLst>
+          </p:cNvPr>
+          <p:cNvSpPr/>
+          <p:nvPr/>
+        </p:nvSpPr>
+        <p:spPr>
+          <a:xfrm>
+            <a:off x="4101712" y="3160849"/>
+            <a:ext cx="952500" cy="1333500"/>
+          </a:xfrm>
+          <a:prstGeom prst="rect">
+            <a:avLst/>
+          </a:prstGeom>
+          <a:solidFill>
+            <a:srgbClr val="27CB50"/>
+          </a:solidFill>
         </p:spPr>
         <p:style>
           <a:lnRef idx="2">
@@ -19659,58 +19810,6 @@
           <a:p>
             <a:pPr algn="ctr"/>
             <a:endParaRPr lang="it-IT" dirty="0"/>
-          </a:p>
-        </p:txBody>
-      </p:sp>
-      <p:sp>
-        <p:nvSpPr>
-          <p:cNvPr id="6" name="Rettangolo 5">
-            <a:extLst>
-              <a:ext uri="{FF2B5EF4-FFF2-40B4-BE49-F238E27FC236}">
-                <a16:creationId xmlns:a16="http://schemas.microsoft.com/office/drawing/2014/main" id="{72B58A70-F1D3-5476-E7AB-89167A280E78}"/>
-              </a:ext>
-            </a:extLst>
-          </p:cNvPr>
-          <p:cNvSpPr/>
-          <p:nvPr/>
-        </p:nvSpPr>
-        <p:spPr>
-          <a:xfrm>
-            <a:off x="4108501" y="3160849"/>
-            <a:ext cx="952500" cy="1333500"/>
-          </a:xfrm>
-          <a:prstGeom prst="rect">
-            <a:avLst/>
-          </a:prstGeom>
-          <a:solidFill>
-            <a:srgbClr val="27CB50"/>
-          </a:solidFill>
-          <a:ln>
-            <a:noFill/>
-          </a:ln>
-        </p:spPr>
-        <p:style>
-          <a:lnRef idx="2">
-            <a:schemeClr val="accent1">
-              <a:shade val="15000"/>
-            </a:schemeClr>
-          </a:lnRef>
-          <a:fillRef idx="1">
-            <a:schemeClr val="accent1"/>
-          </a:fillRef>
-          <a:effectRef idx="0">
-            <a:schemeClr val="accent1"/>
-          </a:effectRef>
-          <a:fontRef idx="minor">
-            <a:schemeClr val="lt1"/>
-          </a:fontRef>
-        </p:style>
-        <p:txBody>
-          <a:bodyPr rtlCol="0" anchor="ctr"/>
-          <a:lstStyle/>
-          <a:p>
-            <a:pPr algn="ctr"/>
-            <a:endParaRPr lang="it-IT"/>
           </a:p>
         </p:txBody>
       </p:sp>
@@ -19777,7 +19876,7 @@
         </p:nvSpPr>
         <p:spPr>
           <a:xfrm>
-            <a:off x="991754" y="3160849"/>
+            <a:off x="1271052" y="3149963"/>
             <a:ext cx="952500" cy="1333500"/>
           </a:xfrm>
           <a:prstGeom prst="rect">
@@ -19996,8 +20095,8 @@
         </p:blipFill>
         <p:spPr>
           <a:xfrm>
-            <a:off x="3250336" y="2517042"/>
-            <a:ext cx="2655249" cy="3372883"/>
+            <a:off x="3250337" y="2517041"/>
+            <a:ext cx="2655250" cy="3372884"/>
           </a:xfrm>
           <a:prstGeom prst="rect">
             <a:avLst/>
@@ -20032,8 +20131,8 @@
         </p:blipFill>
         <p:spPr>
           <a:xfrm>
-            <a:off x="149350" y="2411086"/>
-            <a:ext cx="2720156" cy="3478838"/>
+            <a:off x="149349" y="2411083"/>
+            <a:ext cx="2720160" cy="3478842"/>
           </a:xfrm>
           <a:prstGeom prst="rect">
             <a:avLst/>
@@ -20043,20 +20142,20 @@
     </p:spTree>
     <p:extLst>
       <p:ext uri="{BB962C8B-B14F-4D97-AF65-F5344CB8AC3E}">
-        <p14:creationId xmlns:p14="http://schemas.microsoft.com/office/powerpoint/2010/main" val="3086502839"/>
+        <p14:creationId xmlns:p14="http://schemas.microsoft.com/office/powerpoint/2010/main" val="521362004"/>
       </p:ext>
     </p:extLst>
   </p:cSld>
   <p:clrMapOvr>
     <a:masterClrMapping/>
   </p:clrMapOvr>
-  <mc:AlternateContent xmlns:mc="http://schemas.openxmlformats.org/markup-compatibility/2006">
-    <mc:Choice xmlns:p159="http://schemas.microsoft.com/office/powerpoint/2015/09/main" Requires="p159">
+  <mc:AlternateContent xmlns:mc="http://schemas.openxmlformats.org/markup-compatibility/2006" xmlns:p159="http://schemas.microsoft.com/office/powerpoint/2015/09/main">
+    <mc:Choice Requires="p159">
       <p:transition xmlns:p14="http://schemas.microsoft.com/office/powerpoint/2010/main" spd="slow" p14:dur="2000">
         <p159:morph option="byObject"/>
       </p:transition>
     </mc:Choice>
-    <mc:Fallback>
+    <mc:Fallback xmlns="">
       <p:transition spd="slow">
         <p:fade/>
       </p:transition>
@@ -21266,13 +21365,13 @@
   <p:clrMapOvr>
     <a:masterClrMapping/>
   </p:clrMapOvr>
-  <mc:AlternateContent xmlns:mc="http://schemas.openxmlformats.org/markup-compatibility/2006">
-    <mc:Choice xmlns:p159="http://schemas.microsoft.com/office/powerpoint/2015/09/main" Requires="p159">
+  <mc:AlternateContent xmlns:mc="http://schemas.openxmlformats.org/markup-compatibility/2006" xmlns:p159="http://schemas.microsoft.com/office/powerpoint/2015/09/main">
+    <mc:Choice Requires="p159">
       <p:transition xmlns:p14="http://schemas.microsoft.com/office/powerpoint/2010/main" spd="slow" p14:dur="2000" advTm="0">
         <p159:morph option="byObject"/>
       </p:transition>
     </mc:Choice>
-    <mc:Fallback>
+    <mc:Fallback xmlns="">
       <p:transition spd="slow" advTm="0">
         <p:fade/>
       </p:transition>
@@ -22558,13 +22657,13 @@
   <p:clrMapOvr>
     <a:masterClrMapping/>
   </p:clrMapOvr>
-  <mc:AlternateContent xmlns:mc="http://schemas.openxmlformats.org/markup-compatibility/2006">
-    <mc:Choice xmlns:p159="http://schemas.microsoft.com/office/powerpoint/2015/09/main" Requires="p159">
+  <mc:AlternateContent xmlns:mc="http://schemas.openxmlformats.org/markup-compatibility/2006" xmlns:p159="http://schemas.microsoft.com/office/powerpoint/2015/09/main">
+    <mc:Choice Requires="p159">
       <p:transition xmlns:p14="http://schemas.microsoft.com/office/powerpoint/2010/main" spd="slow" p14:dur="2000">
         <p159:morph option="byObject"/>
       </p:transition>
     </mc:Choice>
-    <mc:Fallback>
+    <mc:Fallback xmlns="">
       <p:transition spd="slow">
         <p:fade/>
       </p:transition>
@@ -24060,13 +24159,13 @@
   <p:clrMapOvr>
     <a:masterClrMapping/>
   </p:clrMapOvr>
-  <mc:AlternateContent xmlns:mc="http://schemas.openxmlformats.org/markup-compatibility/2006">
-    <mc:Choice xmlns:p159="http://schemas.microsoft.com/office/powerpoint/2015/09/main" Requires="p159">
+  <mc:AlternateContent xmlns:mc="http://schemas.openxmlformats.org/markup-compatibility/2006" xmlns:p159="http://schemas.microsoft.com/office/powerpoint/2015/09/main">
+    <mc:Choice Requires="p159">
       <p:transition xmlns:p14="http://schemas.microsoft.com/office/powerpoint/2010/main" spd="slow" p14:dur="2000">
         <p159:morph option="byObject"/>
       </p:transition>
     </mc:Choice>
-    <mc:Fallback>
+    <mc:Fallback xmlns="">
       <p:transition spd="slow">
         <p:fade/>
       </p:transition>
@@ -24721,13 +24820,13 @@
   <p:clrMapOvr>
     <a:masterClrMapping/>
   </p:clrMapOvr>
-  <mc:AlternateContent xmlns:mc="http://schemas.openxmlformats.org/markup-compatibility/2006">
-    <mc:Choice xmlns:p159="http://schemas.microsoft.com/office/powerpoint/2015/09/main" Requires="p159">
+  <mc:AlternateContent xmlns:mc="http://schemas.openxmlformats.org/markup-compatibility/2006" xmlns:p159="http://schemas.microsoft.com/office/powerpoint/2015/09/main">
+    <mc:Choice Requires="p159">
       <p:transition xmlns:p14="http://schemas.microsoft.com/office/powerpoint/2010/main" spd="slow" p14:dur="2000">
         <p159:morph option="byObject"/>
       </p:transition>
     </mc:Choice>
-    <mc:Fallback>
+    <mc:Fallback xmlns="">
       <p:transition spd="slow">
         <p:fade/>
       </p:transition>
@@ -25983,13 +26082,13 @@
   <p:clrMapOvr>
     <a:masterClrMapping/>
   </p:clrMapOvr>
-  <mc:AlternateContent xmlns:mc="http://schemas.openxmlformats.org/markup-compatibility/2006">
-    <mc:Choice xmlns:p159="http://schemas.microsoft.com/office/powerpoint/2015/09/main" Requires="p159">
+  <mc:AlternateContent xmlns:mc="http://schemas.openxmlformats.org/markup-compatibility/2006" xmlns:p159="http://schemas.microsoft.com/office/powerpoint/2015/09/main">
+    <mc:Choice Requires="p159">
       <p:transition xmlns:p14="http://schemas.microsoft.com/office/powerpoint/2010/main" spd="slow" p14:dur="2000">
         <p159:morph option="byObject"/>
       </p:transition>
     </mc:Choice>
-    <mc:Fallback>
+    <mc:Fallback xmlns="">
       <p:transition spd="slow">
         <p:fade/>
       </p:transition>
@@ -28489,13 +28588,13 @@
   <p:clrMapOvr>
     <a:masterClrMapping/>
   </p:clrMapOvr>
-  <mc:AlternateContent xmlns:mc="http://schemas.openxmlformats.org/markup-compatibility/2006">
-    <mc:Choice xmlns:p159="http://schemas.microsoft.com/office/powerpoint/2015/09/main" Requires="p159">
+  <mc:AlternateContent xmlns:mc="http://schemas.openxmlformats.org/markup-compatibility/2006" xmlns:p159="http://schemas.microsoft.com/office/powerpoint/2015/09/main">
+    <mc:Choice Requires="p159">
       <p:transition xmlns:p14="http://schemas.microsoft.com/office/powerpoint/2010/main" spd="slow" p14:dur="2000">
         <p159:morph option="byObject"/>
       </p:transition>
     </mc:Choice>
-    <mc:Fallback>
+    <mc:Fallback xmlns="">
       <p:transition spd="slow">
         <p:fade/>
       </p:transition>
@@ -30946,13 +31045,13 @@
   <p:clrMapOvr>
     <a:masterClrMapping/>
   </p:clrMapOvr>
-  <mc:AlternateContent xmlns:mc="http://schemas.openxmlformats.org/markup-compatibility/2006">
-    <mc:Choice xmlns:p159="http://schemas.microsoft.com/office/powerpoint/2015/09/main" Requires="p159">
+  <mc:AlternateContent xmlns:mc="http://schemas.openxmlformats.org/markup-compatibility/2006" xmlns:p159="http://schemas.microsoft.com/office/powerpoint/2015/09/main">
+    <mc:Choice Requires="p159">
       <p:transition xmlns:p14="http://schemas.microsoft.com/office/powerpoint/2010/main" spd="slow" p14:dur="2000">
         <p159:morph option="byObject"/>
       </p:transition>
     </mc:Choice>
-    <mc:Fallback>
+    <mc:Fallback xmlns="">
       <p:transition spd="slow">
         <p:fade/>
       </p:transition>
@@ -33445,6 +33544,54 @@
           </a:p>
         </p:txBody>
       </p:sp>
+      <p:sp>
+        <p:nvSpPr>
+          <p:cNvPr id="9" name="CasellaDiTesto 8">
+            <a:extLst>
+              <a:ext uri="{FF2B5EF4-FFF2-40B4-BE49-F238E27FC236}">
+                <a16:creationId xmlns:a16="http://schemas.microsoft.com/office/drawing/2014/main" id="{24BEF158-DAD6-3E06-DFD7-CBC3B6E1473B}"/>
+              </a:ext>
+            </a:extLst>
+          </p:cNvPr>
+          <p:cNvSpPr txBox="1"/>
+          <p:nvPr/>
+        </p:nvSpPr>
+        <p:spPr>
+          <a:xfrm>
+            <a:off x="607534" y="-1386770"/>
+            <a:ext cx="10976932" cy="1015663"/>
+          </a:xfrm>
+          <a:prstGeom prst="rect">
+            <a:avLst/>
+          </a:prstGeom>
+          <a:noFill/>
+          <a:ln w="0">
+            <a:noFill/>
+          </a:ln>
+        </p:spPr>
+        <p:txBody>
+          <a:bodyPr wrap="square" rtlCol="0">
+            <a:spAutoFit/>
+          </a:bodyPr>
+          <a:lstStyle/>
+          <a:p>
+            <a:r>
+              <a:rPr lang="it-IT" sz="6000" dirty="0">
+                <a:ln w="38100">
+                  <a:solidFill>
+                    <a:srgbClr val="386ABB"/>
+                  </a:solidFill>
+                </a:ln>
+                <a:solidFill>
+                  <a:srgbClr val="FFCC03"/>
+                </a:solidFill>
+                <a:latin typeface="Pokemon Solid" panose="040B0500000000000000" pitchFamily="82" charset="2"/>
+              </a:rPr>
+              <a:t>Fasi di Sviluppo del Progetto</a:t>
+            </a:r>
+          </a:p>
+        </p:txBody>
+      </p:sp>
     </p:spTree>
     <p:extLst>
       <p:ext uri="{BB962C8B-B14F-4D97-AF65-F5344CB8AC3E}">
@@ -33455,13 +33602,13 @@
   <p:clrMapOvr>
     <a:masterClrMapping/>
   </p:clrMapOvr>
-  <mc:AlternateContent xmlns:mc="http://schemas.openxmlformats.org/markup-compatibility/2006">
-    <mc:Choice xmlns:p159="http://schemas.microsoft.com/office/powerpoint/2015/09/main" Requires="p159">
+  <mc:AlternateContent xmlns:mc="http://schemas.openxmlformats.org/markup-compatibility/2006" xmlns:p159="http://schemas.microsoft.com/office/powerpoint/2015/09/main">
+    <mc:Choice Requires="p159">
       <p:transition xmlns:p14="http://schemas.microsoft.com/office/powerpoint/2010/main" spd="slow" p14:dur="2000">
         <p159:morph option="byObject"/>
       </p:transition>
     </mc:Choice>
-    <mc:Fallback>
+    <mc:Fallback xmlns="">
       <p:transition spd="slow">
         <p:fade/>
       </p:transition>
@@ -33840,8 +33987,8 @@
         </p:blipFill>
         <p:spPr>
           <a:xfrm>
-            <a:off x="6351324" y="2576544"/>
-            <a:ext cx="2590344" cy="3290437"/>
+            <a:off x="6304480" y="2517040"/>
+            <a:ext cx="2637188" cy="3349941"/>
           </a:xfrm>
           <a:prstGeom prst="rect">
             <a:avLst/>
@@ -33924,6 +34071,4150 @@
     <p:extLst>
       <p:ext uri="{BB962C8B-B14F-4D97-AF65-F5344CB8AC3E}">
         <p14:creationId xmlns:p14="http://schemas.microsoft.com/office/powerpoint/2010/main" val="969114805"/>
+      </p:ext>
+    </p:extLst>
+  </p:cSld>
+  <p:clrMapOvr>
+    <a:masterClrMapping/>
+  </p:clrMapOvr>
+  <mc:AlternateContent xmlns:mc="http://schemas.openxmlformats.org/markup-compatibility/2006" xmlns:p159="http://schemas.microsoft.com/office/powerpoint/2015/09/main">
+    <mc:Choice Requires="p159">
+      <p:transition xmlns:p14="http://schemas.microsoft.com/office/powerpoint/2010/main" spd="slow" p14:dur="2000">
+        <p159:morph option="byObject"/>
+      </p:transition>
+    </mc:Choice>
+    <mc:Fallback xmlns="">
+      <p:transition spd="slow">
+        <p:fade/>
+      </p:transition>
+    </mc:Fallback>
+  </mc:AlternateContent>
+</p:sld>
+</file>
+
+<file path=ppt/slides/slide25.xml><?xml version="1.0" encoding="utf-8"?>
+<p:sld xmlns:a="http://schemas.openxmlformats.org/drawingml/2006/main" xmlns:r="http://schemas.openxmlformats.org/officeDocument/2006/relationships" xmlns:p="http://schemas.openxmlformats.org/presentationml/2006/main">
+  <p:cSld>
+    <p:spTree>
+      <p:nvGrpSpPr>
+        <p:cNvPr id="1" name=""/>
+        <p:cNvGrpSpPr/>
+        <p:nvPr/>
+      </p:nvGrpSpPr>
+      <p:grpSpPr>
+        <a:xfrm>
+          <a:off x="0" y="0"/>
+          <a:ext cx="0" cy="0"/>
+          <a:chOff x="0" y="0"/>
+          <a:chExt cx="0" cy="0"/>
+        </a:xfrm>
+      </p:grpSpPr>
+      <p:sp>
+        <p:nvSpPr>
+          <p:cNvPr id="11" name="CasellaDiTesto 10">
+            <a:extLst>
+              <a:ext uri="{FF2B5EF4-FFF2-40B4-BE49-F238E27FC236}">
+                <a16:creationId xmlns:a16="http://schemas.microsoft.com/office/drawing/2014/main" id="{91E2BAD4-899B-2418-AE17-7FAB8E84B6BE}"/>
+              </a:ext>
+            </a:extLst>
+          </p:cNvPr>
+          <p:cNvSpPr txBox="1"/>
+          <p:nvPr/>
+        </p:nvSpPr>
+        <p:spPr>
+          <a:xfrm>
+            <a:off x="12192000" y="6918385"/>
+            <a:ext cx="10976932" cy="1569660"/>
+          </a:xfrm>
+          <a:prstGeom prst="rect">
+            <a:avLst/>
+          </a:prstGeom>
+          <a:noFill/>
+          <a:ln w="0">
+            <a:noFill/>
+          </a:ln>
+        </p:spPr>
+        <p:txBody>
+          <a:bodyPr wrap="square" rtlCol="0">
+            <a:spAutoFit/>
+          </a:bodyPr>
+          <a:lstStyle/>
+          <a:p>
+            <a:pPr algn="ctr"/>
+            <a:r>
+              <a:rPr lang="it-IT" sz="4800" dirty="0">
+                <a:ln w="38100">
+                  <a:solidFill>
+                    <a:srgbClr val="386ABB"/>
+                  </a:solidFill>
+                </a:ln>
+                <a:solidFill>
+                  <a:srgbClr val="FFCC03"/>
+                </a:solidFill>
+                <a:latin typeface="Pokemon Solid" panose="040B0500000000000000" pitchFamily="82" charset="2"/>
+              </a:rPr>
+              <a:t>Interface </a:t>
+            </a:r>
+            <a:r>
+              <a:rPr lang="it-IT" sz="4800" dirty="0" err="1">
+                <a:ln w="38100">
+                  <a:solidFill>
+                    <a:srgbClr val="386ABB"/>
+                  </a:solidFill>
+                </a:ln>
+                <a:solidFill>
+                  <a:srgbClr val="FFCC03"/>
+                </a:solidFill>
+                <a:latin typeface="Pokemon Solid" panose="040B0500000000000000" pitchFamily="82" charset="2"/>
+              </a:rPr>
+              <a:t>Documentation</a:t>
+            </a:r>
+            <a:r>
+              <a:rPr lang="it-IT" sz="4800" dirty="0">
+                <a:ln w="38100">
+                  <a:solidFill>
+                    <a:srgbClr val="386ABB"/>
+                  </a:solidFill>
+                </a:ln>
+                <a:solidFill>
+                  <a:srgbClr val="FFCC03"/>
+                </a:solidFill>
+                <a:latin typeface="Pokemon Solid" panose="040B0500000000000000" pitchFamily="82" charset="2"/>
+              </a:rPr>
+              <a:t> Guidelines</a:t>
+            </a:r>
+          </a:p>
+        </p:txBody>
+      </p:sp>
+      <p:sp>
+        <p:nvSpPr>
+          <p:cNvPr id="12" name="CasellaDiTesto 11">
+            <a:extLst>
+              <a:ext uri="{FF2B5EF4-FFF2-40B4-BE49-F238E27FC236}">
+                <a16:creationId xmlns:a16="http://schemas.microsoft.com/office/drawing/2014/main" id="{08EACDE4-3E64-9002-437F-8168ED6AF26A}"/>
+              </a:ext>
+            </a:extLst>
+          </p:cNvPr>
+          <p:cNvSpPr txBox="1"/>
+          <p:nvPr/>
+        </p:nvSpPr>
+        <p:spPr>
+          <a:xfrm>
+            <a:off x="13053995" y="8619921"/>
+            <a:ext cx="9252943" cy="4944943"/>
+          </a:xfrm>
+          <a:prstGeom prst="rect">
+            <a:avLst/>
+          </a:prstGeom>
+          <a:noFill/>
+        </p:spPr>
+        <p:txBody>
+          <a:bodyPr wrap="square" rtlCol="0">
+            <a:spAutoFit/>
+          </a:bodyPr>
+          <a:lstStyle/>
+          <a:p>
+            <a:r>
+              <a:rPr lang="it-IT" sz="2400" dirty="0">
+                <a:solidFill>
+                  <a:schemeClr val="bg1"/>
+                </a:solidFill>
+                <a:effectLst/>
+                <a:latin typeface="Pokemon Solid" panose="040B0500000000000000" pitchFamily="82" charset="2"/>
+                <a:ea typeface="Arial MT"/>
+                <a:cs typeface="Arial MT"/>
+              </a:rPr>
+              <a:t>Per lo sviluppo saranno utilizzate le seguenti convenzioni:</a:t>
+            </a:r>
+          </a:p>
+          <a:p>
+            <a:pPr marL="342900" lvl="0" indent="-342900">
+              <a:spcBef>
+                <a:spcPts val="795"/>
+              </a:spcBef>
+              <a:buFont typeface="Symbol" panose="05050102010706020507" pitchFamily="18" charset="2"/>
+              <a:buChar char=""/>
+              <a:tabLst>
+                <a:tab pos="1067435" algn="l"/>
+                <a:tab pos="1068705" algn="l"/>
+              </a:tabLst>
+            </a:pPr>
+            <a:r>
+              <a:rPr lang="it-IT" sz="2400" dirty="0">
+                <a:solidFill>
+                  <a:schemeClr val="bg1"/>
+                </a:solidFill>
+                <a:effectLst/>
+                <a:latin typeface="Pokemon Solid" panose="040B0500000000000000" pitchFamily="82" charset="2"/>
+                <a:ea typeface="Arial MT"/>
+                <a:cs typeface="Arial MT"/>
+              </a:rPr>
+              <a:t>Gli oggetti e i metodo saranno nominati a seconda della convenzione </a:t>
+            </a:r>
+            <a:r>
+              <a:rPr lang="it-IT" sz="2400" dirty="0" err="1">
+                <a:solidFill>
+                  <a:schemeClr val="bg1"/>
+                </a:solidFill>
+                <a:effectLst/>
+                <a:latin typeface="Pokemon Solid" panose="040B0500000000000000" pitchFamily="82" charset="2"/>
+                <a:ea typeface="Arial MT"/>
+                <a:cs typeface="Arial MT"/>
+              </a:rPr>
+              <a:t>CamelCase</a:t>
+            </a:r>
+            <a:endParaRPr lang="it-IT" sz="2400" dirty="0">
+              <a:solidFill>
+                <a:schemeClr val="bg1"/>
+              </a:solidFill>
+              <a:effectLst/>
+              <a:latin typeface="Pokemon Solid" panose="040B0500000000000000" pitchFamily="82" charset="2"/>
+              <a:ea typeface="Arial MT"/>
+              <a:cs typeface="Arial MT"/>
+            </a:endParaRPr>
+          </a:p>
+          <a:p>
+            <a:pPr marL="342900" lvl="0" indent="-342900">
+              <a:spcBef>
+                <a:spcPts val="795"/>
+              </a:spcBef>
+              <a:buFont typeface="Symbol" panose="05050102010706020507" pitchFamily="18" charset="2"/>
+              <a:buChar char=""/>
+              <a:tabLst>
+                <a:tab pos="1068070" algn="l"/>
+              </a:tabLst>
+            </a:pPr>
+            <a:r>
+              <a:rPr lang="it-IT" sz="2400" dirty="0">
+                <a:solidFill>
+                  <a:schemeClr val="bg1"/>
+                </a:solidFill>
+                <a:effectLst/>
+                <a:latin typeface="Pokemon Solid" panose="040B0500000000000000" pitchFamily="82" charset="2"/>
+                <a:ea typeface="Arial MT"/>
+                <a:cs typeface="Arial MT"/>
+              </a:rPr>
+              <a:t>Gli oggetti </a:t>
+            </a:r>
+            <a:r>
+              <a:rPr lang="it-IT" sz="2400" dirty="0" err="1">
+                <a:solidFill>
+                  <a:schemeClr val="bg1"/>
+                </a:solidFill>
+                <a:effectLst/>
+                <a:latin typeface="Pokemon Solid" panose="040B0500000000000000" pitchFamily="82" charset="2"/>
+                <a:ea typeface="Arial MT"/>
+                <a:cs typeface="Arial MT"/>
+              </a:rPr>
+              <a:t>entita</a:t>
+            </a:r>
+            <a:r>
+              <a:rPr lang="it-IT" sz="2400" dirty="0">
+                <a:solidFill>
+                  <a:schemeClr val="bg1"/>
+                </a:solidFill>
+                <a:effectLst/>
+                <a:latin typeface="Pokemon Solid" panose="040B0500000000000000" pitchFamily="82" charset="2"/>
+                <a:ea typeface="Arial MT"/>
+                <a:cs typeface="Arial MT"/>
+              </a:rPr>
+              <a:t> saranno chiamati semplicemente con il nome dell'</a:t>
+            </a:r>
+            <a:r>
+              <a:rPr lang="it-IT" sz="2400" dirty="0" err="1">
+                <a:solidFill>
+                  <a:schemeClr val="bg1"/>
+                </a:solidFill>
+                <a:effectLst/>
+                <a:latin typeface="Pokemon Solid" panose="040B0500000000000000" pitchFamily="82" charset="2"/>
+                <a:ea typeface="Arial MT"/>
+                <a:cs typeface="Arial MT"/>
+              </a:rPr>
+              <a:t>entita</a:t>
+            </a:r>
+            <a:endParaRPr lang="it-IT" sz="2400" dirty="0">
+              <a:solidFill>
+                <a:schemeClr val="bg1"/>
+              </a:solidFill>
+              <a:effectLst/>
+              <a:latin typeface="Pokemon Solid" panose="040B0500000000000000" pitchFamily="82" charset="2"/>
+              <a:ea typeface="Arial MT"/>
+              <a:cs typeface="Arial MT"/>
+            </a:endParaRPr>
+          </a:p>
+          <a:p>
+            <a:pPr marL="342900" lvl="0" indent="-342900">
+              <a:spcBef>
+                <a:spcPts val="795"/>
+              </a:spcBef>
+              <a:buFont typeface="Symbol" panose="05050102010706020507" pitchFamily="18" charset="2"/>
+              <a:buChar char=""/>
+              <a:tabLst>
+                <a:tab pos="1067435" algn="l"/>
+                <a:tab pos="1068705" algn="l"/>
+              </a:tabLst>
+            </a:pPr>
+            <a:r>
+              <a:rPr lang="it-IT" sz="2400" dirty="0">
+                <a:solidFill>
+                  <a:schemeClr val="bg1"/>
+                </a:solidFill>
+                <a:effectLst/>
+                <a:latin typeface="Pokemon Solid" panose="040B0500000000000000" pitchFamily="82" charset="2"/>
+                <a:ea typeface="Arial MT"/>
+                <a:cs typeface="Arial MT"/>
+              </a:rPr>
+              <a:t>Gli oggetti saranno nominati a seconda dell' </a:t>
+            </a:r>
+            <a:r>
+              <a:rPr lang="it-IT" sz="2400" dirty="0" err="1">
+                <a:solidFill>
+                  <a:schemeClr val="bg1"/>
+                </a:solidFill>
+                <a:effectLst/>
+                <a:latin typeface="Pokemon Solid" panose="040B0500000000000000" pitchFamily="82" charset="2"/>
+                <a:ea typeface="Arial MT"/>
+                <a:cs typeface="Arial MT"/>
+              </a:rPr>
+              <a:t>entita</a:t>
+            </a:r>
+            <a:r>
+              <a:rPr lang="it-IT" sz="2400" dirty="0">
+                <a:solidFill>
+                  <a:schemeClr val="bg1"/>
+                </a:solidFill>
+                <a:effectLst/>
+                <a:latin typeface="Pokemon Solid" panose="040B0500000000000000" pitchFamily="82" charset="2"/>
+                <a:ea typeface="Arial MT"/>
+                <a:cs typeface="Arial MT"/>
+              </a:rPr>
+              <a:t> di cui si occupano e del loro ruolo nell' applicazione per esempio </a:t>
+            </a:r>
+            <a:r>
+              <a:rPr lang="it-IT" sz="2400" dirty="0" err="1">
+                <a:solidFill>
+                  <a:schemeClr val="bg1"/>
+                </a:solidFill>
+                <a:effectLst/>
+                <a:latin typeface="Pokemon Solid" panose="040B0500000000000000" pitchFamily="82" charset="2"/>
+                <a:ea typeface="Arial MT"/>
+                <a:cs typeface="Arial MT"/>
+              </a:rPr>
+              <a:t>TorneoService</a:t>
+            </a:r>
+            <a:r>
+              <a:rPr lang="it-IT" sz="2400" dirty="0">
+                <a:solidFill>
+                  <a:schemeClr val="bg1"/>
+                </a:solidFill>
+                <a:effectLst/>
+                <a:latin typeface="Pokemon Solid" panose="040B0500000000000000" pitchFamily="82" charset="2"/>
+                <a:ea typeface="Arial MT"/>
+                <a:cs typeface="Arial MT"/>
+              </a:rPr>
+              <a:t>, </a:t>
+            </a:r>
+            <a:r>
+              <a:rPr lang="it-IT" sz="2400" dirty="0" err="1">
+                <a:solidFill>
+                  <a:schemeClr val="bg1"/>
+                </a:solidFill>
+                <a:effectLst/>
+                <a:latin typeface="Pokemon Solid" panose="040B0500000000000000" pitchFamily="82" charset="2"/>
+                <a:ea typeface="Arial MT"/>
+                <a:cs typeface="Arial MT"/>
+              </a:rPr>
+              <a:t>UtenteController</a:t>
+            </a:r>
+            <a:r>
+              <a:rPr lang="it-IT" sz="2400" dirty="0">
+                <a:solidFill>
+                  <a:schemeClr val="bg1"/>
+                </a:solidFill>
+                <a:effectLst/>
+                <a:latin typeface="Pokemon Solid" panose="040B0500000000000000" pitchFamily="82" charset="2"/>
+                <a:ea typeface="Arial MT"/>
+                <a:cs typeface="Arial MT"/>
+              </a:rPr>
+              <a:t> ecc...</a:t>
+            </a:r>
+          </a:p>
+          <a:p>
+            <a:pPr marL="342900" lvl="0" indent="-342900">
+              <a:spcBef>
+                <a:spcPts val="795"/>
+              </a:spcBef>
+              <a:buFont typeface="Symbol" panose="05050102010706020507" pitchFamily="18" charset="2"/>
+              <a:buChar char=""/>
+              <a:tabLst>
+                <a:tab pos="1068705" algn="l"/>
+                <a:tab pos="1108075" algn="l"/>
+              </a:tabLst>
+            </a:pPr>
+            <a:r>
+              <a:rPr lang="it-IT" sz="2400" dirty="0">
+                <a:solidFill>
+                  <a:schemeClr val="bg1"/>
+                </a:solidFill>
+                <a:effectLst/>
+                <a:latin typeface="Pokemon Solid" panose="040B0500000000000000" pitchFamily="82" charset="2"/>
+                <a:ea typeface="Arial MT"/>
+                <a:cs typeface="Arial MT"/>
+              </a:rPr>
+              <a:t>Le pagine html in </a:t>
+            </a:r>
+            <a:r>
+              <a:rPr lang="it-IT" sz="2400" dirty="0" err="1">
+                <a:solidFill>
+                  <a:schemeClr val="bg1"/>
+                </a:solidFill>
+                <a:effectLst/>
+                <a:latin typeface="Pokemon Solid" panose="040B0500000000000000" pitchFamily="82" charset="2"/>
+                <a:ea typeface="Arial MT"/>
+                <a:cs typeface="Arial MT"/>
+              </a:rPr>
+              <a:t>thydeconposizionemeleaf</a:t>
+            </a:r>
+            <a:r>
+              <a:rPr lang="it-IT" sz="2400" dirty="0">
+                <a:solidFill>
+                  <a:schemeClr val="bg1"/>
+                </a:solidFill>
+                <a:effectLst/>
+                <a:latin typeface="Pokemon Solid" panose="040B0500000000000000" pitchFamily="82" charset="2"/>
+                <a:ea typeface="Arial MT"/>
+                <a:cs typeface="Arial MT"/>
+              </a:rPr>
+              <a:t> saranno segnate completamente in minuscolo</a:t>
+            </a:r>
+          </a:p>
+          <a:p>
+            <a:pPr marL="342900" lvl="0" indent="-342900">
+              <a:spcBef>
+                <a:spcPts val="795"/>
+              </a:spcBef>
+              <a:buFont typeface="Symbol" panose="05050102010706020507" pitchFamily="18" charset="2"/>
+              <a:buChar char=""/>
+              <a:tabLst>
+                <a:tab pos="1068070" algn="l"/>
+              </a:tabLst>
+            </a:pPr>
+            <a:r>
+              <a:rPr lang="it-IT" sz="2400" dirty="0">
+                <a:solidFill>
+                  <a:schemeClr val="bg1"/>
+                </a:solidFill>
+                <a:effectLst/>
+                <a:latin typeface="Pokemon Solid" panose="040B0500000000000000" pitchFamily="82" charset="2"/>
+                <a:ea typeface="Arial MT"/>
+                <a:cs typeface="Arial MT"/>
+              </a:rPr>
+              <a:t>I nomi dei package sono in minuscolo</a:t>
+            </a:r>
+          </a:p>
+          <a:p>
+            <a:endParaRPr lang="it-IT" dirty="0">
+              <a:solidFill>
+                <a:schemeClr val="bg1"/>
+              </a:solidFill>
+              <a:latin typeface="Pokemon Solid" panose="040B0500000000000000" pitchFamily="82" charset="2"/>
+            </a:endParaRPr>
+          </a:p>
+        </p:txBody>
+      </p:sp>
+      <p:sp>
+        <p:nvSpPr>
+          <p:cNvPr id="2" name="Rettangolo 1">
+            <a:extLst>
+              <a:ext uri="{FF2B5EF4-FFF2-40B4-BE49-F238E27FC236}">
+                <a16:creationId xmlns:a16="http://schemas.microsoft.com/office/drawing/2014/main" id="{981F11BF-369C-E430-DAE6-6799D08BC15C}"/>
+              </a:ext>
+            </a:extLst>
+          </p:cNvPr>
+          <p:cNvSpPr/>
+          <p:nvPr/>
+        </p:nvSpPr>
+        <p:spPr>
+          <a:xfrm>
+            <a:off x="6144507" y="-199"/>
+            <a:ext cx="2939056" cy="6918584"/>
+          </a:xfrm>
+          <a:prstGeom prst="rect">
+            <a:avLst/>
+          </a:prstGeom>
+          <a:solidFill>
+            <a:srgbClr val="48190B"/>
+          </a:solidFill>
+          <a:ln>
+            <a:noFill/>
+          </a:ln>
+        </p:spPr>
+        <p:style>
+          <a:lnRef idx="2">
+            <a:schemeClr val="accent1">
+              <a:shade val="15000"/>
+            </a:schemeClr>
+          </a:lnRef>
+          <a:fillRef idx="1">
+            <a:schemeClr val="accent1"/>
+          </a:fillRef>
+          <a:effectRef idx="0">
+            <a:schemeClr val="accent1"/>
+          </a:effectRef>
+          <a:fontRef idx="minor">
+            <a:schemeClr val="lt1"/>
+          </a:fontRef>
+        </p:style>
+        <p:txBody>
+          <a:bodyPr rtlCol="0" anchor="ctr"/>
+          <a:lstStyle/>
+          <a:p>
+            <a:pPr algn="ctr"/>
+            <a:endParaRPr lang="it-IT" dirty="0"/>
+          </a:p>
+        </p:txBody>
+      </p:sp>
+      <p:sp>
+        <p:nvSpPr>
+          <p:cNvPr id="5" name="Rettangolo 4">
+            <a:extLst>
+              <a:ext uri="{FF2B5EF4-FFF2-40B4-BE49-F238E27FC236}">
+                <a16:creationId xmlns:a16="http://schemas.microsoft.com/office/drawing/2014/main" id="{C6ED6F97-D7E9-46B3-204D-14FE194922E3}"/>
+              </a:ext>
+            </a:extLst>
+          </p:cNvPr>
+          <p:cNvSpPr/>
+          <p:nvPr/>
+        </p:nvSpPr>
+        <p:spPr>
+          <a:xfrm>
+            <a:off x="6144509" y="0"/>
+            <a:ext cx="2939057" cy="6858000"/>
+          </a:xfrm>
+          <a:prstGeom prst="rect">
+            <a:avLst/>
+          </a:prstGeom>
+          <a:solidFill>
+            <a:srgbClr val="8B3E22"/>
+          </a:solidFill>
+        </p:spPr>
+        <p:style>
+          <a:lnRef idx="2">
+            <a:schemeClr val="accent1">
+              <a:shade val="15000"/>
+            </a:schemeClr>
+          </a:lnRef>
+          <a:fillRef idx="1">
+            <a:schemeClr val="accent1"/>
+          </a:fillRef>
+          <a:effectRef idx="0">
+            <a:schemeClr val="accent1"/>
+          </a:effectRef>
+          <a:fontRef idx="minor">
+            <a:schemeClr val="lt1"/>
+          </a:fontRef>
+        </p:style>
+        <p:txBody>
+          <a:bodyPr rtlCol="0" anchor="ctr"/>
+          <a:lstStyle/>
+          <a:p>
+            <a:pPr algn="ctr"/>
+            <a:endParaRPr lang="it-IT" dirty="0"/>
+          </a:p>
+        </p:txBody>
+      </p:sp>
+      <p:pic>
+        <p:nvPicPr>
+          <p:cNvPr id="17" name="Immagine 16" descr="Immagine che contiene logo, cerchio, Carattere, Elementi grafici&#10;&#10;Descrizione generata automaticamente">
+            <a:extLst>
+              <a:ext uri="{FF2B5EF4-FFF2-40B4-BE49-F238E27FC236}">
+                <a16:creationId xmlns:a16="http://schemas.microsoft.com/office/drawing/2014/main" id="{481B8042-57D3-199E-FCA4-88F18AEE6FEC}"/>
+              </a:ext>
+            </a:extLst>
+          </p:cNvPr>
+          <p:cNvPicPr>
+            <a:picLocks noChangeAspect="1"/>
+          </p:cNvPicPr>
+          <p:nvPr/>
+        </p:nvPicPr>
+        <p:blipFill>
+          <a:blip r:embed="rId2">
+            <a:extLst>
+              <a:ext uri="{28A0092B-C50C-407E-A947-70E740481C1C}">
+                <a14:useLocalDpi xmlns:a14="http://schemas.microsoft.com/office/drawing/2010/main" val="0"/>
+              </a:ext>
+            </a:extLst>
+          </a:blip>
+          <a:stretch>
+            <a:fillRect/>
+          </a:stretch>
+        </p:blipFill>
+        <p:spPr>
+          <a:xfrm>
+            <a:off x="6303076" y="1742361"/>
+            <a:ext cx="2655403" cy="3373079"/>
+          </a:xfrm>
+          <a:prstGeom prst="rect">
+            <a:avLst/>
+          </a:prstGeom>
+        </p:spPr>
+      </p:pic>
+      <p:sp>
+        <p:nvSpPr>
+          <p:cNvPr id="7" name="Rettangolo 6">
+            <a:extLst>
+              <a:ext uri="{FF2B5EF4-FFF2-40B4-BE49-F238E27FC236}">
+                <a16:creationId xmlns:a16="http://schemas.microsoft.com/office/drawing/2014/main" id="{391D3BB9-9C60-6AA8-1A11-E47DFAFFEF68}"/>
+              </a:ext>
+            </a:extLst>
+          </p:cNvPr>
+          <p:cNvSpPr/>
+          <p:nvPr/>
+        </p:nvSpPr>
+        <p:spPr>
+          <a:xfrm>
+            <a:off x="4108501" y="3160849"/>
+            <a:ext cx="952500" cy="1333500"/>
+          </a:xfrm>
+          <a:prstGeom prst="rect">
+            <a:avLst/>
+          </a:prstGeom>
+          <a:solidFill>
+            <a:srgbClr val="147B3D"/>
+          </a:solidFill>
+          <a:ln>
+            <a:noFill/>
+          </a:ln>
+        </p:spPr>
+        <p:style>
+          <a:lnRef idx="2">
+            <a:schemeClr val="accent1">
+              <a:shade val="15000"/>
+            </a:schemeClr>
+          </a:lnRef>
+          <a:fillRef idx="1">
+            <a:schemeClr val="accent1"/>
+          </a:fillRef>
+          <a:effectRef idx="0">
+            <a:schemeClr val="accent1"/>
+          </a:effectRef>
+          <a:fontRef idx="minor">
+            <a:schemeClr val="lt1"/>
+          </a:fontRef>
+        </p:style>
+        <p:txBody>
+          <a:bodyPr rtlCol="0" anchor="ctr"/>
+          <a:lstStyle/>
+          <a:p>
+            <a:pPr algn="ctr"/>
+            <a:endParaRPr lang="it-IT" dirty="0"/>
+          </a:p>
+        </p:txBody>
+      </p:sp>
+      <p:sp>
+        <p:nvSpPr>
+          <p:cNvPr id="6" name="Rettangolo 5">
+            <a:extLst>
+              <a:ext uri="{FF2B5EF4-FFF2-40B4-BE49-F238E27FC236}">
+                <a16:creationId xmlns:a16="http://schemas.microsoft.com/office/drawing/2014/main" id="{72B58A70-F1D3-5476-E7AB-89167A280E78}"/>
+              </a:ext>
+            </a:extLst>
+          </p:cNvPr>
+          <p:cNvSpPr/>
+          <p:nvPr/>
+        </p:nvSpPr>
+        <p:spPr>
+          <a:xfrm>
+            <a:off x="4108501" y="3160849"/>
+            <a:ext cx="952500" cy="1333500"/>
+          </a:xfrm>
+          <a:prstGeom prst="rect">
+            <a:avLst/>
+          </a:prstGeom>
+          <a:solidFill>
+            <a:srgbClr val="27CB50"/>
+          </a:solidFill>
+          <a:ln>
+            <a:noFill/>
+          </a:ln>
+        </p:spPr>
+        <p:style>
+          <a:lnRef idx="2">
+            <a:schemeClr val="accent1">
+              <a:shade val="15000"/>
+            </a:schemeClr>
+          </a:lnRef>
+          <a:fillRef idx="1">
+            <a:schemeClr val="accent1"/>
+          </a:fillRef>
+          <a:effectRef idx="0">
+            <a:schemeClr val="accent1"/>
+          </a:effectRef>
+          <a:fontRef idx="minor">
+            <a:schemeClr val="lt1"/>
+          </a:fontRef>
+        </p:style>
+        <p:txBody>
+          <a:bodyPr rtlCol="0" anchor="ctr"/>
+          <a:lstStyle/>
+          <a:p>
+            <a:pPr algn="ctr"/>
+            <a:endParaRPr lang="it-IT"/>
+          </a:p>
+        </p:txBody>
+      </p:sp>
+      <p:pic>
+        <p:nvPicPr>
+          <p:cNvPr id="4" name="Immagine 3" descr="Immagine che contiene Carattere, Elementi grafici, grafica, tipografia&#10;&#10;Descrizione generata automaticamente">
+            <a:extLst>
+              <a:ext uri="{FF2B5EF4-FFF2-40B4-BE49-F238E27FC236}">
+                <a16:creationId xmlns:a16="http://schemas.microsoft.com/office/drawing/2014/main" id="{EA2EC9F2-5495-160C-7AC9-3F90E9E2CFA3}"/>
+              </a:ext>
+            </a:extLst>
+          </p:cNvPr>
+          <p:cNvPicPr>
+            <a:picLocks noChangeAspect="1"/>
+          </p:cNvPicPr>
+          <p:nvPr/>
+        </p:nvPicPr>
+        <p:blipFill>
+          <a:blip r:embed="rId3">
+            <a:extLst>
+              <a:ext uri="{28A0092B-C50C-407E-A947-70E740481C1C}">
+                <a14:useLocalDpi xmlns:a14="http://schemas.microsoft.com/office/drawing/2010/main" val="0"/>
+              </a:ext>
+            </a:extLst>
+          </a:blip>
+          <a:stretch>
+            <a:fillRect/>
+          </a:stretch>
+        </p:blipFill>
+        <p:spPr>
+          <a:xfrm>
+            <a:off x="1708585" y="-4091422"/>
+            <a:ext cx="8924925" cy="1228725"/>
+          </a:xfrm>
+          <a:prstGeom prst="rect">
+            <a:avLst/>
+          </a:prstGeom>
+        </p:spPr>
+      </p:pic>
+      <p:sp>
+        <p:nvSpPr>
+          <p:cNvPr id="3" name="CasellaDiTesto 2">
+            <a:extLst>
+              <a:ext uri="{FF2B5EF4-FFF2-40B4-BE49-F238E27FC236}">
+                <a16:creationId xmlns:a16="http://schemas.microsoft.com/office/drawing/2014/main" id="{FE4390CA-EDC7-7703-4DC3-D3BEBEA09EC3}"/>
+              </a:ext>
+            </a:extLst>
+          </p:cNvPr>
+          <p:cNvSpPr txBox="1"/>
+          <p:nvPr/>
+        </p:nvSpPr>
+        <p:spPr>
+          <a:xfrm>
+            <a:off x="417119" y="-1337766"/>
+            <a:ext cx="10976932" cy="1015663"/>
+          </a:xfrm>
+          <a:prstGeom prst="rect">
+            <a:avLst/>
+          </a:prstGeom>
+          <a:noFill/>
+          <a:ln w="0">
+            <a:noFill/>
+          </a:ln>
+        </p:spPr>
+        <p:txBody>
+          <a:bodyPr wrap="square" rtlCol="0">
+            <a:spAutoFit/>
+          </a:bodyPr>
+          <a:lstStyle/>
+          <a:p>
+            <a:r>
+              <a:rPr lang="it-IT" sz="6000" dirty="0">
+                <a:ln w="38100">
+                  <a:solidFill>
+                    <a:srgbClr val="386ABB"/>
+                  </a:solidFill>
+                </a:ln>
+                <a:solidFill>
+                  <a:srgbClr val="FFCC03"/>
+                </a:solidFill>
+                <a:latin typeface="Pokemon Solid" panose="040B0500000000000000" pitchFamily="82" charset="2"/>
+              </a:rPr>
+              <a:t>Fasi di Sviluppo del Progetto</a:t>
+            </a:r>
+          </a:p>
+        </p:txBody>
+      </p:sp>
+      <p:pic>
+        <p:nvPicPr>
+          <p:cNvPr id="15" name="Immagine 14" descr="Immagine che contiene cerchio, logo, simbolo, Carattere&#10;&#10;Descrizione generata automaticamente">
+            <a:extLst>
+              <a:ext uri="{FF2B5EF4-FFF2-40B4-BE49-F238E27FC236}">
+                <a16:creationId xmlns:a16="http://schemas.microsoft.com/office/drawing/2014/main" id="{787E19FA-2DAB-FFB9-DFB7-BB14A2D7142A}"/>
+              </a:ext>
+            </a:extLst>
+          </p:cNvPr>
+          <p:cNvPicPr>
+            <a:picLocks noChangeAspect="1"/>
+          </p:cNvPicPr>
+          <p:nvPr/>
+        </p:nvPicPr>
+        <p:blipFill>
+          <a:blip r:embed="rId4">
+            <a:extLst>
+              <a:ext uri="{28A0092B-C50C-407E-A947-70E740481C1C}">
+                <a14:useLocalDpi xmlns:a14="http://schemas.microsoft.com/office/drawing/2010/main" val="0"/>
+              </a:ext>
+            </a:extLst>
+          </a:blip>
+          <a:stretch>
+            <a:fillRect/>
+          </a:stretch>
+        </p:blipFill>
+        <p:spPr>
+          <a:xfrm>
+            <a:off x="9420552" y="2641600"/>
+            <a:ext cx="2557193" cy="3248325"/>
+          </a:xfrm>
+          <a:prstGeom prst="rect">
+            <a:avLst/>
+          </a:prstGeom>
+        </p:spPr>
+      </p:pic>
+      <p:pic>
+        <p:nvPicPr>
+          <p:cNvPr id="19" name="Immagine 18" descr="Immagine che contiene cerchio, verde, Elementi grafici, logo&#10;&#10;Descrizione generata automaticamente">
+            <a:extLst>
+              <a:ext uri="{FF2B5EF4-FFF2-40B4-BE49-F238E27FC236}">
+                <a16:creationId xmlns:a16="http://schemas.microsoft.com/office/drawing/2014/main" id="{1783FB66-1FCC-D1E4-13AC-B2F44C599719}"/>
+              </a:ext>
+            </a:extLst>
+          </p:cNvPr>
+          <p:cNvPicPr>
+            <a:picLocks noChangeAspect="1"/>
+          </p:cNvPicPr>
+          <p:nvPr/>
+        </p:nvPicPr>
+        <p:blipFill>
+          <a:blip r:embed="rId5">
+            <a:extLst>
+              <a:ext uri="{28A0092B-C50C-407E-A947-70E740481C1C}">
+                <a14:useLocalDpi xmlns:a14="http://schemas.microsoft.com/office/drawing/2010/main" val="0"/>
+              </a:ext>
+            </a:extLst>
+          </a:blip>
+          <a:stretch>
+            <a:fillRect/>
+          </a:stretch>
+        </p:blipFill>
+        <p:spPr>
+          <a:xfrm>
+            <a:off x="3250334" y="2517040"/>
+            <a:ext cx="2655251" cy="3372885"/>
+          </a:xfrm>
+          <a:prstGeom prst="rect">
+            <a:avLst/>
+          </a:prstGeom>
+        </p:spPr>
+      </p:pic>
+      <p:pic>
+        <p:nvPicPr>
+          <p:cNvPr id="21" name="Immagine 20" descr="Immagine che contiene cerchio, logo, simbolo, Carattere&#10;&#10;Descrizione generata automaticamente">
+            <a:extLst>
+              <a:ext uri="{FF2B5EF4-FFF2-40B4-BE49-F238E27FC236}">
+                <a16:creationId xmlns:a16="http://schemas.microsoft.com/office/drawing/2014/main" id="{923451DD-18F1-E3F1-D326-50C8887626DE}"/>
+              </a:ext>
+            </a:extLst>
+          </p:cNvPr>
+          <p:cNvPicPr>
+            <a:picLocks noChangeAspect="1"/>
+          </p:cNvPicPr>
+          <p:nvPr/>
+        </p:nvPicPr>
+        <p:blipFill>
+          <a:blip r:embed="rId6">
+            <a:extLst>
+              <a:ext uri="{28A0092B-C50C-407E-A947-70E740481C1C}">
+                <a14:useLocalDpi xmlns:a14="http://schemas.microsoft.com/office/drawing/2010/main" val="0"/>
+              </a:ext>
+            </a:extLst>
+          </a:blip>
+          <a:stretch>
+            <a:fillRect/>
+          </a:stretch>
+        </p:blipFill>
+        <p:spPr>
+          <a:xfrm>
+            <a:off x="149350" y="2494096"/>
+            <a:ext cx="2655248" cy="3395827"/>
+          </a:xfrm>
+          <a:prstGeom prst="rect">
+            <a:avLst/>
+          </a:prstGeom>
+        </p:spPr>
+      </p:pic>
+    </p:spTree>
+    <p:extLst>
+      <p:ext uri="{BB962C8B-B14F-4D97-AF65-F5344CB8AC3E}">
+        <p14:creationId xmlns:p14="http://schemas.microsoft.com/office/powerpoint/2010/main" val="3220515944"/>
+      </p:ext>
+    </p:extLst>
+  </p:cSld>
+  <p:clrMapOvr>
+    <a:masterClrMapping/>
+  </p:clrMapOvr>
+  <mc:AlternateContent xmlns:mc="http://schemas.openxmlformats.org/markup-compatibility/2006">
+    <mc:Choice xmlns:p159="http://schemas.microsoft.com/office/powerpoint/2015/09/main" Requires="p159">
+      <p:transition xmlns:p14="http://schemas.microsoft.com/office/powerpoint/2010/main" spd="slow" p14:dur="2000" advTm="0">
+        <p159:morph option="byObject"/>
+      </p:transition>
+    </mc:Choice>
+    <mc:Fallback>
+      <p:transition spd="slow" advTm="0">
+        <p:fade/>
+      </p:transition>
+    </mc:Fallback>
+  </mc:AlternateContent>
+</p:sld>
+</file>
+
+<file path=ppt/slides/slide26.xml><?xml version="1.0" encoding="utf-8"?>
+<p:sld xmlns:a="http://schemas.openxmlformats.org/drawingml/2006/main" xmlns:r="http://schemas.openxmlformats.org/officeDocument/2006/relationships" xmlns:p="http://schemas.openxmlformats.org/presentationml/2006/main">
+  <p:cSld>
+    <p:spTree>
+      <p:nvGrpSpPr>
+        <p:cNvPr id="1" name=""/>
+        <p:cNvGrpSpPr/>
+        <p:nvPr/>
+      </p:nvGrpSpPr>
+      <p:grpSpPr>
+        <a:xfrm>
+          <a:off x="0" y="0"/>
+          <a:ext cx="0" cy="0"/>
+          <a:chOff x="0" y="0"/>
+          <a:chExt cx="0" cy="0"/>
+        </a:xfrm>
+      </p:grpSpPr>
+      <p:sp>
+        <p:nvSpPr>
+          <p:cNvPr id="8" name="Rettangolo 7">
+            <a:extLst>
+              <a:ext uri="{FF2B5EF4-FFF2-40B4-BE49-F238E27FC236}">
+                <a16:creationId xmlns:a16="http://schemas.microsoft.com/office/drawing/2014/main" id="{D56ACF68-7EFF-1B4C-BD9E-FE88F1253BC2}"/>
+              </a:ext>
+            </a:extLst>
+          </p:cNvPr>
+          <p:cNvSpPr/>
+          <p:nvPr/>
+        </p:nvSpPr>
+        <p:spPr>
+          <a:xfrm>
+            <a:off x="13707724" y="3042018"/>
+            <a:ext cx="952500" cy="1333500"/>
+          </a:xfrm>
+          <a:prstGeom prst="rect">
+            <a:avLst/>
+          </a:prstGeom>
+          <a:solidFill>
+            <a:srgbClr val="994025"/>
+          </a:solidFill>
+          <a:ln>
+            <a:noFill/>
+          </a:ln>
+        </p:spPr>
+        <p:style>
+          <a:lnRef idx="2">
+            <a:schemeClr val="accent1">
+              <a:shade val="15000"/>
+            </a:schemeClr>
+          </a:lnRef>
+          <a:fillRef idx="1">
+            <a:schemeClr val="accent1"/>
+          </a:fillRef>
+          <a:effectRef idx="0">
+            <a:schemeClr val="accent1"/>
+          </a:effectRef>
+          <a:fontRef idx="minor">
+            <a:schemeClr val="lt1"/>
+          </a:fontRef>
+        </p:style>
+        <p:txBody>
+          <a:bodyPr rtlCol="0" anchor="ctr"/>
+          <a:lstStyle/>
+          <a:p>
+            <a:pPr algn="ctr"/>
+            <a:endParaRPr lang="it-IT" dirty="0"/>
+          </a:p>
+        </p:txBody>
+      </p:sp>
+      <p:sp>
+        <p:nvSpPr>
+          <p:cNvPr id="9" name="Rettangolo 8">
+            <a:extLst>
+              <a:ext uri="{FF2B5EF4-FFF2-40B4-BE49-F238E27FC236}">
+                <a16:creationId xmlns:a16="http://schemas.microsoft.com/office/drawing/2014/main" id="{AD94D146-4A90-F995-0CDE-E703FBB165FE}"/>
+              </a:ext>
+            </a:extLst>
+          </p:cNvPr>
+          <p:cNvSpPr/>
+          <p:nvPr/>
+        </p:nvSpPr>
+        <p:spPr>
+          <a:xfrm>
+            <a:off x="13732859" y="3095172"/>
+            <a:ext cx="952500" cy="1333500"/>
+          </a:xfrm>
+          <a:prstGeom prst="rect">
+            <a:avLst/>
+          </a:prstGeom>
+          <a:solidFill>
+            <a:srgbClr val="EE6138"/>
+          </a:solidFill>
+          <a:ln>
+            <a:noFill/>
+          </a:ln>
+        </p:spPr>
+        <p:style>
+          <a:lnRef idx="2">
+            <a:schemeClr val="accent1">
+              <a:shade val="15000"/>
+            </a:schemeClr>
+          </a:lnRef>
+          <a:fillRef idx="1">
+            <a:schemeClr val="accent1"/>
+          </a:fillRef>
+          <a:effectRef idx="0">
+            <a:schemeClr val="accent1"/>
+          </a:effectRef>
+          <a:fontRef idx="minor">
+            <a:schemeClr val="lt1"/>
+          </a:fontRef>
+        </p:style>
+        <p:txBody>
+          <a:bodyPr rtlCol="0" anchor="ctr"/>
+          <a:lstStyle/>
+          <a:p>
+            <a:pPr algn="ctr"/>
+            <a:endParaRPr lang="it-IT"/>
+          </a:p>
+        </p:txBody>
+      </p:sp>
+      <p:pic>
+        <p:nvPicPr>
+          <p:cNvPr id="15" name="Immagine 14" descr="Immagine che contiene cerchio, logo, simbolo, Carattere&#10;&#10;Descrizione generata automaticamente">
+            <a:extLst>
+              <a:ext uri="{FF2B5EF4-FFF2-40B4-BE49-F238E27FC236}">
+                <a16:creationId xmlns:a16="http://schemas.microsoft.com/office/drawing/2014/main" id="{787E19FA-2DAB-FFB9-DFB7-BB14A2D7142A}"/>
+              </a:ext>
+            </a:extLst>
+          </p:cNvPr>
+          <p:cNvPicPr>
+            <a:picLocks noChangeAspect="1"/>
+          </p:cNvPicPr>
+          <p:nvPr/>
+        </p:nvPicPr>
+        <p:blipFill>
+          <a:blip r:embed="rId2">
+            <a:extLst>
+              <a:ext uri="{28A0092B-C50C-407E-A947-70E740481C1C}">
+                <a14:useLocalDpi xmlns:a14="http://schemas.microsoft.com/office/drawing/2010/main" val="0"/>
+              </a:ext>
+            </a:extLst>
+          </a:blip>
+          <a:stretch>
+            <a:fillRect/>
+          </a:stretch>
+        </p:blipFill>
+        <p:spPr>
+          <a:xfrm>
+            <a:off x="12830630" y="2387846"/>
+            <a:ext cx="2756958" cy="3502080"/>
+          </a:xfrm>
+          <a:prstGeom prst="rect">
+            <a:avLst/>
+          </a:prstGeom>
+        </p:spPr>
+      </p:pic>
+      <p:sp>
+        <p:nvSpPr>
+          <p:cNvPr id="12" name="Rettangolo 11">
+            <a:extLst>
+              <a:ext uri="{FF2B5EF4-FFF2-40B4-BE49-F238E27FC236}">
+                <a16:creationId xmlns:a16="http://schemas.microsoft.com/office/drawing/2014/main" id="{DB19EA27-DA92-2852-828A-402099FFC0A2}"/>
+              </a:ext>
+            </a:extLst>
+          </p:cNvPr>
+          <p:cNvSpPr/>
+          <p:nvPr/>
+        </p:nvSpPr>
+        <p:spPr>
+          <a:xfrm>
+            <a:off x="-4672642" y="3095172"/>
+            <a:ext cx="952500" cy="1333500"/>
+          </a:xfrm>
+          <a:prstGeom prst="rect">
+            <a:avLst/>
+          </a:prstGeom>
+          <a:solidFill>
+            <a:srgbClr val="147B3D"/>
+          </a:solidFill>
+          <a:ln>
+            <a:noFill/>
+          </a:ln>
+        </p:spPr>
+        <p:style>
+          <a:lnRef idx="2">
+            <a:schemeClr val="accent1">
+              <a:shade val="15000"/>
+            </a:schemeClr>
+          </a:lnRef>
+          <a:fillRef idx="1">
+            <a:schemeClr val="accent1"/>
+          </a:fillRef>
+          <a:effectRef idx="0">
+            <a:schemeClr val="accent1"/>
+          </a:effectRef>
+          <a:fontRef idx="minor">
+            <a:schemeClr val="lt1"/>
+          </a:fontRef>
+        </p:style>
+        <p:txBody>
+          <a:bodyPr rtlCol="0" anchor="ctr"/>
+          <a:lstStyle/>
+          <a:p>
+            <a:pPr algn="ctr"/>
+            <a:endParaRPr lang="it-IT" dirty="0"/>
+          </a:p>
+        </p:txBody>
+      </p:sp>
+      <p:sp>
+        <p:nvSpPr>
+          <p:cNvPr id="13" name="Rettangolo 12">
+            <a:extLst>
+              <a:ext uri="{FF2B5EF4-FFF2-40B4-BE49-F238E27FC236}">
+                <a16:creationId xmlns:a16="http://schemas.microsoft.com/office/drawing/2014/main" id="{AF754B7F-0FC6-D84A-AA7E-0AEC74EA19C5}"/>
+              </a:ext>
+            </a:extLst>
+          </p:cNvPr>
+          <p:cNvSpPr/>
+          <p:nvPr/>
+        </p:nvSpPr>
+        <p:spPr>
+          <a:xfrm>
+            <a:off x="-4672642" y="3095172"/>
+            <a:ext cx="952500" cy="1333500"/>
+          </a:xfrm>
+          <a:prstGeom prst="rect">
+            <a:avLst/>
+          </a:prstGeom>
+          <a:solidFill>
+            <a:srgbClr val="27CB50"/>
+          </a:solidFill>
+          <a:ln>
+            <a:noFill/>
+          </a:ln>
+        </p:spPr>
+        <p:style>
+          <a:lnRef idx="2">
+            <a:schemeClr val="accent1">
+              <a:shade val="15000"/>
+            </a:schemeClr>
+          </a:lnRef>
+          <a:fillRef idx="1">
+            <a:schemeClr val="accent1"/>
+          </a:fillRef>
+          <a:effectRef idx="0">
+            <a:schemeClr val="accent1"/>
+          </a:effectRef>
+          <a:fontRef idx="minor">
+            <a:schemeClr val="lt1"/>
+          </a:fontRef>
+        </p:style>
+        <p:txBody>
+          <a:bodyPr rtlCol="0" anchor="ctr"/>
+          <a:lstStyle/>
+          <a:p>
+            <a:pPr algn="ctr"/>
+            <a:endParaRPr lang="it-IT"/>
+          </a:p>
+        </p:txBody>
+      </p:sp>
+      <p:sp>
+        <p:nvSpPr>
+          <p:cNvPr id="2" name="Rettangolo 1">
+            <a:extLst>
+              <a:ext uri="{FF2B5EF4-FFF2-40B4-BE49-F238E27FC236}">
+                <a16:creationId xmlns:a16="http://schemas.microsoft.com/office/drawing/2014/main" id="{981F11BF-369C-E430-DAE6-6799D08BC15C}"/>
+              </a:ext>
+            </a:extLst>
+          </p:cNvPr>
+          <p:cNvSpPr/>
+          <p:nvPr/>
+        </p:nvSpPr>
+        <p:spPr>
+          <a:xfrm>
+            <a:off x="2939057" y="-199"/>
+            <a:ext cx="9252943" cy="6918584"/>
+          </a:xfrm>
+          <a:prstGeom prst="rect">
+            <a:avLst/>
+          </a:prstGeom>
+          <a:solidFill>
+            <a:srgbClr val="48190B"/>
+          </a:solidFill>
+          <a:ln>
+            <a:noFill/>
+          </a:ln>
+        </p:spPr>
+        <p:style>
+          <a:lnRef idx="2">
+            <a:schemeClr val="accent1">
+              <a:shade val="15000"/>
+            </a:schemeClr>
+          </a:lnRef>
+          <a:fillRef idx="1">
+            <a:schemeClr val="accent1"/>
+          </a:fillRef>
+          <a:effectRef idx="0">
+            <a:schemeClr val="accent1"/>
+          </a:effectRef>
+          <a:fontRef idx="minor">
+            <a:schemeClr val="lt1"/>
+          </a:fontRef>
+        </p:style>
+        <p:txBody>
+          <a:bodyPr rtlCol="0" anchor="ctr"/>
+          <a:lstStyle/>
+          <a:p>
+            <a:pPr algn="ctr"/>
+            <a:endParaRPr lang="it-IT" dirty="0"/>
+          </a:p>
+        </p:txBody>
+      </p:sp>
+      <p:pic>
+        <p:nvPicPr>
+          <p:cNvPr id="4" name="Immagine 3" descr="Immagine che contiene Carattere, Elementi grafici, grafica, tipografia&#10;&#10;Descrizione generata automaticamente">
+            <a:extLst>
+              <a:ext uri="{FF2B5EF4-FFF2-40B4-BE49-F238E27FC236}">
+                <a16:creationId xmlns:a16="http://schemas.microsoft.com/office/drawing/2014/main" id="{EA2EC9F2-5495-160C-7AC9-3F90E9E2CFA3}"/>
+              </a:ext>
+            </a:extLst>
+          </p:cNvPr>
+          <p:cNvPicPr>
+            <a:picLocks noChangeAspect="1"/>
+          </p:cNvPicPr>
+          <p:nvPr/>
+        </p:nvPicPr>
+        <p:blipFill>
+          <a:blip r:embed="rId3">
+            <a:extLst>
+              <a:ext uri="{28A0092B-C50C-407E-A947-70E740481C1C}">
+                <a14:useLocalDpi xmlns:a14="http://schemas.microsoft.com/office/drawing/2010/main" val="0"/>
+              </a:ext>
+            </a:extLst>
+          </a:blip>
+          <a:stretch>
+            <a:fillRect/>
+          </a:stretch>
+        </p:blipFill>
+        <p:spPr>
+          <a:xfrm>
+            <a:off x="1708585" y="-4091422"/>
+            <a:ext cx="8924925" cy="1228725"/>
+          </a:xfrm>
+          <a:prstGeom prst="rect">
+            <a:avLst/>
+          </a:prstGeom>
+        </p:spPr>
+      </p:pic>
+      <p:sp>
+        <p:nvSpPr>
+          <p:cNvPr id="3" name="CasellaDiTesto 2">
+            <a:extLst>
+              <a:ext uri="{FF2B5EF4-FFF2-40B4-BE49-F238E27FC236}">
+                <a16:creationId xmlns:a16="http://schemas.microsoft.com/office/drawing/2014/main" id="{FE4390CA-EDC7-7703-4DC3-D3BEBEA09EC3}"/>
+              </a:ext>
+            </a:extLst>
+          </p:cNvPr>
+          <p:cNvSpPr txBox="1"/>
+          <p:nvPr/>
+        </p:nvSpPr>
+        <p:spPr>
+          <a:xfrm>
+            <a:off x="682581" y="-1455340"/>
+            <a:ext cx="10976932" cy="1015663"/>
+          </a:xfrm>
+          <a:prstGeom prst="rect">
+            <a:avLst/>
+          </a:prstGeom>
+          <a:noFill/>
+          <a:ln w="0">
+            <a:noFill/>
+          </a:ln>
+        </p:spPr>
+        <p:txBody>
+          <a:bodyPr wrap="square" rtlCol="0">
+            <a:spAutoFit/>
+          </a:bodyPr>
+          <a:lstStyle/>
+          <a:p>
+            <a:r>
+              <a:rPr lang="it-IT" sz="6000" dirty="0">
+                <a:ln w="38100">
+                  <a:solidFill>
+                    <a:srgbClr val="386ABB"/>
+                  </a:solidFill>
+                </a:ln>
+                <a:solidFill>
+                  <a:srgbClr val="FFCC03"/>
+                </a:solidFill>
+                <a:latin typeface="Pokemon Solid" panose="040B0500000000000000" pitchFamily="82" charset="2"/>
+              </a:rPr>
+              <a:t>Fasi di Sviluppo del Progetto</a:t>
+            </a:r>
+          </a:p>
+        </p:txBody>
+      </p:sp>
+      <p:pic>
+        <p:nvPicPr>
+          <p:cNvPr id="19" name="Immagine 18" descr="Immagine che contiene cerchio, verde, Elementi grafici, logo&#10;&#10;Descrizione generata automaticamente">
+            <a:extLst>
+              <a:ext uri="{FF2B5EF4-FFF2-40B4-BE49-F238E27FC236}">
+                <a16:creationId xmlns:a16="http://schemas.microsoft.com/office/drawing/2014/main" id="{1783FB66-1FCC-D1E4-13AC-B2F44C599719}"/>
+              </a:ext>
+            </a:extLst>
+          </p:cNvPr>
+          <p:cNvPicPr>
+            <a:picLocks noChangeAspect="1"/>
+          </p:cNvPicPr>
+          <p:nvPr/>
+        </p:nvPicPr>
+        <p:blipFill>
+          <a:blip r:embed="rId4">
+            <a:extLst>
+              <a:ext uri="{28A0092B-C50C-407E-A947-70E740481C1C}">
+                <a14:useLocalDpi xmlns:a14="http://schemas.microsoft.com/office/drawing/2010/main" val="0"/>
+              </a:ext>
+            </a:extLst>
+          </a:blip>
+          <a:stretch>
+            <a:fillRect/>
+          </a:stretch>
+        </p:blipFill>
+        <p:spPr>
+          <a:xfrm>
+            <a:off x="-5608518" y="2517043"/>
+            <a:ext cx="2655249" cy="3372883"/>
+          </a:xfrm>
+          <a:prstGeom prst="rect">
+            <a:avLst/>
+          </a:prstGeom>
+        </p:spPr>
+      </p:pic>
+      <p:pic>
+        <p:nvPicPr>
+          <p:cNvPr id="21" name="Immagine 20" descr="Immagine che contiene cerchio, logo, simbolo, Carattere&#10;&#10;Descrizione generata automaticamente">
+            <a:extLst>
+              <a:ext uri="{FF2B5EF4-FFF2-40B4-BE49-F238E27FC236}">
+                <a16:creationId xmlns:a16="http://schemas.microsoft.com/office/drawing/2014/main" id="{923451DD-18F1-E3F1-D326-50C8887626DE}"/>
+              </a:ext>
+            </a:extLst>
+          </p:cNvPr>
+          <p:cNvPicPr>
+            <a:picLocks noChangeAspect="1"/>
+          </p:cNvPicPr>
+          <p:nvPr/>
+        </p:nvPicPr>
+        <p:blipFill>
+          <a:blip r:embed="rId5">
+            <a:extLst>
+              <a:ext uri="{28A0092B-C50C-407E-A947-70E740481C1C}">
+                <a14:useLocalDpi xmlns:a14="http://schemas.microsoft.com/office/drawing/2010/main" val="0"/>
+              </a:ext>
+            </a:extLst>
+          </a:blip>
+          <a:stretch>
+            <a:fillRect/>
+          </a:stretch>
+        </p:blipFill>
+        <p:spPr>
+          <a:xfrm>
+            <a:off x="-5583382" y="2387846"/>
+            <a:ext cx="2655248" cy="3395827"/>
+          </a:xfrm>
+          <a:prstGeom prst="rect">
+            <a:avLst/>
+          </a:prstGeom>
+        </p:spPr>
+      </p:pic>
+      <p:sp>
+        <p:nvSpPr>
+          <p:cNvPr id="14" name="CasellaDiTesto 13">
+            <a:extLst>
+              <a:ext uri="{FF2B5EF4-FFF2-40B4-BE49-F238E27FC236}">
+                <a16:creationId xmlns:a16="http://schemas.microsoft.com/office/drawing/2014/main" id="{6E6C78FE-9EAC-E42D-6B83-F0DDB3EA1E34}"/>
+              </a:ext>
+            </a:extLst>
+          </p:cNvPr>
+          <p:cNvSpPr txBox="1"/>
+          <p:nvPr/>
+        </p:nvSpPr>
+        <p:spPr>
+          <a:xfrm>
+            <a:off x="2077062" y="182850"/>
+            <a:ext cx="10976932" cy="1569660"/>
+          </a:xfrm>
+          <a:prstGeom prst="rect">
+            <a:avLst/>
+          </a:prstGeom>
+          <a:noFill/>
+          <a:ln w="0">
+            <a:noFill/>
+          </a:ln>
+        </p:spPr>
+        <p:txBody>
+          <a:bodyPr wrap="square" rtlCol="0">
+            <a:spAutoFit/>
+          </a:bodyPr>
+          <a:lstStyle/>
+          <a:p>
+            <a:pPr algn="ctr"/>
+            <a:r>
+              <a:rPr lang="it-IT" sz="4800" dirty="0">
+                <a:ln w="38100">
+                  <a:solidFill>
+                    <a:srgbClr val="386ABB"/>
+                  </a:solidFill>
+                </a:ln>
+                <a:solidFill>
+                  <a:srgbClr val="FFCC03"/>
+                </a:solidFill>
+                <a:latin typeface="Pokemon Solid" panose="040B0500000000000000" pitchFamily="82" charset="2"/>
+              </a:rPr>
+              <a:t>Interface </a:t>
+            </a:r>
+            <a:r>
+              <a:rPr lang="it-IT" sz="4800" dirty="0" err="1">
+                <a:ln w="38100">
+                  <a:solidFill>
+                    <a:srgbClr val="386ABB"/>
+                  </a:solidFill>
+                </a:ln>
+                <a:solidFill>
+                  <a:srgbClr val="FFCC03"/>
+                </a:solidFill>
+                <a:latin typeface="Pokemon Solid" panose="040B0500000000000000" pitchFamily="82" charset="2"/>
+              </a:rPr>
+              <a:t>Documentation</a:t>
+            </a:r>
+            <a:r>
+              <a:rPr lang="it-IT" sz="4800" dirty="0">
+                <a:ln w="38100">
+                  <a:solidFill>
+                    <a:srgbClr val="386ABB"/>
+                  </a:solidFill>
+                </a:ln>
+                <a:solidFill>
+                  <a:srgbClr val="FFCC03"/>
+                </a:solidFill>
+                <a:latin typeface="Pokemon Solid" panose="040B0500000000000000" pitchFamily="82" charset="2"/>
+              </a:rPr>
+              <a:t> Guidelines</a:t>
+            </a:r>
+          </a:p>
+        </p:txBody>
+      </p:sp>
+      <p:sp>
+        <p:nvSpPr>
+          <p:cNvPr id="16" name="CasellaDiTesto 15">
+            <a:extLst>
+              <a:ext uri="{FF2B5EF4-FFF2-40B4-BE49-F238E27FC236}">
+                <a16:creationId xmlns:a16="http://schemas.microsoft.com/office/drawing/2014/main" id="{9980C233-DC59-63D5-2A3F-42905695EF5C}"/>
+              </a:ext>
+            </a:extLst>
+          </p:cNvPr>
+          <p:cNvSpPr txBox="1"/>
+          <p:nvPr/>
+        </p:nvSpPr>
+        <p:spPr>
+          <a:xfrm>
+            <a:off x="2939057" y="1884386"/>
+            <a:ext cx="9252943" cy="4944943"/>
+          </a:xfrm>
+          <a:prstGeom prst="rect">
+            <a:avLst/>
+          </a:prstGeom>
+          <a:noFill/>
+        </p:spPr>
+        <p:txBody>
+          <a:bodyPr wrap="square" rtlCol="0">
+            <a:spAutoFit/>
+          </a:bodyPr>
+          <a:lstStyle/>
+          <a:p>
+            <a:r>
+              <a:rPr lang="it-IT" sz="2400" dirty="0">
+                <a:solidFill>
+                  <a:schemeClr val="bg1"/>
+                </a:solidFill>
+                <a:effectLst/>
+                <a:latin typeface="Pokemon Solid" panose="040B0500000000000000" pitchFamily="82" charset="2"/>
+                <a:ea typeface="Arial MT"/>
+                <a:cs typeface="Arial MT"/>
+              </a:rPr>
+              <a:t>Per lo sviluppo saranno utilizzate le seguenti convenzioni:</a:t>
+            </a:r>
+          </a:p>
+          <a:p>
+            <a:pPr marL="342900" lvl="0" indent="-342900">
+              <a:spcBef>
+                <a:spcPts val="795"/>
+              </a:spcBef>
+              <a:buFont typeface="Symbol" panose="05050102010706020507" pitchFamily="18" charset="2"/>
+              <a:buChar char=""/>
+              <a:tabLst>
+                <a:tab pos="1067435" algn="l"/>
+                <a:tab pos="1068705" algn="l"/>
+              </a:tabLst>
+            </a:pPr>
+            <a:r>
+              <a:rPr lang="it-IT" sz="2400" dirty="0">
+                <a:solidFill>
+                  <a:schemeClr val="bg1"/>
+                </a:solidFill>
+                <a:effectLst/>
+                <a:latin typeface="Pokemon Solid" panose="040B0500000000000000" pitchFamily="82" charset="2"/>
+                <a:ea typeface="Arial MT"/>
+                <a:cs typeface="Arial MT"/>
+              </a:rPr>
+              <a:t>Gli oggetti e i metodo saranno nominati a seconda della convenzione </a:t>
+            </a:r>
+            <a:r>
+              <a:rPr lang="it-IT" sz="2400" dirty="0" err="1">
+                <a:solidFill>
+                  <a:schemeClr val="bg1"/>
+                </a:solidFill>
+                <a:effectLst/>
+                <a:latin typeface="Pokemon Solid" panose="040B0500000000000000" pitchFamily="82" charset="2"/>
+                <a:ea typeface="Arial MT"/>
+                <a:cs typeface="Arial MT"/>
+              </a:rPr>
+              <a:t>CamelCase</a:t>
+            </a:r>
+            <a:endParaRPr lang="it-IT" sz="2400" dirty="0">
+              <a:solidFill>
+                <a:schemeClr val="bg1"/>
+              </a:solidFill>
+              <a:effectLst/>
+              <a:latin typeface="Pokemon Solid" panose="040B0500000000000000" pitchFamily="82" charset="2"/>
+              <a:ea typeface="Arial MT"/>
+              <a:cs typeface="Arial MT"/>
+            </a:endParaRPr>
+          </a:p>
+          <a:p>
+            <a:pPr marL="342900" lvl="0" indent="-342900">
+              <a:spcBef>
+                <a:spcPts val="795"/>
+              </a:spcBef>
+              <a:buFont typeface="Symbol" panose="05050102010706020507" pitchFamily="18" charset="2"/>
+              <a:buChar char=""/>
+              <a:tabLst>
+                <a:tab pos="1068070" algn="l"/>
+              </a:tabLst>
+            </a:pPr>
+            <a:r>
+              <a:rPr lang="it-IT" sz="2400" dirty="0">
+                <a:solidFill>
+                  <a:schemeClr val="bg1"/>
+                </a:solidFill>
+                <a:effectLst/>
+                <a:latin typeface="Pokemon Solid" panose="040B0500000000000000" pitchFamily="82" charset="2"/>
+                <a:ea typeface="Arial MT"/>
+                <a:cs typeface="Arial MT"/>
+              </a:rPr>
+              <a:t>Gli oggetti </a:t>
+            </a:r>
+            <a:r>
+              <a:rPr lang="it-IT" sz="2400" dirty="0" err="1">
+                <a:solidFill>
+                  <a:schemeClr val="bg1"/>
+                </a:solidFill>
+                <a:effectLst/>
+                <a:latin typeface="Pokemon Solid" panose="040B0500000000000000" pitchFamily="82" charset="2"/>
+                <a:ea typeface="Arial MT"/>
+                <a:cs typeface="Arial MT"/>
+              </a:rPr>
+              <a:t>entita</a:t>
+            </a:r>
+            <a:r>
+              <a:rPr lang="it-IT" sz="2400" dirty="0">
+                <a:solidFill>
+                  <a:schemeClr val="bg1"/>
+                </a:solidFill>
+                <a:effectLst/>
+                <a:latin typeface="Pokemon Solid" panose="040B0500000000000000" pitchFamily="82" charset="2"/>
+                <a:ea typeface="Arial MT"/>
+                <a:cs typeface="Arial MT"/>
+              </a:rPr>
+              <a:t> saranno chiamati semplicemente con il nome dell'</a:t>
+            </a:r>
+            <a:r>
+              <a:rPr lang="it-IT" sz="2400" dirty="0" err="1">
+                <a:solidFill>
+                  <a:schemeClr val="bg1"/>
+                </a:solidFill>
+                <a:effectLst/>
+                <a:latin typeface="Pokemon Solid" panose="040B0500000000000000" pitchFamily="82" charset="2"/>
+                <a:ea typeface="Arial MT"/>
+                <a:cs typeface="Arial MT"/>
+              </a:rPr>
+              <a:t>entita</a:t>
+            </a:r>
+            <a:endParaRPr lang="it-IT" sz="2400" dirty="0">
+              <a:solidFill>
+                <a:schemeClr val="bg1"/>
+              </a:solidFill>
+              <a:effectLst/>
+              <a:latin typeface="Pokemon Solid" panose="040B0500000000000000" pitchFamily="82" charset="2"/>
+              <a:ea typeface="Arial MT"/>
+              <a:cs typeface="Arial MT"/>
+            </a:endParaRPr>
+          </a:p>
+          <a:p>
+            <a:pPr marL="342900" lvl="0" indent="-342900">
+              <a:spcBef>
+                <a:spcPts val="795"/>
+              </a:spcBef>
+              <a:buFont typeface="Symbol" panose="05050102010706020507" pitchFamily="18" charset="2"/>
+              <a:buChar char=""/>
+              <a:tabLst>
+                <a:tab pos="1067435" algn="l"/>
+                <a:tab pos="1068705" algn="l"/>
+              </a:tabLst>
+            </a:pPr>
+            <a:r>
+              <a:rPr lang="it-IT" sz="2400" dirty="0">
+                <a:solidFill>
+                  <a:schemeClr val="bg1"/>
+                </a:solidFill>
+                <a:effectLst/>
+                <a:latin typeface="Pokemon Solid" panose="040B0500000000000000" pitchFamily="82" charset="2"/>
+                <a:ea typeface="Arial MT"/>
+                <a:cs typeface="Arial MT"/>
+              </a:rPr>
+              <a:t>Gli oggetti saranno nominati a seconda dell' </a:t>
+            </a:r>
+            <a:r>
+              <a:rPr lang="it-IT" sz="2400" dirty="0" err="1">
+                <a:solidFill>
+                  <a:schemeClr val="bg1"/>
+                </a:solidFill>
+                <a:effectLst/>
+                <a:latin typeface="Pokemon Solid" panose="040B0500000000000000" pitchFamily="82" charset="2"/>
+                <a:ea typeface="Arial MT"/>
+                <a:cs typeface="Arial MT"/>
+              </a:rPr>
+              <a:t>entita</a:t>
+            </a:r>
+            <a:r>
+              <a:rPr lang="it-IT" sz="2400" dirty="0">
+                <a:solidFill>
+                  <a:schemeClr val="bg1"/>
+                </a:solidFill>
+                <a:effectLst/>
+                <a:latin typeface="Pokemon Solid" panose="040B0500000000000000" pitchFamily="82" charset="2"/>
+                <a:ea typeface="Arial MT"/>
+                <a:cs typeface="Arial MT"/>
+              </a:rPr>
+              <a:t> di cui si occupano e del loro ruolo nell' applicazione per esempio </a:t>
+            </a:r>
+            <a:r>
+              <a:rPr lang="it-IT" sz="2400" dirty="0" err="1">
+                <a:solidFill>
+                  <a:schemeClr val="bg1"/>
+                </a:solidFill>
+                <a:effectLst/>
+                <a:latin typeface="Pokemon Solid" panose="040B0500000000000000" pitchFamily="82" charset="2"/>
+                <a:ea typeface="Arial MT"/>
+                <a:cs typeface="Arial MT"/>
+              </a:rPr>
+              <a:t>TorneoService</a:t>
+            </a:r>
+            <a:r>
+              <a:rPr lang="it-IT" sz="2400" dirty="0">
+                <a:solidFill>
+                  <a:schemeClr val="bg1"/>
+                </a:solidFill>
+                <a:effectLst/>
+                <a:latin typeface="Pokemon Solid" panose="040B0500000000000000" pitchFamily="82" charset="2"/>
+                <a:ea typeface="Arial MT"/>
+                <a:cs typeface="Arial MT"/>
+              </a:rPr>
+              <a:t>, </a:t>
+            </a:r>
+            <a:r>
+              <a:rPr lang="it-IT" sz="2400" dirty="0" err="1">
+                <a:solidFill>
+                  <a:schemeClr val="bg1"/>
+                </a:solidFill>
+                <a:effectLst/>
+                <a:latin typeface="Pokemon Solid" panose="040B0500000000000000" pitchFamily="82" charset="2"/>
+                <a:ea typeface="Arial MT"/>
+                <a:cs typeface="Arial MT"/>
+              </a:rPr>
+              <a:t>UtenteController</a:t>
+            </a:r>
+            <a:r>
+              <a:rPr lang="it-IT" sz="2400" dirty="0">
+                <a:solidFill>
+                  <a:schemeClr val="bg1"/>
+                </a:solidFill>
+                <a:effectLst/>
+                <a:latin typeface="Pokemon Solid" panose="040B0500000000000000" pitchFamily="82" charset="2"/>
+                <a:ea typeface="Arial MT"/>
+                <a:cs typeface="Arial MT"/>
+              </a:rPr>
+              <a:t> ecc...</a:t>
+            </a:r>
+          </a:p>
+          <a:p>
+            <a:pPr marL="342900" lvl="0" indent="-342900">
+              <a:spcBef>
+                <a:spcPts val="795"/>
+              </a:spcBef>
+              <a:buFont typeface="Symbol" panose="05050102010706020507" pitchFamily="18" charset="2"/>
+              <a:buChar char=""/>
+              <a:tabLst>
+                <a:tab pos="1068705" algn="l"/>
+                <a:tab pos="1108075" algn="l"/>
+              </a:tabLst>
+            </a:pPr>
+            <a:r>
+              <a:rPr lang="it-IT" sz="2400" dirty="0">
+                <a:solidFill>
+                  <a:schemeClr val="bg1"/>
+                </a:solidFill>
+                <a:latin typeface="Pokemon Solid" panose="040B0500000000000000" pitchFamily="82" charset="2"/>
+                <a:ea typeface="Arial MT"/>
+                <a:cs typeface="Arial MT"/>
+              </a:rPr>
+              <a:t>L</a:t>
+            </a:r>
+            <a:r>
+              <a:rPr lang="it-IT" sz="2400" dirty="0">
+                <a:solidFill>
+                  <a:schemeClr val="bg1"/>
+                </a:solidFill>
+                <a:effectLst/>
+                <a:latin typeface="Pokemon Solid" panose="040B0500000000000000" pitchFamily="82" charset="2"/>
+                <a:ea typeface="Arial MT"/>
+                <a:cs typeface="Arial MT"/>
+              </a:rPr>
+              <a:t>e pagine html in </a:t>
+            </a:r>
+            <a:r>
+              <a:rPr lang="it-IT" sz="2400" dirty="0" err="1">
+                <a:solidFill>
+                  <a:schemeClr val="bg1"/>
+                </a:solidFill>
+                <a:effectLst/>
+                <a:latin typeface="Pokemon Solid" panose="040B0500000000000000" pitchFamily="82" charset="2"/>
+                <a:ea typeface="Arial MT"/>
+                <a:cs typeface="Arial MT"/>
+              </a:rPr>
+              <a:t>thydeconposizionemeleaf</a:t>
+            </a:r>
+            <a:r>
+              <a:rPr lang="it-IT" sz="2400" dirty="0">
+                <a:solidFill>
+                  <a:schemeClr val="bg1"/>
+                </a:solidFill>
+                <a:effectLst/>
+                <a:latin typeface="Pokemon Solid" panose="040B0500000000000000" pitchFamily="82" charset="2"/>
+                <a:ea typeface="Arial MT"/>
+                <a:cs typeface="Arial MT"/>
+              </a:rPr>
+              <a:t> saranno segnate completamente in minuscolo</a:t>
+            </a:r>
+          </a:p>
+          <a:p>
+            <a:pPr marL="342900" lvl="0" indent="-342900">
+              <a:spcBef>
+                <a:spcPts val="795"/>
+              </a:spcBef>
+              <a:buFont typeface="Symbol" panose="05050102010706020507" pitchFamily="18" charset="2"/>
+              <a:buChar char=""/>
+              <a:tabLst>
+                <a:tab pos="1068070" algn="l"/>
+              </a:tabLst>
+            </a:pPr>
+            <a:r>
+              <a:rPr lang="it-IT" sz="2400" dirty="0">
+                <a:solidFill>
+                  <a:schemeClr val="bg1"/>
+                </a:solidFill>
+                <a:effectLst/>
+                <a:latin typeface="Pokemon Solid" panose="040B0500000000000000" pitchFamily="82" charset="2"/>
+                <a:ea typeface="Arial MT"/>
+                <a:cs typeface="Arial MT"/>
+              </a:rPr>
+              <a:t>I nomi dei package sono in minuscolo</a:t>
+            </a:r>
+          </a:p>
+          <a:p>
+            <a:endParaRPr lang="it-IT" dirty="0">
+              <a:solidFill>
+                <a:schemeClr val="bg1"/>
+              </a:solidFill>
+              <a:latin typeface="Pokemon Solid" panose="040B0500000000000000" pitchFamily="82" charset="2"/>
+            </a:endParaRPr>
+          </a:p>
+        </p:txBody>
+      </p:sp>
+      <p:sp>
+        <p:nvSpPr>
+          <p:cNvPr id="18" name="CasellaDiTesto 17">
+            <a:extLst>
+              <a:ext uri="{FF2B5EF4-FFF2-40B4-BE49-F238E27FC236}">
+                <a16:creationId xmlns:a16="http://schemas.microsoft.com/office/drawing/2014/main" id="{B2DEC24F-7363-6293-4244-7D91A52C6DC2}"/>
+              </a:ext>
+            </a:extLst>
+          </p:cNvPr>
+          <p:cNvSpPr txBox="1"/>
+          <p:nvPr/>
+        </p:nvSpPr>
+        <p:spPr>
+          <a:xfrm>
+            <a:off x="15993051" y="182850"/>
+            <a:ext cx="2939057" cy="830997"/>
+          </a:xfrm>
+          <a:prstGeom prst="rect">
+            <a:avLst/>
+          </a:prstGeom>
+          <a:noFill/>
+          <a:ln w="0">
+            <a:noFill/>
+          </a:ln>
+        </p:spPr>
+        <p:txBody>
+          <a:bodyPr wrap="square" rtlCol="0">
+            <a:spAutoFit/>
+          </a:bodyPr>
+          <a:lstStyle/>
+          <a:p>
+            <a:pPr algn="ctr"/>
+            <a:r>
+              <a:rPr lang="it-IT" sz="4800" dirty="0">
+                <a:ln w="38100">
+                  <a:solidFill>
+                    <a:srgbClr val="386ABB"/>
+                  </a:solidFill>
+                </a:ln>
+                <a:solidFill>
+                  <a:srgbClr val="FFCC03"/>
+                </a:solidFill>
+                <a:latin typeface="Pokemon Solid" panose="040B0500000000000000" pitchFamily="82" charset="2"/>
+              </a:rPr>
+              <a:t>Package</a:t>
+            </a:r>
+          </a:p>
+        </p:txBody>
+      </p:sp>
+      <p:sp>
+        <p:nvSpPr>
+          <p:cNvPr id="5" name="Rettangolo 4">
+            <a:extLst>
+              <a:ext uri="{FF2B5EF4-FFF2-40B4-BE49-F238E27FC236}">
+                <a16:creationId xmlns:a16="http://schemas.microsoft.com/office/drawing/2014/main" id="{C6ED6F97-D7E9-46B3-204D-14FE194922E3}"/>
+              </a:ext>
+            </a:extLst>
+          </p:cNvPr>
+          <p:cNvSpPr/>
+          <p:nvPr/>
+        </p:nvSpPr>
+        <p:spPr>
+          <a:xfrm>
+            <a:off x="0" y="-199"/>
+            <a:ext cx="2939057" cy="6858000"/>
+          </a:xfrm>
+          <a:prstGeom prst="rect">
+            <a:avLst/>
+          </a:prstGeom>
+          <a:solidFill>
+            <a:srgbClr val="8B3E22"/>
+          </a:solidFill>
+        </p:spPr>
+        <p:style>
+          <a:lnRef idx="2">
+            <a:schemeClr val="accent1">
+              <a:shade val="15000"/>
+            </a:schemeClr>
+          </a:lnRef>
+          <a:fillRef idx="1">
+            <a:schemeClr val="accent1"/>
+          </a:fillRef>
+          <a:effectRef idx="0">
+            <a:schemeClr val="accent1"/>
+          </a:effectRef>
+          <a:fontRef idx="minor">
+            <a:schemeClr val="lt1"/>
+          </a:fontRef>
+        </p:style>
+        <p:txBody>
+          <a:bodyPr rtlCol="0" anchor="ctr"/>
+          <a:lstStyle/>
+          <a:p>
+            <a:pPr algn="ctr"/>
+            <a:endParaRPr lang="it-IT" dirty="0"/>
+          </a:p>
+        </p:txBody>
+      </p:sp>
+      <p:pic>
+        <p:nvPicPr>
+          <p:cNvPr id="17" name="Immagine 16" descr="Immagine che contiene logo, cerchio, Carattere, Elementi grafici&#10;&#10;Descrizione generata automaticamente">
+            <a:extLst>
+              <a:ext uri="{FF2B5EF4-FFF2-40B4-BE49-F238E27FC236}">
+                <a16:creationId xmlns:a16="http://schemas.microsoft.com/office/drawing/2014/main" id="{481B8042-57D3-199E-FCA4-88F18AEE6FEC}"/>
+              </a:ext>
+            </a:extLst>
+          </p:cNvPr>
+          <p:cNvPicPr>
+            <a:picLocks noChangeAspect="1"/>
+          </p:cNvPicPr>
+          <p:nvPr/>
+        </p:nvPicPr>
+        <p:blipFill>
+          <a:blip r:embed="rId6">
+            <a:extLst>
+              <a:ext uri="{28A0092B-C50C-407E-A947-70E740481C1C}">
+                <a14:useLocalDpi xmlns:a14="http://schemas.microsoft.com/office/drawing/2010/main" val="0"/>
+              </a:ext>
+            </a:extLst>
+          </a:blip>
+          <a:stretch>
+            <a:fillRect/>
+          </a:stretch>
+        </p:blipFill>
+        <p:spPr>
+          <a:xfrm>
+            <a:off x="158567" y="1742162"/>
+            <a:ext cx="2655403" cy="3373079"/>
+          </a:xfrm>
+          <a:prstGeom prst="rect">
+            <a:avLst/>
+          </a:prstGeom>
+        </p:spPr>
+      </p:pic>
+    </p:spTree>
+    <p:extLst>
+      <p:ext uri="{BB962C8B-B14F-4D97-AF65-F5344CB8AC3E}">
+        <p14:creationId xmlns:p14="http://schemas.microsoft.com/office/powerpoint/2010/main" val="3164953013"/>
+      </p:ext>
+    </p:extLst>
+  </p:cSld>
+  <p:clrMapOvr>
+    <a:masterClrMapping/>
+  </p:clrMapOvr>
+  <mc:AlternateContent xmlns:mc="http://schemas.openxmlformats.org/markup-compatibility/2006">
+    <mc:Choice xmlns:p159="http://schemas.microsoft.com/office/powerpoint/2015/09/main" Requires="p159">
+      <p:transition xmlns:p14="http://schemas.microsoft.com/office/powerpoint/2010/main" spd="slow" p14:dur="2000">
+        <p159:morph option="byObject"/>
+      </p:transition>
+    </mc:Choice>
+    <mc:Fallback>
+      <p:transition spd="slow">
+        <p:fade/>
+      </p:transition>
+    </mc:Fallback>
+  </mc:AlternateContent>
+</p:sld>
+</file>
+
+<file path=ppt/slides/slide27.xml><?xml version="1.0" encoding="utf-8"?>
+<p:sld xmlns:a="http://schemas.openxmlformats.org/drawingml/2006/main" xmlns:r="http://schemas.openxmlformats.org/officeDocument/2006/relationships" xmlns:p="http://schemas.openxmlformats.org/presentationml/2006/main">
+  <p:cSld>
+    <p:spTree>
+      <p:nvGrpSpPr>
+        <p:cNvPr id="1" name=""/>
+        <p:cNvGrpSpPr/>
+        <p:nvPr/>
+      </p:nvGrpSpPr>
+      <p:grpSpPr>
+        <a:xfrm>
+          <a:off x="0" y="0"/>
+          <a:ext cx="0" cy="0"/>
+          <a:chOff x="0" y="0"/>
+          <a:chExt cx="0" cy="0"/>
+        </a:xfrm>
+      </p:grpSpPr>
+      <p:sp>
+        <p:nvSpPr>
+          <p:cNvPr id="8" name="Rettangolo 7">
+            <a:extLst>
+              <a:ext uri="{FF2B5EF4-FFF2-40B4-BE49-F238E27FC236}">
+                <a16:creationId xmlns:a16="http://schemas.microsoft.com/office/drawing/2014/main" id="{D56ACF68-7EFF-1B4C-BD9E-FE88F1253BC2}"/>
+              </a:ext>
+            </a:extLst>
+          </p:cNvPr>
+          <p:cNvSpPr/>
+          <p:nvPr/>
+        </p:nvSpPr>
+        <p:spPr>
+          <a:xfrm>
+            <a:off x="13707724" y="3042018"/>
+            <a:ext cx="952500" cy="1333500"/>
+          </a:xfrm>
+          <a:prstGeom prst="rect">
+            <a:avLst/>
+          </a:prstGeom>
+          <a:solidFill>
+            <a:srgbClr val="994025"/>
+          </a:solidFill>
+          <a:ln>
+            <a:noFill/>
+          </a:ln>
+        </p:spPr>
+        <p:style>
+          <a:lnRef idx="2">
+            <a:schemeClr val="accent1">
+              <a:shade val="15000"/>
+            </a:schemeClr>
+          </a:lnRef>
+          <a:fillRef idx="1">
+            <a:schemeClr val="accent1"/>
+          </a:fillRef>
+          <a:effectRef idx="0">
+            <a:schemeClr val="accent1"/>
+          </a:effectRef>
+          <a:fontRef idx="minor">
+            <a:schemeClr val="lt1"/>
+          </a:fontRef>
+        </p:style>
+        <p:txBody>
+          <a:bodyPr rtlCol="0" anchor="ctr"/>
+          <a:lstStyle/>
+          <a:p>
+            <a:pPr algn="ctr"/>
+            <a:endParaRPr lang="it-IT" dirty="0"/>
+          </a:p>
+        </p:txBody>
+      </p:sp>
+      <p:sp>
+        <p:nvSpPr>
+          <p:cNvPr id="9" name="Rettangolo 8">
+            <a:extLst>
+              <a:ext uri="{FF2B5EF4-FFF2-40B4-BE49-F238E27FC236}">
+                <a16:creationId xmlns:a16="http://schemas.microsoft.com/office/drawing/2014/main" id="{AD94D146-4A90-F995-0CDE-E703FBB165FE}"/>
+              </a:ext>
+            </a:extLst>
+          </p:cNvPr>
+          <p:cNvSpPr/>
+          <p:nvPr/>
+        </p:nvSpPr>
+        <p:spPr>
+          <a:xfrm>
+            <a:off x="13732859" y="3095172"/>
+            <a:ext cx="952500" cy="1333500"/>
+          </a:xfrm>
+          <a:prstGeom prst="rect">
+            <a:avLst/>
+          </a:prstGeom>
+          <a:solidFill>
+            <a:srgbClr val="EE6138"/>
+          </a:solidFill>
+          <a:ln>
+            <a:noFill/>
+          </a:ln>
+        </p:spPr>
+        <p:style>
+          <a:lnRef idx="2">
+            <a:schemeClr val="accent1">
+              <a:shade val="15000"/>
+            </a:schemeClr>
+          </a:lnRef>
+          <a:fillRef idx="1">
+            <a:schemeClr val="accent1"/>
+          </a:fillRef>
+          <a:effectRef idx="0">
+            <a:schemeClr val="accent1"/>
+          </a:effectRef>
+          <a:fontRef idx="minor">
+            <a:schemeClr val="lt1"/>
+          </a:fontRef>
+        </p:style>
+        <p:txBody>
+          <a:bodyPr rtlCol="0" anchor="ctr"/>
+          <a:lstStyle/>
+          <a:p>
+            <a:pPr algn="ctr"/>
+            <a:endParaRPr lang="it-IT"/>
+          </a:p>
+        </p:txBody>
+      </p:sp>
+      <p:pic>
+        <p:nvPicPr>
+          <p:cNvPr id="15" name="Immagine 14" descr="Immagine che contiene cerchio, logo, simbolo, Carattere&#10;&#10;Descrizione generata automaticamente">
+            <a:extLst>
+              <a:ext uri="{FF2B5EF4-FFF2-40B4-BE49-F238E27FC236}">
+                <a16:creationId xmlns:a16="http://schemas.microsoft.com/office/drawing/2014/main" id="{787E19FA-2DAB-FFB9-DFB7-BB14A2D7142A}"/>
+              </a:ext>
+            </a:extLst>
+          </p:cNvPr>
+          <p:cNvPicPr>
+            <a:picLocks noChangeAspect="1"/>
+          </p:cNvPicPr>
+          <p:nvPr/>
+        </p:nvPicPr>
+        <p:blipFill>
+          <a:blip r:embed="rId2">
+            <a:extLst>
+              <a:ext uri="{28A0092B-C50C-407E-A947-70E740481C1C}">
+                <a14:useLocalDpi xmlns:a14="http://schemas.microsoft.com/office/drawing/2010/main" val="0"/>
+              </a:ext>
+            </a:extLst>
+          </a:blip>
+          <a:stretch>
+            <a:fillRect/>
+          </a:stretch>
+        </p:blipFill>
+        <p:spPr>
+          <a:xfrm>
+            <a:off x="12830630" y="2387846"/>
+            <a:ext cx="2756958" cy="3502080"/>
+          </a:xfrm>
+          <a:prstGeom prst="rect">
+            <a:avLst/>
+          </a:prstGeom>
+        </p:spPr>
+      </p:pic>
+      <p:sp>
+        <p:nvSpPr>
+          <p:cNvPr id="12" name="Rettangolo 11">
+            <a:extLst>
+              <a:ext uri="{FF2B5EF4-FFF2-40B4-BE49-F238E27FC236}">
+                <a16:creationId xmlns:a16="http://schemas.microsoft.com/office/drawing/2014/main" id="{DB19EA27-DA92-2852-828A-402099FFC0A2}"/>
+              </a:ext>
+            </a:extLst>
+          </p:cNvPr>
+          <p:cNvSpPr/>
+          <p:nvPr/>
+        </p:nvSpPr>
+        <p:spPr>
+          <a:xfrm>
+            <a:off x="-4672642" y="3095172"/>
+            <a:ext cx="952500" cy="1333500"/>
+          </a:xfrm>
+          <a:prstGeom prst="rect">
+            <a:avLst/>
+          </a:prstGeom>
+          <a:solidFill>
+            <a:srgbClr val="147B3D"/>
+          </a:solidFill>
+          <a:ln>
+            <a:noFill/>
+          </a:ln>
+        </p:spPr>
+        <p:style>
+          <a:lnRef idx="2">
+            <a:schemeClr val="accent1">
+              <a:shade val="15000"/>
+            </a:schemeClr>
+          </a:lnRef>
+          <a:fillRef idx="1">
+            <a:schemeClr val="accent1"/>
+          </a:fillRef>
+          <a:effectRef idx="0">
+            <a:schemeClr val="accent1"/>
+          </a:effectRef>
+          <a:fontRef idx="minor">
+            <a:schemeClr val="lt1"/>
+          </a:fontRef>
+        </p:style>
+        <p:txBody>
+          <a:bodyPr rtlCol="0" anchor="ctr"/>
+          <a:lstStyle/>
+          <a:p>
+            <a:pPr algn="ctr"/>
+            <a:endParaRPr lang="it-IT" dirty="0"/>
+          </a:p>
+        </p:txBody>
+      </p:sp>
+      <p:sp>
+        <p:nvSpPr>
+          <p:cNvPr id="13" name="Rettangolo 12">
+            <a:extLst>
+              <a:ext uri="{FF2B5EF4-FFF2-40B4-BE49-F238E27FC236}">
+                <a16:creationId xmlns:a16="http://schemas.microsoft.com/office/drawing/2014/main" id="{AF754B7F-0FC6-D84A-AA7E-0AEC74EA19C5}"/>
+              </a:ext>
+            </a:extLst>
+          </p:cNvPr>
+          <p:cNvSpPr/>
+          <p:nvPr/>
+        </p:nvSpPr>
+        <p:spPr>
+          <a:xfrm>
+            <a:off x="-4672642" y="3095172"/>
+            <a:ext cx="952500" cy="1333500"/>
+          </a:xfrm>
+          <a:prstGeom prst="rect">
+            <a:avLst/>
+          </a:prstGeom>
+          <a:solidFill>
+            <a:srgbClr val="27CB50"/>
+          </a:solidFill>
+          <a:ln>
+            <a:noFill/>
+          </a:ln>
+        </p:spPr>
+        <p:style>
+          <a:lnRef idx="2">
+            <a:schemeClr val="accent1">
+              <a:shade val="15000"/>
+            </a:schemeClr>
+          </a:lnRef>
+          <a:fillRef idx="1">
+            <a:schemeClr val="accent1"/>
+          </a:fillRef>
+          <a:effectRef idx="0">
+            <a:schemeClr val="accent1"/>
+          </a:effectRef>
+          <a:fontRef idx="minor">
+            <a:schemeClr val="lt1"/>
+          </a:fontRef>
+        </p:style>
+        <p:txBody>
+          <a:bodyPr rtlCol="0" anchor="ctr"/>
+          <a:lstStyle/>
+          <a:p>
+            <a:pPr algn="ctr"/>
+            <a:endParaRPr lang="it-IT"/>
+          </a:p>
+        </p:txBody>
+      </p:sp>
+      <p:sp>
+        <p:nvSpPr>
+          <p:cNvPr id="2" name="Rettangolo 1">
+            <a:extLst>
+              <a:ext uri="{FF2B5EF4-FFF2-40B4-BE49-F238E27FC236}">
+                <a16:creationId xmlns:a16="http://schemas.microsoft.com/office/drawing/2014/main" id="{981F11BF-369C-E430-DAE6-6799D08BC15C}"/>
+              </a:ext>
+            </a:extLst>
+          </p:cNvPr>
+          <p:cNvSpPr/>
+          <p:nvPr/>
+        </p:nvSpPr>
+        <p:spPr>
+          <a:xfrm>
+            <a:off x="2939057" y="-199"/>
+            <a:ext cx="9252943" cy="6918584"/>
+          </a:xfrm>
+          <a:prstGeom prst="rect">
+            <a:avLst/>
+          </a:prstGeom>
+          <a:solidFill>
+            <a:srgbClr val="48190B"/>
+          </a:solidFill>
+          <a:ln>
+            <a:noFill/>
+          </a:ln>
+        </p:spPr>
+        <p:style>
+          <a:lnRef idx="2">
+            <a:schemeClr val="accent1">
+              <a:shade val="15000"/>
+            </a:schemeClr>
+          </a:lnRef>
+          <a:fillRef idx="1">
+            <a:schemeClr val="accent1"/>
+          </a:fillRef>
+          <a:effectRef idx="0">
+            <a:schemeClr val="accent1"/>
+          </a:effectRef>
+          <a:fontRef idx="minor">
+            <a:schemeClr val="lt1"/>
+          </a:fontRef>
+        </p:style>
+        <p:txBody>
+          <a:bodyPr rtlCol="0" anchor="ctr"/>
+          <a:lstStyle/>
+          <a:p>
+            <a:pPr algn="ctr"/>
+            <a:endParaRPr lang="it-IT" dirty="0"/>
+          </a:p>
+        </p:txBody>
+      </p:sp>
+      <p:pic>
+        <p:nvPicPr>
+          <p:cNvPr id="4" name="Immagine 3" descr="Immagine che contiene Carattere, Elementi grafici, grafica, tipografia&#10;&#10;Descrizione generata automaticamente">
+            <a:extLst>
+              <a:ext uri="{FF2B5EF4-FFF2-40B4-BE49-F238E27FC236}">
+                <a16:creationId xmlns:a16="http://schemas.microsoft.com/office/drawing/2014/main" id="{EA2EC9F2-5495-160C-7AC9-3F90E9E2CFA3}"/>
+              </a:ext>
+            </a:extLst>
+          </p:cNvPr>
+          <p:cNvPicPr>
+            <a:picLocks noChangeAspect="1"/>
+          </p:cNvPicPr>
+          <p:nvPr/>
+        </p:nvPicPr>
+        <p:blipFill>
+          <a:blip r:embed="rId3">
+            <a:extLst>
+              <a:ext uri="{28A0092B-C50C-407E-A947-70E740481C1C}">
+                <a14:useLocalDpi xmlns:a14="http://schemas.microsoft.com/office/drawing/2010/main" val="0"/>
+              </a:ext>
+            </a:extLst>
+          </a:blip>
+          <a:stretch>
+            <a:fillRect/>
+          </a:stretch>
+        </p:blipFill>
+        <p:spPr>
+          <a:xfrm>
+            <a:off x="1708585" y="-4091422"/>
+            <a:ext cx="8924925" cy="1228725"/>
+          </a:xfrm>
+          <a:prstGeom prst="rect">
+            <a:avLst/>
+          </a:prstGeom>
+        </p:spPr>
+      </p:pic>
+      <p:sp>
+        <p:nvSpPr>
+          <p:cNvPr id="3" name="CasellaDiTesto 2">
+            <a:extLst>
+              <a:ext uri="{FF2B5EF4-FFF2-40B4-BE49-F238E27FC236}">
+                <a16:creationId xmlns:a16="http://schemas.microsoft.com/office/drawing/2014/main" id="{FE4390CA-EDC7-7703-4DC3-D3BEBEA09EC3}"/>
+              </a:ext>
+            </a:extLst>
+          </p:cNvPr>
+          <p:cNvSpPr txBox="1"/>
+          <p:nvPr/>
+        </p:nvSpPr>
+        <p:spPr>
+          <a:xfrm>
+            <a:off x="682581" y="-1455340"/>
+            <a:ext cx="10976932" cy="1015663"/>
+          </a:xfrm>
+          <a:prstGeom prst="rect">
+            <a:avLst/>
+          </a:prstGeom>
+          <a:noFill/>
+          <a:ln w="0">
+            <a:noFill/>
+          </a:ln>
+        </p:spPr>
+        <p:txBody>
+          <a:bodyPr wrap="square" rtlCol="0">
+            <a:spAutoFit/>
+          </a:bodyPr>
+          <a:lstStyle/>
+          <a:p>
+            <a:r>
+              <a:rPr lang="it-IT" sz="6000" dirty="0">
+                <a:ln w="38100">
+                  <a:solidFill>
+                    <a:srgbClr val="386ABB"/>
+                  </a:solidFill>
+                </a:ln>
+                <a:solidFill>
+                  <a:srgbClr val="FFCC03"/>
+                </a:solidFill>
+                <a:latin typeface="Pokemon Solid" panose="040B0500000000000000" pitchFamily="82" charset="2"/>
+              </a:rPr>
+              <a:t>Fasi di Sviluppo del Progetto</a:t>
+            </a:r>
+          </a:p>
+        </p:txBody>
+      </p:sp>
+      <p:pic>
+        <p:nvPicPr>
+          <p:cNvPr id="19" name="Immagine 18" descr="Immagine che contiene cerchio, verde, Elementi grafici, logo&#10;&#10;Descrizione generata automaticamente">
+            <a:extLst>
+              <a:ext uri="{FF2B5EF4-FFF2-40B4-BE49-F238E27FC236}">
+                <a16:creationId xmlns:a16="http://schemas.microsoft.com/office/drawing/2014/main" id="{1783FB66-1FCC-D1E4-13AC-B2F44C599719}"/>
+              </a:ext>
+            </a:extLst>
+          </p:cNvPr>
+          <p:cNvPicPr>
+            <a:picLocks noChangeAspect="1"/>
+          </p:cNvPicPr>
+          <p:nvPr/>
+        </p:nvPicPr>
+        <p:blipFill>
+          <a:blip r:embed="rId4">
+            <a:extLst>
+              <a:ext uri="{28A0092B-C50C-407E-A947-70E740481C1C}">
+                <a14:useLocalDpi xmlns:a14="http://schemas.microsoft.com/office/drawing/2010/main" val="0"/>
+              </a:ext>
+            </a:extLst>
+          </a:blip>
+          <a:stretch>
+            <a:fillRect/>
+          </a:stretch>
+        </p:blipFill>
+        <p:spPr>
+          <a:xfrm>
+            <a:off x="-5608518" y="2517043"/>
+            <a:ext cx="2655249" cy="3372883"/>
+          </a:xfrm>
+          <a:prstGeom prst="rect">
+            <a:avLst/>
+          </a:prstGeom>
+        </p:spPr>
+      </p:pic>
+      <p:pic>
+        <p:nvPicPr>
+          <p:cNvPr id="21" name="Immagine 20" descr="Immagine che contiene cerchio, logo, simbolo, Carattere&#10;&#10;Descrizione generata automaticamente">
+            <a:extLst>
+              <a:ext uri="{FF2B5EF4-FFF2-40B4-BE49-F238E27FC236}">
+                <a16:creationId xmlns:a16="http://schemas.microsoft.com/office/drawing/2014/main" id="{923451DD-18F1-E3F1-D326-50C8887626DE}"/>
+              </a:ext>
+            </a:extLst>
+          </p:cNvPr>
+          <p:cNvPicPr>
+            <a:picLocks noChangeAspect="1"/>
+          </p:cNvPicPr>
+          <p:nvPr/>
+        </p:nvPicPr>
+        <p:blipFill>
+          <a:blip r:embed="rId5">
+            <a:extLst>
+              <a:ext uri="{28A0092B-C50C-407E-A947-70E740481C1C}">
+                <a14:useLocalDpi xmlns:a14="http://schemas.microsoft.com/office/drawing/2010/main" val="0"/>
+              </a:ext>
+            </a:extLst>
+          </a:blip>
+          <a:stretch>
+            <a:fillRect/>
+          </a:stretch>
+        </p:blipFill>
+        <p:spPr>
+          <a:xfrm>
+            <a:off x="-5583382" y="2387846"/>
+            <a:ext cx="2655248" cy="3395827"/>
+          </a:xfrm>
+          <a:prstGeom prst="rect">
+            <a:avLst/>
+          </a:prstGeom>
+        </p:spPr>
+      </p:pic>
+      <p:sp>
+        <p:nvSpPr>
+          <p:cNvPr id="14" name="CasellaDiTesto 13">
+            <a:extLst>
+              <a:ext uri="{FF2B5EF4-FFF2-40B4-BE49-F238E27FC236}">
+                <a16:creationId xmlns:a16="http://schemas.microsoft.com/office/drawing/2014/main" id="{6E6C78FE-9EAC-E42D-6B83-F0DDB3EA1E34}"/>
+              </a:ext>
+            </a:extLst>
+          </p:cNvPr>
+          <p:cNvSpPr txBox="1"/>
+          <p:nvPr/>
+        </p:nvSpPr>
+        <p:spPr>
+          <a:xfrm>
+            <a:off x="-10171230" y="136683"/>
+            <a:ext cx="10976932" cy="1569660"/>
+          </a:xfrm>
+          <a:prstGeom prst="rect">
+            <a:avLst/>
+          </a:prstGeom>
+          <a:noFill/>
+          <a:ln w="0">
+            <a:noFill/>
+          </a:ln>
+        </p:spPr>
+        <p:txBody>
+          <a:bodyPr wrap="square" rtlCol="0">
+            <a:spAutoFit/>
+          </a:bodyPr>
+          <a:lstStyle/>
+          <a:p>
+            <a:pPr algn="ctr"/>
+            <a:r>
+              <a:rPr lang="it-IT" sz="4800" dirty="0">
+                <a:ln w="38100">
+                  <a:solidFill>
+                    <a:srgbClr val="386ABB"/>
+                  </a:solidFill>
+                </a:ln>
+                <a:solidFill>
+                  <a:srgbClr val="FFCC03"/>
+                </a:solidFill>
+                <a:latin typeface="Pokemon Solid" panose="040B0500000000000000" pitchFamily="82" charset="2"/>
+              </a:rPr>
+              <a:t>Interface </a:t>
+            </a:r>
+            <a:r>
+              <a:rPr lang="it-IT" sz="4800" dirty="0" err="1">
+                <a:ln w="38100">
+                  <a:solidFill>
+                    <a:srgbClr val="386ABB"/>
+                  </a:solidFill>
+                </a:ln>
+                <a:solidFill>
+                  <a:srgbClr val="FFCC03"/>
+                </a:solidFill>
+                <a:latin typeface="Pokemon Solid" panose="040B0500000000000000" pitchFamily="82" charset="2"/>
+              </a:rPr>
+              <a:t>Documentation</a:t>
+            </a:r>
+            <a:r>
+              <a:rPr lang="it-IT" sz="4800" dirty="0">
+                <a:ln w="38100">
+                  <a:solidFill>
+                    <a:srgbClr val="386ABB"/>
+                  </a:solidFill>
+                </a:ln>
+                <a:solidFill>
+                  <a:srgbClr val="FFCC03"/>
+                </a:solidFill>
+                <a:latin typeface="Pokemon Solid" panose="040B0500000000000000" pitchFamily="82" charset="2"/>
+              </a:rPr>
+              <a:t> Guidelines</a:t>
+            </a:r>
+          </a:p>
+        </p:txBody>
+      </p:sp>
+      <p:sp>
+        <p:nvSpPr>
+          <p:cNvPr id="16" name="CasellaDiTesto 15">
+            <a:extLst>
+              <a:ext uri="{FF2B5EF4-FFF2-40B4-BE49-F238E27FC236}">
+                <a16:creationId xmlns:a16="http://schemas.microsoft.com/office/drawing/2014/main" id="{9980C233-DC59-63D5-2A3F-42905695EF5C}"/>
+              </a:ext>
+            </a:extLst>
+          </p:cNvPr>
+          <p:cNvSpPr txBox="1"/>
+          <p:nvPr/>
+        </p:nvSpPr>
+        <p:spPr>
+          <a:xfrm>
+            <a:off x="-9309235" y="1838219"/>
+            <a:ext cx="9252943" cy="4944943"/>
+          </a:xfrm>
+          <a:prstGeom prst="rect">
+            <a:avLst/>
+          </a:prstGeom>
+          <a:noFill/>
+        </p:spPr>
+        <p:txBody>
+          <a:bodyPr wrap="square" rtlCol="0">
+            <a:spAutoFit/>
+          </a:bodyPr>
+          <a:lstStyle/>
+          <a:p>
+            <a:r>
+              <a:rPr lang="it-IT" sz="2400" dirty="0">
+                <a:solidFill>
+                  <a:schemeClr val="bg1"/>
+                </a:solidFill>
+                <a:effectLst/>
+                <a:latin typeface="Pokemon Solid" panose="040B0500000000000000" pitchFamily="82" charset="2"/>
+                <a:ea typeface="Arial MT"/>
+                <a:cs typeface="Arial MT"/>
+              </a:rPr>
+              <a:t>Per lo sviluppo saranno utilizzate le seguenti convenzioni:</a:t>
+            </a:r>
+          </a:p>
+          <a:p>
+            <a:pPr marL="342900" lvl="0" indent="-342900">
+              <a:spcBef>
+                <a:spcPts val="795"/>
+              </a:spcBef>
+              <a:buFont typeface="Symbol" panose="05050102010706020507" pitchFamily="18" charset="2"/>
+              <a:buChar char=""/>
+              <a:tabLst>
+                <a:tab pos="1067435" algn="l"/>
+                <a:tab pos="1068705" algn="l"/>
+              </a:tabLst>
+            </a:pPr>
+            <a:r>
+              <a:rPr lang="it-IT" sz="2400" dirty="0">
+                <a:solidFill>
+                  <a:schemeClr val="bg1"/>
+                </a:solidFill>
+                <a:effectLst/>
+                <a:latin typeface="Pokemon Solid" panose="040B0500000000000000" pitchFamily="82" charset="2"/>
+                <a:ea typeface="Arial MT"/>
+                <a:cs typeface="Arial MT"/>
+              </a:rPr>
+              <a:t>Gli oggetti e i metodo saranno nominati a seconda della convenzione </a:t>
+            </a:r>
+            <a:r>
+              <a:rPr lang="it-IT" sz="2400" dirty="0" err="1">
+                <a:solidFill>
+                  <a:schemeClr val="bg1"/>
+                </a:solidFill>
+                <a:effectLst/>
+                <a:latin typeface="Pokemon Solid" panose="040B0500000000000000" pitchFamily="82" charset="2"/>
+                <a:ea typeface="Arial MT"/>
+                <a:cs typeface="Arial MT"/>
+              </a:rPr>
+              <a:t>CamelCase</a:t>
+            </a:r>
+            <a:endParaRPr lang="it-IT" sz="2400" dirty="0">
+              <a:solidFill>
+                <a:schemeClr val="bg1"/>
+              </a:solidFill>
+              <a:effectLst/>
+              <a:latin typeface="Pokemon Solid" panose="040B0500000000000000" pitchFamily="82" charset="2"/>
+              <a:ea typeface="Arial MT"/>
+              <a:cs typeface="Arial MT"/>
+            </a:endParaRPr>
+          </a:p>
+          <a:p>
+            <a:pPr marL="342900" lvl="0" indent="-342900">
+              <a:spcBef>
+                <a:spcPts val="795"/>
+              </a:spcBef>
+              <a:buFont typeface="Symbol" panose="05050102010706020507" pitchFamily="18" charset="2"/>
+              <a:buChar char=""/>
+              <a:tabLst>
+                <a:tab pos="1068070" algn="l"/>
+              </a:tabLst>
+            </a:pPr>
+            <a:r>
+              <a:rPr lang="it-IT" sz="2400" dirty="0">
+                <a:solidFill>
+                  <a:schemeClr val="bg1"/>
+                </a:solidFill>
+                <a:effectLst/>
+                <a:latin typeface="Pokemon Solid" panose="040B0500000000000000" pitchFamily="82" charset="2"/>
+                <a:ea typeface="Arial MT"/>
+                <a:cs typeface="Arial MT"/>
+              </a:rPr>
+              <a:t>Gli oggetti </a:t>
+            </a:r>
+            <a:r>
+              <a:rPr lang="it-IT" sz="2400" dirty="0" err="1">
+                <a:solidFill>
+                  <a:schemeClr val="bg1"/>
+                </a:solidFill>
+                <a:effectLst/>
+                <a:latin typeface="Pokemon Solid" panose="040B0500000000000000" pitchFamily="82" charset="2"/>
+                <a:ea typeface="Arial MT"/>
+                <a:cs typeface="Arial MT"/>
+              </a:rPr>
+              <a:t>entita</a:t>
+            </a:r>
+            <a:r>
+              <a:rPr lang="it-IT" sz="2400" dirty="0">
+                <a:solidFill>
+                  <a:schemeClr val="bg1"/>
+                </a:solidFill>
+                <a:effectLst/>
+                <a:latin typeface="Pokemon Solid" panose="040B0500000000000000" pitchFamily="82" charset="2"/>
+                <a:ea typeface="Arial MT"/>
+                <a:cs typeface="Arial MT"/>
+              </a:rPr>
+              <a:t> saranno chiamati semplicemente con il nome dell'</a:t>
+            </a:r>
+            <a:r>
+              <a:rPr lang="it-IT" sz="2400" dirty="0" err="1">
+                <a:solidFill>
+                  <a:schemeClr val="bg1"/>
+                </a:solidFill>
+                <a:effectLst/>
+                <a:latin typeface="Pokemon Solid" panose="040B0500000000000000" pitchFamily="82" charset="2"/>
+                <a:ea typeface="Arial MT"/>
+                <a:cs typeface="Arial MT"/>
+              </a:rPr>
+              <a:t>entita</a:t>
+            </a:r>
+            <a:endParaRPr lang="it-IT" sz="2400" dirty="0">
+              <a:solidFill>
+                <a:schemeClr val="bg1"/>
+              </a:solidFill>
+              <a:effectLst/>
+              <a:latin typeface="Pokemon Solid" panose="040B0500000000000000" pitchFamily="82" charset="2"/>
+              <a:ea typeface="Arial MT"/>
+              <a:cs typeface="Arial MT"/>
+            </a:endParaRPr>
+          </a:p>
+          <a:p>
+            <a:pPr marL="342900" lvl="0" indent="-342900">
+              <a:spcBef>
+                <a:spcPts val="795"/>
+              </a:spcBef>
+              <a:buFont typeface="Symbol" panose="05050102010706020507" pitchFamily="18" charset="2"/>
+              <a:buChar char=""/>
+              <a:tabLst>
+                <a:tab pos="1067435" algn="l"/>
+                <a:tab pos="1068705" algn="l"/>
+              </a:tabLst>
+            </a:pPr>
+            <a:r>
+              <a:rPr lang="it-IT" sz="2400" dirty="0">
+                <a:solidFill>
+                  <a:schemeClr val="bg1"/>
+                </a:solidFill>
+                <a:effectLst/>
+                <a:latin typeface="Pokemon Solid" panose="040B0500000000000000" pitchFamily="82" charset="2"/>
+                <a:ea typeface="Arial MT"/>
+                <a:cs typeface="Arial MT"/>
+              </a:rPr>
+              <a:t>Gli oggetti saranno nominati a seconda dell' </a:t>
+            </a:r>
+            <a:r>
+              <a:rPr lang="it-IT" sz="2400" dirty="0" err="1">
+                <a:solidFill>
+                  <a:schemeClr val="bg1"/>
+                </a:solidFill>
+                <a:effectLst/>
+                <a:latin typeface="Pokemon Solid" panose="040B0500000000000000" pitchFamily="82" charset="2"/>
+                <a:ea typeface="Arial MT"/>
+                <a:cs typeface="Arial MT"/>
+              </a:rPr>
+              <a:t>entita</a:t>
+            </a:r>
+            <a:r>
+              <a:rPr lang="it-IT" sz="2400" dirty="0">
+                <a:solidFill>
+                  <a:schemeClr val="bg1"/>
+                </a:solidFill>
+                <a:effectLst/>
+                <a:latin typeface="Pokemon Solid" panose="040B0500000000000000" pitchFamily="82" charset="2"/>
+                <a:ea typeface="Arial MT"/>
+                <a:cs typeface="Arial MT"/>
+              </a:rPr>
+              <a:t> di cui si occupano e del loro ruolo nell' applicazione per esempio </a:t>
+            </a:r>
+            <a:r>
+              <a:rPr lang="it-IT" sz="2400" dirty="0" err="1">
+                <a:solidFill>
+                  <a:schemeClr val="bg1"/>
+                </a:solidFill>
+                <a:effectLst/>
+                <a:latin typeface="Pokemon Solid" panose="040B0500000000000000" pitchFamily="82" charset="2"/>
+                <a:ea typeface="Arial MT"/>
+                <a:cs typeface="Arial MT"/>
+              </a:rPr>
+              <a:t>TorneoService</a:t>
+            </a:r>
+            <a:r>
+              <a:rPr lang="it-IT" sz="2400" dirty="0">
+                <a:solidFill>
+                  <a:schemeClr val="bg1"/>
+                </a:solidFill>
+                <a:effectLst/>
+                <a:latin typeface="Pokemon Solid" panose="040B0500000000000000" pitchFamily="82" charset="2"/>
+                <a:ea typeface="Arial MT"/>
+                <a:cs typeface="Arial MT"/>
+              </a:rPr>
+              <a:t>, </a:t>
+            </a:r>
+            <a:r>
+              <a:rPr lang="it-IT" sz="2400" dirty="0" err="1">
+                <a:solidFill>
+                  <a:schemeClr val="bg1"/>
+                </a:solidFill>
+                <a:effectLst/>
+                <a:latin typeface="Pokemon Solid" panose="040B0500000000000000" pitchFamily="82" charset="2"/>
+                <a:ea typeface="Arial MT"/>
+                <a:cs typeface="Arial MT"/>
+              </a:rPr>
+              <a:t>UtenteController</a:t>
+            </a:r>
+            <a:r>
+              <a:rPr lang="it-IT" sz="2400" dirty="0">
+                <a:solidFill>
+                  <a:schemeClr val="bg1"/>
+                </a:solidFill>
+                <a:effectLst/>
+                <a:latin typeface="Pokemon Solid" panose="040B0500000000000000" pitchFamily="82" charset="2"/>
+                <a:ea typeface="Arial MT"/>
+                <a:cs typeface="Arial MT"/>
+              </a:rPr>
+              <a:t> ecc...</a:t>
+            </a:r>
+          </a:p>
+          <a:p>
+            <a:pPr marL="342900" lvl="0" indent="-342900">
+              <a:spcBef>
+                <a:spcPts val="795"/>
+              </a:spcBef>
+              <a:buFont typeface="Symbol" panose="05050102010706020507" pitchFamily="18" charset="2"/>
+              <a:buChar char=""/>
+              <a:tabLst>
+                <a:tab pos="1068705" algn="l"/>
+                <a:tab pos="1108075" algn="l"/>
+              </a:tabLst>
+            </a:pPr>
+            <a:r>
+              <a:rPr lang="it-IT" sz="2400" dirty="0">
+                <a:solidFill>
+                  <a:schemeClr val="bg1"/>
+                </a:solidFill>
+                <a:latin typeface="Pokemon Solid" panose="040B0500000000000000" pitchFamily="82" charset="2"/>
+                <a:ea typeface="Arial MT"/>
+                <a:cs typeface="Arial MT"/>
+              </a:rPr>
+              <a:t>L</a:t>
+            </a:r>
+            <a:r>
+              <a:rPr lang="it-IT" sz="2400" dirty="0">
+                <a:solidFill>
+                  <a:schemeClr val="bg1"/>
+                </a:solidFill>
+                <a:effectLst/>
+                <a:latin typeface="Pokemon Solid" panose="040B0500000000000000" pitchFamily="82" charset="2"/>
+                <a:ea typeface="Arial MT"/>
+                <a:cs typeface="Arial MT"/>
+              </a:rPr>
+              <a:t>e pagine html in </a:t>
+            </a:r>
+            <a:r>
+              <a:rPr lang="it-IT" sz="2400" dirty="0" err="1">
+                <a:solidFill>
+                  <a:schemeClr val="bg1"/>
+                </a:solidFill>
+                <a:effectLst/>
+                <a:latin typeface="Pokemon Solid" panose="040B0500000000000000" pitchFamily="82" charset="2"/>
+                <a:ea typeface="Arial MT"/>
+                <a:cs typeface="Arial MT"/>
+              </a:rPr>
+              <a:t>thydeconposizionemeleaf</a:t>
+            </a:r>
+            <a:r>
+              <a:rPr lang="it-IT" sz="2400" dirty="0">
+                <a:solidFill>
+                  <a:schemeClr val="bg1"/>
+                </a:solidFill>
+                <a:effectLst/>
+                <a:latin typeface="Pokemon Solid" panose="040B0500000000000000" pitchFamily="82" charset="2"/>
+                <a:ea typeface="Arial MT"/>
+                <a:cs typeface="Arial MT"/>
+              </a:rPr>
+              <a:t> saranno segnate completamente in minuscolo</a:t>
+            </a:r>
+          </a:p>
+          <a:p>
+            <a:pPr marL="342900" lvl="0" indent="-342900">
+              <a:spcBef>
+                <a:spcPts val="795"/>
+              </a:spcBef>
+              <a:buFont typeface="Symbol" panose="05050102010706020507" pitchFamily="18" charset="2"/>
+              <a:buChar char=""/>
+              <a:tabLst>
+                <a:tab pos="1068070" algn="l"/>
+              </a:tabLst>
+            </a:pPr>
+            <a:r>
+              <a:rPr lang="it-IT" sz="2400" dirty="0">
+                <a:solidFill>
+                  <a:schemeClr val="bg1"/>
+                </a:solidFill>
+                <a:effectLst/>
+                <a:latin typeface="Pokemon Solid" panose="040B0500000000000000" pitchFamily="82" charset="2"/>
+                <a:ea typeface="Arial MT"/>
+                <a:cs typeface="Arial MT"/>
+              </a:rPr>
+              <a:t>I nomi dei package sono in minuscolo</a:t>
+            </a:r>
+          </a:p>
+          <a:p>
+            <a:endParaRPr lang="it-IT" dirty="0">
+              <a:solidFill>
+                <a:schemeClr val="bg1"/>
+              </a:solidFill>
+              <a:latin typeface="Pokemon Solid" panose="040B0500000000000000" pitchFamily="82" charset="2"/>
+            </a:endParaRPr>
+          </a:p>
+        </p:txBody>
+      </p:sp>
+      <p:sp>
+        <p:nvSpPr>
+          <p:cNvPr id="18" name="CasellaDiTesto 17">
+            <a:extLst>
+              <a:ext uri="{FF2B5EF4-FFF2-40B4-BE49-F238E27FC236}">
+                <a16:creationId xmlns:a16="http://schemas.microsoft.com/office/drawing/2014/main" id="{B2DEC24F-7363-6293-4244-7D91A52C6DC2}"/>
+              </a:ext>
+            </a:extLst>
+          </p:cNvPr>
+          <p:cNvSpPr txBox="1"/>
+          <p:nvPr/>
+        </p:nvSpPr>
+        <p:spPr>
+          <a:xfrm>
+            <a:off x="6096000" y="136683"/>
+            <a:ext cx="2939057" cy="830997"/>
+          </a:xfrm>
+          <a:prstGeom prst="rect">
+            <a:avLst/>
+          </a:prstGeom>
+          <a:noFill/>
+          <a:ln w="0">
+            <a:noFill/>
+          </a:ln>
+        </p:spPr>
+        <p:txBody>
+          <a:bodyPr wrap="square" rtlCol="0">
+            <a:spAutoFit/>
+          </a:bodyPr>
+          <a:lstStyle/>
+          <a:p>
+            <a:pPr algn="ctr"/>
+            <a:r>
+              <a:rPr lang="it-IT" sz="4800" dirty="0">
+                <a:ln w="38100">
+                  <a:solidFill>
+                    <a:srgbClr val="386ABB"/>
+                  </a:solidFill>
+                </a:ln>
+                <a:solidFill>
+                  <a:srgbClr val="FFCC03"/>
+                </a:solidFill>
+                <a:latin typeface="Pokemon Solid" panose="040B0500000000000000" pitchFamily="82" charset="2"/>
+              </a:rPr>
+              <a:t>Packages</a:t>
+            </a:r>
+          </a:p>
+        </p:txBody>
+      </p:sp>
+      <p:sp>
+        <p:nvSpPr>
+          <p:cNvPr id="5" name="Rettangolo 4">
+            <a:extLst>
+              <a:ext uri="{FF2B5EF4-FFF2-40B4-BE49-F238E27FC236}">
+                <a16:creationId xmlns:a16="http://schemas.microsoft.com/office/drawing/2014/main" id="{C6ED6F97-D7E9-46B3-204D-14FE194922E3}"/>
+              </a:ext>
+            </a:extLst>
+          </p:cNvPr>
+          <p:cNvSpPr/>
+          <p:nvPr/>
+        </p:nvSpPr>
+        <p:spPr>
+          <a:xfrm>
+            <a:off x="0" y="-199"/>
+            <a:ext cx="2939057" cy="6858000"/>
+          </a:xfrm>
+          <a:prstGeom prst="rect">
+            <a:avLst/>
+          </a:prstGeom>
+          <a:solidFill>
+            <a:srgbClr val="8B3E22"/>
+          </a:solidFill>
+        </p:spPr>
+        <p:style>
+          <a:lnRef idx="2">
+            <a:schemeClr val="accent1">
+              <a:shade val="15000"/>
+            </a:schemeClr>
+          </a:lnRef>
+          <a:fillRef idx="1">
+            <a:schemeClr val="accent1"/>
+          </a:fillRef>
+          <a:effectRef idx="0">
+            <a:schemeClr val="accent1"/>
+          </a:effectRef>
+          <a:fontRef idx="minor">
+            <a:schemeClr val="lt1"/>
+          </a:fontRef>
+        </p:style>
+        <p:txBody>
+          <a:bodyPr rtlCol="0" anchor="ctr"/>
+          <a:lstStyle/>
+          <a:p>
+            <a:pPr algn="ctr"/>
+            <a:endParaRPr lang="it-IT" dirty="0"/>
+          </a:p>
+        </p:txBody>
+      </p:sp>
+      <p:pic>
+        <p:nvPicPr>
+          <p:cNvPr id="17" name="Immagine 16" descr="Immagine che contiene logo, cerchio, Carattere, Elementi grafici&#10;&#10;Descrizione generata automaticamente">
+            <a:extLst>
+              <a:ext uri="{FF2B5EF4-FFF2-40B4-BE49-F238E27FC236}">
+                <a16:creationId xmlns:a16="http://schemas.microsoft.com/office/drawing/2014/main" id="{481B8042-57D3-199E-FCA4-88F18AEE6FEC}"/>
+              </a:ext>
+            </a:extLst>
+          </p:cNvPr>
+          <p:cNvPicPr>
+            <a:picLocks noChangeAspect="1"/>
+          </p:cNvPicPr>
+          <p:nvPr/>
+        </p:nvPicPr>
+        <p:blipFill>
+          <a:blip r:embed="rId6">
+            <a:extLst>
+              <a:ext uri="{28A0092B-C50C-407E-A947-70E740481C1C}">
+                <a14:useLocalDpi xmlns:a14="http://schemas.microsoft.com/office/drawing/2010/main" val="0"/>
+              </a:ext>
+            </a:extLst>
+          </a:blip>
+          <a:stretch>
+            <a:fillRect/>
+          </a:stretch>
+        </p:blipFill>
+        <p:spPr>
+          <a:xfrm>
+            <a:off x="158567" y="1742162"/>
+            <a:ext cx="2655403" cy="3373079"/>
+          </a:xfrm>
+          <a:prstGeom prst="rect">
+            <a:avLst/>
+          </a:prstGeom>
+        </p:spPr>
+      </p:pic>
+    </p:spTree>
+    <p:extLst>
+      <p:ext uri="{BB962C8B-B14F-4D97-AF65-F5344CB8AC3E}">
+        <p14:creationId xmlns:p14="http://schemas.microsoft.com/office/powerpoint/2010/main" val="3863874566"/>
+      </p:ext>
+    </p:extLst>
+  </p:cSld>
+  <p:clrMapOvr>
+    <a:masterClrMapping/>
+  </p:clrMapOvr>
+  <mc:AlternateContent xmlns:mc="http://schemas.openxmlformats.org/markup-compatibility/2006">
+    <mc:Choice xmlns:p159="http://schemas.microsoft.com/office/powerpoint/2015/09/main" Requires="p159">
+      <p:transition xmlns:p14="http://schemas.microsoft.com/office/powerpoint/2010/main" spd="slow" p14:dur="2000">
+        <p159:morph option="byObject"/>
+      </p:transition>
+    </mc:Choice>
+    <mc:Fallback>
+      <p:transition spd="slow">
+        <p:fade/>
+      </p:transition>
+    </mc:Fallback>
+  </mc:AlternateContent>
+</p:sld>
+</file>
+
+<file path=ppt/slides/slide28.xml><?xml version="1.0" encoding="utf-8"?>
+<p:sld xmlns:a="http://schemas.openxmlformats.org/drawingml/2006/main" xmlns:r="http://schemas.openxmlformats.org/officeDocument/2006/relationships" xmlns:p="http://schemas.openxmlformats.org/presentationml/2006/main">
+  <p:cSld>
+    <p:spTree>
+      <p:nvGrpSpPr>
+        <p:cNvPr id="1" name=""/>
+        <p:cNvGrpSpPr/>
+        <p:nvPr/>
+      </p:nvGrpSpPr>
+      <p:grpSpPr>
+        <a:xfrm>
+          <a:off x="0" y="0"/>
+          <a:ext cx="0" cy="0"/>
+          <a:chOff x="0" y="0"/>
+          <a:chExt cx="0" cy="0"/>
+        </a:xfrm>
+      </p:grpSpPr>
+      <p:sp>
+        <p:nvSpPr>
+          <p:cNvPr id="8" name="Rettangolo 7">
+            <a:extLst>
+              <a:ext uri="{FF2B5EF4-FFF2-40B4-BE49-F238E27FC236}">
+                <a16:creationId xmlns:a16="http://schemas.microsoft.com/office/drawing/2014/main" id="{D56ACF68-7EFF-1B4C-BD9E-FE88F1253BC2}"/>
+              </a:ext>
+            </a:extLst>
+          </p:cNvPr>
+          <p:cNvSpPr/>
+          <p:nvPr/>
+        </p:nvSpPr>
+        <p:spPr>
+          <a:xfrm>
+            <a:off x="13707724" y="3042018"/>
+            <a:ext cx="952500" cy="1333500"/>
+          </a:xfrm>
+          <a:prstGeom prst="rect">
+            <a:avLst/>
+          </a:prstGeom>
+          <a:solidFill>
+            <a:srgbClr val="994025"/>
+          </a:solidFill>
+          <a:ln>
+            <a:noFill/>
+          </a:ln>
+        </p:spPr>
+        <p:style>
+          <a:lnRef idx="2">
+            <a:schemeClr val="accent1">
+              <a:shade val="15000"/>
+            </a:schemeClr>
+          </a:lnRef>
+          <a:fillRef idx="1">
+            <a:schemeClr val="accent1"/>
+          </a:fillRef>
+          <a:effectRef idx="0">
+            <a:schemeClr val="accent1"/>
+          </a:effectRef>
+          <a:fontRef idx="minor">
+            <a:schemeClr val="lt1"/>
+          </a:fontRef>
+        </p:style>
+        <p:txBody>
+          <a:bodyPr rtlCol="0" anchor="ctr"/>
+          <a:lstStyle/>
+          <a:p>
+            <a:pPr algn="ctr"/>
+            <a:endParaRPr lang="it-IT" dirty="0"/>
+          </a:p>
+        </p:txBody>
+      </p:sp>
+      <p:sp>
+        <p:nvSpPr>
+          <p:cNvPr id="9" name="Rettangolo 8">
+            <a:extLst>
+              <a:ext uri="{FF2B5EF4-FFF2-40B4-BE49-F238E27FC236}">
+                <a16:creationId xmlns:a16="http://schemas.microsoft.com/office/drawing/2014/main" id="{AD94D146-4A90-F995-0CDE-E703FBB165FE}"/>
+              </a:ext>
+            </a:extLst>
+          </p:cNvPr>
+          <p:cNvSpPr/>
+          <p:nvPr/>
+        </p:nvSpPr>
+        <p:spPr>
+          <a:xfrm>
+            <a:off x="13732859" y="3095172"/>
+            <a:ext cx="952500" cy="1333500"/>
+          </a:xfrm>
+          <a:prstGeom prst="rect">
+            <a:avLst/>
+          </a:prstGeom>
+          <a:solidFill>
+            <a:srgbClr val="EE6138"/>
+          </a:solidFill>
+          <a:ln>
+            <a:noFill/>
+          </a:ln>
+        </p:spPr>
+        <p:style>
+          <a:lnRef idx="2">
+            <a:schemeClr val="accent1">
+              <a:shade val="15000"/>
+            </a:schemeClr>
+          </a:lnRef>
+          <a:fillRef idx="1">
+            <a:schemeClr val="accent1"/>
+          </a:fillRef>
+          <a:effectRef idx="0">
+            <a:schemeClr val="accent1"/>
+          </a:effectRef>
+          <a:fontRef idx="minor">
+            <a:schemeClr val="lt1"/>
+          </a:fontRef>
+        </p:style>
+        <p:txBody>
+          <a:bodyPr rtlCol="0" anchor="ctr"/>
+          <a:lstStyle/>
+          <a:p>
+            <a:pPr algn="ctr"/>
+            <a:endParaRPr lang="it-IT"/>
+          </a:p>
+        </p:txBody>
+      </p:sp>
+      <p:pic>
+        <p:nvPicPr>
+          <p:cNvPr id="15" name="Immagine 14" descr="Immagine che contiene cerchio, logo, simbolo, Carattere&#10;&#10;Descrizione generata automaticamente">
+            <a:extLst>
+              <a:ext uri="{FF2B5EF4-FFF2-40B4-BE49-F238E27FC236}">
+                <a16:creationId xmlns:a16="http://schemas.microsoft.com/office/drawing/2014/main" id="{787E19FA-2DAB-FFB9-DFB7-BB14A2D7142A}"/>
+              </a:ext>
+            </a:extLst>
+          </p:cNvPr>
+          <p:cNvPicPr>
+            <a:picLocks noChangeAspect="1"/>
+          </p:cNvPicPr>
+          <p:nvPr/>
+        </p:nvPicPr>
+        <p:blipFill>
+          <a:blip r:embed="rId2">
+            <a:extLst>
+              <a:ext uri="{28A0092B-C50C-407E-A947-70E740481C1C}">
+                <a14:useLocalDpi xmlns:a14="http://schemas.microsoft.com/office/drawing/2010/main" val="0"/>
+              </a:ext>
+            </a:extLst>
+          </a:blip>
+          <a:stretch>
+            <a:fillRect/>
+          </a:stretch>
+        </p:blipFill>
+        <p:spPr>
+          <a:xfrm>
+            <a:off x="12830630" y="2387846"/>
+            <a:ext cx="2756958" cy="3502080"/>
+          </a:xfrm>
+          <a:prstGeom prst="rect">
+            <a:avLst/>
+          </a:prstGeom>
+        </p:spPr>
+      </p:pic>
+      <p:sp>
+        <p:nvSpPr>
+          <p:cNvPr id="12" name="Rettangolo 11">
+            <a:extLst>
+              <a:ext uri="{FF2B5EF4-FFF2-40B4-BE49-F238E27FC236}">
+                <a16:creationId xmlns:a16="http://schemas.microsoft.com/office/drawing/2014/main" id="{DB19EA27-DA92-2852-828A-402099FFC0A2}"/>
+              </a:ext>
+            </a:extLst>
+          </p:cNvPr>
+          <p:cNvSpPr/>
+          <p:nvPr/>
+        </p:nvSpPr>
+        <p:spPr>
+          <a:xfrm>
+            <a:off x="-4672642" y="3095172"/>
+            <a:ext cx="952500" cy="1333500"/>
+          </a:xfrm>
+          <a:prstGeom prst="rect">
+            <a:avLst/>
+          </a:prstGeom>
+          <a:solidFill>
+            <a:srgbClr val="147B3D"/>
+          </a:solidFill>
+          <a:ln>
+            <a:noFill/>
+          </a:ln>
+        </p:spPr>
+        <p:style>
+          <a:lnRef idx="2">
+            <a:schemeClr val="accent1">
+              <a:shade val="15000"/>
+            </a:schemeClr>
+          </a:lnRef>
+          <a:fillRef idx="1">
+            <a:schemeClr val="accent1"/>
+          </a:fillRef>
+          <a:effectRef idx="0">
+            <a:schemeClr val="accent1"/>
+          </a:effectRef>
+          <a:fontRef idx="minor">
+            <a:schemeClr val="lt1"/>
+          </a:fontRef>
+        </p:style>
+        <p:txBody>
+          <a:bodyPr rtlCol="0" anchor="ctr"/>
+          <a:lstStyle/>
+          <a:p>
+            <a:pPr algn="ctr"/>
+            <a:endParaRPr lang="it-IT" dirty="0"/>
+          </a:p>
+        </p:txBody>
+      </p:sp>
+      <p:sp>
+        <p:nvSpPr>
+          <p:cNvPr id="13" name="Rettangolo 12">
+            <a:extLst>
+              <a:ext uri="{FF2B5EF4-FFF2-40B4-BE49-F238E27FC236}">
+                <a16:creationId xmlns:a16="http://schemas.microsoft.com/office/drawing/2014/main" id="{AF754B7F-0FC6-D84A-AA7E-0AEC74EA19C5}"/>
+              </a:ext>
+            </a:extLst>
+          </p:cNvPr>
+          <p:cNvSpPr/>
+          <p:nvPr/>
+        </p:nvSpPr>
+        <p:spPr>
+          <a:xfrm>
+            <a:off x="-4672642" y="3095172"/>
+            <a:ext cx="952500" cy="1333500"/>
+          </a:xfrm>
+          <a:prstGeom prst="rect">
+            <a:avLst/>
+          </a:prstGeom>
+          <a:solidFill>
+            <a:srgbClr val="27CB50"/>
+          </a:solidFill>
+          <a:ln>
+            <a:noFill/>
+          </a:ln>
+        </p:spPr>
+        <p:style>
+          <a:lnRef idx="2">
+            <a:schemeClr val="accent1">
+              <a:shade val="15000"/>
+            </a:schemeClr>
+          </a:lnRef>
+          <a:fillRef idx="1">
+            <a:schemeClr val="accent1"/>
+          </a:fillRef>
+          <a:effectRef idx="0">
+            <a:schemeClr val="accent1"/>
+          </a:effectRef>
+          <a:fontRef idx="minor">
+            <a:schemeClr val="lt1"/>
+          </a:fontRef>
+        </p:style>
+        <p:txBody>
+          <a:bodyPr rtlCol="0" anchor="ctr"/>
+          <a:lstStyle/>
+          <a:p>
+            <a:pPr algn="ctr"/>
+            <a:endParaRPr lang="it-IT"/>
+          </a:p>
+        </p:txBody>
+      </p:sp>
+      <p:sp>
+        <p:nvSpPr>
+          <p:cNvPr id="2" name="Rettangolo 1">
+            <a:extLst>
+              <a:ext uri="{FF2B5EF4-FFF2-40B4-BE49-F238E27FC236}">
+                <a16:creationId xmlns:a16="http://schemas.microsoft.com/office/drawing/2014/main" id="{981F11BF-369C-E430-DAE6-6799D08BC15C}"/>
+              </a:ext>
+            </a:extLst>
+          </p:cNvPr>
+          <p:cNvSpPr/>
+          <p:nvPr/>
+        </p:nvSpPr>
+        <p:spPr>
+          <a:xfrm>
+            <a:off x="2939057" y="-199"/>
+            <a:ext cx="9252943" cy="6918584"/>
+          </a:xfrm>
+          <a:prstGeom prst="rect">
+            <a:avLst/>
+          </a:prstGeom>
+          <a:solidFill>
+            <a:srgbClr val="48190B"/>
+          </a:solidFill>
+          <a:ln>
+            <a:noFill/>
+          </a:ln>
+        </p:spPr>
+        <p:style>
+          <a:lnRef idx="2">
+            <a:schemeClr val="accent1">
+              <a:shade val="15000"/>
+            </a:schemeClr>
+          </a:lnRef>
+          <a:fillRef idx="1">
+            <a:schemeClr val="accent1"/>
+          </a:fillRef>
+          <a:effectRef idx="0">
+            <a:schemeClr val="accent1"/>
+          </a:effectRef>
+          <a:fontRef idx="minor">
+            <a:schemeClr val="lt1"/>
+          </a:fontRef>
+        </p:style>
+        <p:txBody>
+          <a:bodyPr rtlCol="0" anchor="ctr"/>
+          <a:lstStyle/>
+          <a:p>
+            <a:pPr algn="ctr"/>
+            <a:endParaRPr lang="it-IT" dirty="0"/>
+          </a:p>
+        </p:txBody>
+      </p:sp>
+      <p:pic>
+        <p:nvPicPr>
+          <p:cNvPr id="4" name="Immagine 3" descr="Immagine che contiene Carattere, Elementi grafici, grafica, tipografia&#10;&#10;Descrizione generata automaticamente">
+            <a:extLst>
+              <a:ext uri="{FF2B5EF4-FFF2-40B4-BE49-F238E27FC236}">
+                <a16:creationId xmlns:a16="http://schemas.microsoft.com/office/drawing/2014/main" id="{EA2EC9F2-5495-160C-7AC9-3F90E9E2CFA3}"/>
+              </a:ext>
+            </a:extLst>
+          </p:cNvPr>
+          <p:cNvPicPr>
+            <a:picLocks noChangeAspect="1"/>
+          </p:cNvPicPr>
+          <p:nvPr/>
+        </p:nvPicPr>
+        <p:blipFill>
+          <a:blip r:embed="rId3">
+            <a:extLst>
+              <a:ext uri="{28A0092B-C50C-407E-A947-70E740481C1C}">
+                <a14:useLocalDpi xmlns:a14="http://schemas.microsoft.com/office/drawing/2010/main" val="0"/>
+              </a:ext>
+            </a:extLst>
+          </a:blip>
+          <a:stretch>
+            <a:fillRect/>
+          </a:stretch>
+        </p:blipFill>
+        <p:spPr>
+          <a:xfrm>
+            <a:off x="41928285" y="-885741"/>
+            <a:ext cx="8924925" cy="1228725"/>
+          </a:xfrm>
+          <a:prstGeom prst="rect">
+            <a:avLst/>
+          </a:prstGeom>
+        </p:spPr>
+      </p:pic>
+      <p:sp>
+        <p:nvSpPr>
+          <p:cNvPr id="3" name="CasellaDiTesto 2">
+            <a:extLst>
+              <a:ext uri="{FF2B5EF4-FFF2-40B4-BE49-F238E27FC236}">
+                <a16:creationId xmlns:a16="http://schemas.microsoft.com/office/drawing/2014/main" id="{FE4390CA-EDC7-7703-4DC3-D3BEBEA09EC3}"/>
+              </a:ext>
+            </a:extLst>
+          </p:cNvPr>
+          <p:cNvSpPr txBox="1"/>
+          <p:nvPr/>
+        </p:nvSpPr>
+        <p:spPr>
+          <a:xfrm>
+            <a:off x="682581" y="-1455340"/>
+            <a:ext cx="10976932" cy="1015663"/>
+          </a:xfrm>
+          <a:prstGeom prst="rect">
+            <a:avLst/>
+          </a:prstGeom>
+          <a:noFill/>
+          <a:ln w="0">
+            <a:noFill/>
+          </a:ln>
+        </p:spPr>
+        <p:txBody>
+          <a:bodyPr wrap="square" rtlCol="0">
+            <a:spAutoFit/>
+          </a:bodyPr>
+          <a:lstStyle/>
+          <a:p>
+            <a:r>
+              <a:rPr lang="it-IT" sz="6000" dirty="0">
+                <a:ln w="38100">
+                  <a:solidFill>
+                    <a:srgbClr val="386ABB"/>
+                  </a:solidFill>
+                </a:ln>
+                <a:solidFill>
+                  <a:srgbClr val="FFCC03"/>
+                </a:solidFill>
+                <a:latin typeface="Pokemon Solid" panose="040B0500000000000000" pitchFamily="82" charset="2"/>
+              </a:rPr>
+              <a:t>Fasi di Sviluppo del Progetto</a:t>
+            </a:r>
+          </a:p>
+        </p:txBody>
+      </p:sp>
+      <p:pic>
+        <p:nvPicPr>
+          <p:cNvPr id="19" name="Immagine 18" descr="Immagine che contiene cerchio, verde, Elementi grafici, logo&#10;&#10;Descrizione generata automaticamente">
+            <a:extLst>
+              <a:ext uri="{FF2B5EF4-FFF2-40B4-BE49-F238E27FC236}">
+                <a16:creationId xmlns:a16="http://schemas.microsoft.com/office/drawing/2014/main" id="{1783FB66-1FCC-D1E4-13AC-B2F44C599719}"/>
+              </a:ext>
+            </a:extLst>
+          </p:cNvPr>
+          <p:cNvPicPr>
+            <a:picLocks noChangeAspect="1"/>
+          </p:cNvPicPr>
+          <p:nvPr/>
+        </p:nvPicPr>
+        <p:blipFill>
+          <a:blip r:embed="rId4">
+            <a:extLst>
+              <a:ext uri="{28A0092B-C50C-407E-A947-70E740481C1C}">
+                <a14:useLocalDpi xmlns:a14="http://schemas.microsoft.com/office/drawing/2010/main" val="0"/>
+              </a:ext>
+            </a:extLst>
+          </a:blip>
+          <a:stretch>
+            <a:fillRect/>
+          </a:stretch>
+        </p:blipFill>
+        <p:spPr>
+          <a:xfrm>
+            <a:off x="-5608518" y="2517043"/>
+            <a:ext cx="2655249" cy="3372883"/>
+          </a:xfrm>
+          <a:prstGeom prst="rect">
+            <a:avLst/>
+          </a:prstGeom>
+        </p:spPr>
+      </p:pic>
+      <p:pic>
+        <p:nvPicPr>
+          <p:cNvPr id="21" name="Immagine 20" descr="Immagine che contiene cerchio, logo, simbolo, Carattere&#10;&#10;Descrizione generata automaticamente">
+            <a:extLst>
+              <a:ext uri="{FF2B5EF4-FFF2-40B4-BE49-F238E27FC236}">
+                <a16:creationId xmlns:a16="http://schemas.microsoft.com/office/drawing/2014/main" id="{923451DD-18F1-E3F1-D326-50C8887626DE}"/>
+              </a:ext>
+            </a:extLst>
+          </p:cNvPr>
+          <p:cNvPicPr>
+            <a:picLocks noChangeAspect="1"/>
+          </p:cNvPicPr>
+          <p:nvPr/>
+        </p:nvPicPr>
+        <p:blipFill>
+          <a:blip r:embed="rId5">
+            <a:extLst>
+              <a:ext uri="{28A0092B-C50C-407E-A947-70E740481C1C}">
+                <a14:useLocalDpi xmlns:a14="http://schemas.microsoft.com/office/drawing/2010/main" val="0"/>
+              </a:ext>
+            </a:extLst>
+          </a:blip>
+          <a:stretch>
+            <a:fillRect/>
+          </a:stretch>
+        </p:blipFill>
+        <p:spPr>
+          <a:xfrm>
+            <a:off x="-5583382" y="2387846"/>
+            <a:ext cx="2655248" cy="3395827"/>
+          </a:xfrm>
+          <a:prstGeom prst="rect">
+            <a:avLst/>
+          </a:prstGeom>
+        </p:spPr>
+      </p:pic>
+      <p:sp>
+        <p:nvSpPr>
+          <p:cNvPr id="18" name="CasellaDiTesto 17">
+            <a:extLst>
+              <a:ext uri="{FF2B5EF4-FFF2-40B4-BE49-F238E27FC236}">
+                <a16:creationId xmlns:a16="http://schemas.microsoft.com/office/drawing/2014/main" id="{B2DEC24F-7363-6293-4244-7D91A52C6DC2}"/>
+              </a:ext>
+            </a:extLst>
+          </p:cNvPr>
+          <p:cNvSpPr txBox="1"/>
+          <p:nvPr/>
+        </p:nvSpPr>
+        <p:spPr>
+          <a:xfrm>
+            <a:off x="6096000" y="136683"/>
+            <a:ext cx="2939057" cy="830997"/>
+          </a:xfrm>
+          <a:prstGeom prst="rect">
+            <a:avLst/>
+          </a:prstGeom>
+          <a:noFill/>
+          <a:ln w="0">
+            <a:noFill/>
+          </a:ln>
+        </p:spPr>
+        <p:txBody>
+          <a:bodyPr wrap="square" rtlCol="0">
+            <a:spAutoFit/>
+          </a:bodyPr>
+          <a:lstStyle/>
+          <a:p>
+            <a:pPr algn="ctr"/>
+            <a:r>
+              <a:rPr lang="it-IT" sz="4800" dirty="0">
+                <a:ln w="38100">
+                  <a:solidFill>
+                    <a:srgbClr val="386ABB"/>
+                  </a:solidFill>
+                </a:ln>
+                <a:solidFill>
+                  <a:srgbClr val="FFCC03"/>
+                </a:solidFill>
+                <a:latin typeface="Pokemon Solid" panose="040B0500000000000000" pitchFamily="82" charset="2"/>
+              </a:rPr>
+              <a:t>Packages</a:t>
+            </a:r>
+          </a:p>
+        </p:txBody>
+      </p:sp>
+      <p:sp>
+        <p:nvSpPr>
+          <p:cNvPr id="5" name="Rettangolo 4">
+            <a:extLst>
+              <a:ext uri="{FF2B5EF4-FFF2-40B4-BE49-F238E27FC236}">
+                <a16:creationId xmlns:a16="http://schemas.microsoft.com/office/drawing/2014/main" id="{C6ED6F97-D7E9-46B3-204D-14FE194922E3}"/>
+              </a:ext>
+            </a:extLst>
+          </p:cNvPr>
+          <p:cNvSpPr/>
+          <p:nvPr/>
+        </p:nvSpPr>
+        <p:spPr>
+          <a:xfrm>
+            <a:off x="0" y="-199"/>
+            <a:ext cx="2939057" cy="6858000"/>
+          </a:xfrm>
+          <a:prstGeom prst="rect">
+            <a:avLst/>
+          </a:prstGeom>
+          <a:solidFill>
+            <a:srgbClr val="8B3E22"/>
+          </a:solidFill>
+        </p:spPr>
+        <p:style>
+          <a:lnRef idx="2">
+            <a:schemeClr val="accent1">
+              <a:shade val="15000"/>
+            </a:schemeClr>
+          </a:lnRef>
+          <a:fillRef idx="1">
+            <a:schemeClr val="accent1"/>
+          </a:fillRef>
+          <a:effectRef idx="0">
+            <a:schemeClr val="accent1"/>
+          </a:effectRef>
+          <a:fontRef idx="minor">
+            <a:schemeClr val="lt1"/>
+          </a:fontRef>
+        </p:style>
+        <p:txBody>
+          <a:bodyPr rtlCol="0" anchor="ctr"/>
+          <a:lstStyle/>
+          <a:p>
+            <a:pPr algn="ctr"/>
+            <a:endParaRPr lang="it-IT" dirty="0"/>
+          </a:p>
+        </p:txBody>
+      </p:sp>
+      <p:pic>
+        <p:nvPicPr>
+          <p:cNvPr id="17" name="Immagine 16" descr="Immagine che contiene logo, cerchio, Carattere, Elementi grafici&#10;&#10;Descrizione generata automaticamente">
+            <a:extLst>
+              <a:ext uri="{FF2B5EF4-FFF2-40B4-BE49-F238E27FC236}">
+                <a16:creationId xmlns:a16="http://schemas.microsoft.com/office/drawing/2014/main" id="{481B8042-57D3-199E-FCA4-88F18AEE6FEC}"/>
+              </a:ext>
+            </a:extLst>
+          </p:cNvPr>
+          <p:cNvPicPr>
+            <a:picLocks noChangeAspect="1"/>
+          </p:cNvPicPr>
+          <p:nvPr/>
+        </p:nvPicPr>
+        <p:blipFill>
+          <a:blip r:embed="rId6">
+            <a:extLst>
+              <a:ext uri="{28A0092B-C50C-407E-A947-70E740481C1C}">
+                <a14:useLocalDpi xmlns:a14="http://schemas.microsoft.com/office/drawing/2010/main" val="0"/>
+              </a:ext>
+            </a:extLst>
+          </a:blip>
+          <a:stretch>
+            <a:fillRect/>
+          </a:stretch>
+        </p:blipFill>
+        <p:spPr>
+          <a:xfrm>
+            <a:off x="158567" y="1742162"/>
+            <a:ext cx="2655403" cy="3373079"/>
+          </a:xfrm>
+          <a:prstGeom prst="rect">
+            <a:avLst/>
+          </a:prstGeom>
+        </p:spPr>
+      </p:pic>
+      <p:sp>
+        <p:nvSpPr>
+          <p:cNvPr id="6" name="CasellaDiTesto 5">
+            <a:extLst>
+              <a:ext uri="{FF2B5EF4-FFF2-40B4-BE49-F238E27FC236}">
+                <a16:creationId xmlns:a16="http://schemas.microsoft.com/office/drawing/2014/main" id="{30E7353A-E583-FEC4-05C3-D24281743CC1}"/>
+              </a:ext>
+            </a:extLst>
+          </p:cNvPr>
+          <p:cNvSpPr txBox="1"/>
+          <p:nvPr/>
+        </p:nvSpPr>
+        <p:spPr>
+          <a:xfrm>
+            <a:off x="17534844" y="136683"/>
+            <a:ext cx="10976932" cy="830997"/>
+          </a:xfrm>
+          <a:prstGeom prst="rect">
+            <a:avLst/>
+          </a:prstGeom>
+          <a:noFill/>
+          <a:ln w="0">
+            <a:noFill/>
+          </a:ln>
+        </p:spPr>
+        <p:txBody>
+          <a:bodyPr wrap="square" rtlCol="0">
+            <a:spAutoFit/>
+          </a:bodyPr>
+          <a:lstStyle/>
+          <a:p>
+            <a:pPr algn="ctr"/>
+            <a:r>
+              <a:rPr lang="it-IT" sz="4800" dirty="0">
+                <a:ln w="38100">
+                  <a:solidFill>
+                    <a:srgbClr val="386ABB"/>
+                  </a:solidFill>
+                </a:ln>
+                <a:solidFill>
+                  <a:srgbClr val="FFCC03"/>
+                </a:solidFill>
+                <a:latin typeface="Pokemon Solid" panose="040B0500000000000000" pitchFamily="82" charset="2"/>
+              </a:rPr>
+              <a:t>Interfacce delle classi</a:t>
+            </a:r>
+          </a:p>
+        </p:txBody>
+      </p:sp>
+    </p:spTree>
+    <p:extLst>
+      <p:ext uri="{BB962C8B-B14F-4D97-AF65-F5344CB8AC3E}">
+        <p14:creationId xmlns:p14="http://schemas.microsoft.com/office/powerpoint/2010/main" val="4074470169"/>
+      </p:ext>
+    </p:extLst>
+  </p:cSld>
+  <p:clrMapOvr>
+    <a:masterClrMapping/>
+  </p:clrMapOvr>
+  <mc:AlternateContent xmlns:mc="http://schemas.openxmlformats.org/markup-compatibility/2006">
+    <mc:Choice xmlns:p159="http://schemas.microsoft.com/office/powerpoint/2015/09/main" Requires="p159">
+      <p:transition xmlns:p14="http://schemas.microsoft.com/office/powerpoint/2010/main" spd="slow" p14:dur="2000">
+        <p159:morph option="byObject"/>
+      </p:transition>
+    </mc:Choice>
+    <mc:Fallback>
+      <p:transition spd="slow">
+        <p:fade/>
+      </p:transition>
+    </mc:Fallback>
+  </mc:AlternateContent>
+</p:sld>
+</file>
+
+<file path=ppt/slides/slide29.xml><?xml version="1.0" encoding="utf-8"?>
+<p:sld xmlns:a="http://schemas.openxmlformats.org/drawingml/2006/main" xmlns:r="http://schemas.openxmlformats.org/officeDocument/2006/relationships" xmlns:p="http://schemas.openxmlformats.org/presentationml/2006/main">
+  <p:cSld>
+    <p:spTree>
+      <p:nvGrpSpPr>
+        <p:cNvPr id="1" name=""/>
+        <p:cNvGrpSpPr/>
+        <p:nvPr/>
+      </p:nvGrpSpPr>
+      <p:grpSpPr>
+        <a:xfrm>
+          <a:off x="0" y="0"/>
+          <a:ext cx="0" cy="0"/>
+          <a:chOff x="0" y="0"/>
+          <a:chExt cx="0" cy="0"/>
+        </a:xfrm>
+      </p:grpSpPr>
+      <p:sp>
+        <p:nvSpPr>
+          <p:cNvPr id="2" name="Rettangolo 1">
+            <a:extLst>
+              <a:ext uri="{FF2B5EF4-FFF2-40B4-BE49-F238E27FC236}">
+                <a16:creationId xmlns:a16="http://schemas.microsoft.com/office/drawing/2014/main" id="{981F11BF-369C-E430-DAE6-6799D08BC15C}"/>
+              </a:ext>
+            </a:extLst>
+          </p:cNvPr>
+          <p:cNvSpPr/>
+          <p:nvPr/>
+        </p:nvSpPr>
+        <p:spPr>
+          <a:xfrm>
+            <a:off x="7136576" y="3127982"/>
+            <a:ext cx="952500" cy="1333500"/>
+          </a:xfrm>
+          <a:prstGeom prst="rect">
+            <a:avLst/>
+          </a:prstGeom>
+          <a:solidFill>
+            <a:srgbClr val="48190B"/>
+          </a:solidFill>
+          <a:ln>
+            <a:noFill/>
+          </a:ln>
+        </p:spPr>
+        <p:style>
+          <a:lnRef idx="2">
+            <a:schemeClr val="accent1">
+              <a:shade val="15000"/>
+            </a:schemeClr>
+          </a:lnRef>
+          <a:fillRef idx="1">
+            <a:schemeClr val="accent1"/>
+          </a:fillRef>
+          <a:effectRef idx="0">
+            <a:schemeClr val="accent1"/>
+          </a:effectRef>
+          <a:fontRef idx="minor">
+            <a:schemeClr val="lt1"/>
+          </a:fontRef>
+        </p:style>
+        <p:txBody>
+          <a:bodyPr rtlCol="0" anchor="ctr"/>
+          <a:lstStyle/>
+          <a:p>
+            <a:pPr algn="ctr"/>
+            <a:endParaRPr lang="it-IT" dirty="0"/>
+          </a:p>
+        </p:txBody>
+      </p:sp>
+      <p:sp>
+        <p:nvSpPr>
+          <p:cNvPr id="5" name="Rettangolo 4">
+            <a:extLst>
+              <a:ext uri="{FF2B5EF4-FFF2-40B4-BE49-F238E27FC236}">
+                <a16:creationId xmlns:a16="http://schemas.microsoft.com/office/drawing/2014/main" id="{C6ED6F97-D7E9-46B3-204D-14FE194922E3}"/>
+              </a:ext>
+            </a:extLst>
+          </p:cNvPr>
+          <p:cNvSpPr/>
+          <p:nvPr/>
+        </p:nvSpPr>
+        <p:spPr>
+          <a:xfrm>
+            <a:off x="7139003" y="3127982"/>
+            <a:ext cx="952500" cy="1333500"/>
+          </a:xfrm>
+          <a:prstGeom prst="rect">
+            <a:avLst/>
+          </a:prstGeom>
+          <a:solidFill>
+            <a:srgbClr val="8B3E22"/>
+          </a:solidFill>
+        </p:spPr>
+        <p:style>
+          <a:lnRef idx="2">
+            <a:schemeClr val="accent1">
+              <a:shade val="15000"/>
+            </a:schemeClr>
+          </a:lnRef>
+          <a:fillRef idx="1">
+            <a:schemeClr val="accent1"/>
+          </a:fillRef>
+          <a:effectRef idx="0">
+            <a:schemeClr val="accent1"/>
+          </a:effectRef>
+          <a:fontRef idx="minor">
+            <a:schemeClr val="lt1"/>
+          </a:fontRef>
+        </p:style>
+        <p:txBody>
+          <a:bodyPr rtlCol="0" anchor="ctr"/>
+          <a:lstStyle/>
+          <a:p>
+            <a:pPr algn="ctr"/>
+            <a:endParaRPr lang="it-IT" dirty="0"/>
+          </a:p>
+        </p:txBody>
+      </p:sp>
+      <p:sp>
+        <p:nvSpPr>
+          <p:cNvPr id="7" name="Rettangolo 6">
+            <a:extLst>
+              <a:ext uri="{FF2B5EF4-FFF2-40B4-BE49-F238E27FC236}">
+                <a16:creationId xmlns:a16="http://schemas.microsoft.com/office/drawing/2014/main" id="{391D3BB9-9C60-6AA8-1A11-E47DFAFFEF68}"/>
+              </a:ext>
+            </a:extLst>
+          </p:cNvPr>
+          <p:cNvSpPr/>
+          <p:nvPr/>
+        </p:nvSpPr>
+        <p:spPr>
+          <a:xfrm>
+            <a:off x="10157260" y="3271558"/>
+            <a:ext cx="952500" cy="1333500"/>
+          </a:xfrm>
+          <a:prstGeom prst="rect">
+            <a:avLst/>
+          </a:prstGeom>
+          <a:solidFill>
+            <a:srgbClr val="994025"/>
+          </a:solidFill>
+          <a:ln>
+            <a:noFill/>
+          </a:ln>
+        </p:spPr>
+        <p:style>
+          <a:lnRef idx="2">
+            <a:schemeClr val="accent1">
+              <a:shade val="15000"/>
+            </a:schemeClr>
+          </a:lnRef>
+          <a:fillRef idx="1">
+            <a:schemeClr val="accent1"/>
+          </a:fillRef>
+          <a:effectRef idx="0">
+            <a:schemeClr val="accent1"/>
+          </a:effectRef>
+          <a:fontRef idx="minor">
+            <a:schemeClr val="lt1"/>
+          </a:fontRef>
+        </p:style>
+        <p:txBody>
+          <a:bodyPr rtlCol="0" anchor="ctr"/>
+          <a:lstStyle/>
+          <a:p>
+            <a:pPr algn="ctr"/>
+            <a:endParaRPr lang="it-IT" dirty="0"/>
+          </a:p>
+        </p:txBody>
+      </p:sp>
+      <p:sp>
+        <p:nvSpPr>
+          <p:cNvPr id="6" name="Rettangolo 5">
+            <a:extLst>
+              <a:ext uri="{FF2B5EF4-FFF2-40B4-BE49-F238E27FC236}">
+                <a16:creationId xmlns:a16="http://schemas.microsoft.com/office/drawing/2014/main" id="{72B58A70-F1D3-5476-E7AB-89167A280E78}"/>
+              </a:ext>
+            </a:extLst>
+          </p:cNvPr>
+          <p:cNvSpPr/>
+          <p:nvPr/>
+        </p:nvSpPr>
+        <p:spPr>
+          <a:xfrm>
+            <a:off x="10157260" y="3271558"/>
+            <a:ext cx="952500" cy="1333500"/>
+          </a:xfrm>
+          <a:prstGeom prst="rect">
+            <a:avLst/>
+          </a:prstGeom>
+          <a:solidFill>
+            <a:srgbClr val="EE6138"/>
+          </a:solidFill>
+          <a:ln>
+            <a:noFill/>
+          </a:ln>
+        </p:spPr>
+        <p:style>
+          <a:lnRef idx="2">
+            <a:schemeClr val="accent1">
+              <a:shade val="15000"/>
+            </a:schemeClr>
+          </a:lnRef>
+          <a:fillRef idx="1">
+            <a:schemeClr val="accent1"/>
+          </a:fillRef>
+          <a:effectRef idx="0">
+            <a:schemeClr val="accent1"/>
+          </a:effectRef>
+          <a:fontRef idx="minor">
+            <a:schemeClr val="lt1"/>
+          </a:fontRef>
+        </p:style>
+        <p:txBody>
+          <a:bodyPr rtlCol="0" anchor="ctr"/>
+          <a:lstStyle/>
+          <a:p>
+            <a:pPr algn="ctr"/>
+            <a:endParaRPr lang="it-IT"/>
+          </a:p>
+        </p:txBody>
+      </p:sp>
+      <p:pic>
+        <p:nvPicPr>
+          <p:cNvPr id="4" name="Immagine 3" descr="Immagine che contiene Carattere, Elementi grafici, grafica, tipografia&#10;&#10;Descrizione generata automaticamente">
+            <a:extLst>
+              <a:ext uri="{FF2B5EF4-FFF2-40B4-BE49-F238E27FC236}">
+                <a16:creationId xmlns:a16="http://schemas.microsoft.com/office/drawing/2014/main" id="{EA2EC9F2-5495-160C-7AC9-3F90E9E2CFA3}"/>
+              </a:ext>
+            </a:extLst>
+          </p:cNvPr>
+          <p:cNvPicPr>
+            <a:picLocks noChangeAspect="1"/>
+          </p:cNvPicPr>
+          <p:nvPr/>
+        </p:nvPicPr>
+        <p:blipFill>
+          <a:blip r:embed="rId2">
+            <a:extLst>
+              <a:ext uri="{28A0092B-C50C-407E-A947-70E740481C1C}">
+                <a14:useLocalDpi xmlns:a14="http://schemas.microsoft.com/office/drawing/2010/main" val="0"/>
+              </a:ext>
+            </a:extLst>
+          </a:blip>
+          <a:stretch>
+            <a:fillRect/>
+          </a:stretch>
+        </p:blipFill>
+        <p:spPr>
+          <a:xfrm>
+            <a:off x="1708585" y="-4091422"/>
+            <a:ext cx="8924925" cy="1228725"/>
+          </a:xfrm>
+          <a:prstGeom prst="rect">
+            <a:avLst/>
+          </a:prstGeom>
+        </p:spPr>
+      </p:pic>
+      <p:sp>
+        <p:nvSpPr>
+          <p:cNvPr id="3" name="CasellaDiTesto 2">
+            <a:extLst>
+              <a:ext uri="{FF2B5EF4-FFF2-40B4-BE49-F238E27FC236}">
+                <a16:creationId xmlns:a16="http://schemas.microsoft.com/office/drawing/2014/main" id="{FE4390CA-EDC7-7703-4DC3-D3BEBEA09EC3}"/>
+              </a:ext>
+            </a:extLst>
+          </p:cNvPr>
+          <p:cNvSpPr txBox="1"/>
+          <p:nvPr/>
+        </p:nvSpPr>
+        <p:spPr>
+          <a:xfrm>
+            <a:off x="682581" y="363349"/>
+            <a:ext cx="10976932" cy="1015663"/>
+          </a:xfrm>
+          <a:prstGeom prst="rect">
+            <a:avLst/>
+          </a:prstGeom>
+          <a:noFill/>
+          <a:ln w="0">
+            <a:noFill/>
+          </a:ln>
+        </p:spPr>
+        <p:txBody>
+          <a:bodyPr wrap="square" rtlCol="0">
+            <a:spAutoFit/>
+          </a:bodyPr>
+          <a:lstStyle/>
+          <a:p>
+            <a:r>
+              <a:rPr lang="it-IT" sz="6000" dirty="0">
+                <a:ln w="38100">
+                  <a:solidFill>
+                    <a:srgbClr val="386ABB"/>
+                  </a:solidFill>
+                </a:ln>
+                <a:solidFill>
+                  <a:srgbClr val="FFCC03"/>
+                </a:solidFill>
+                <a:latin typeface="Pokemon Solid" panose="040B0500000000000000" pitchFamily="82" charset="2"/>
+              </a:rPr>
+              <a:t>Fasi di Sviluppo del Progetto</a:t>
+            </a:r>
+          </a:p>
+        </p:txBody>
+      </p:sp>
+      <p:pic>
+        <p:nvPicPr>
+          <p:cNvPr id="15" name="Immagine 14" descr="Immagine che contiene cerchio, logo, simbolo, Carattere&#10;&#10;Descrizione generata automaticamente">
+            <a:extLst>
+              <a:ext uri="{FF2B5EF4-FFF2-40B4-BE49-F238E27FC236}">
+                <a16:creationId xmlns:a16="http://schemas.microsoft.com/office/drawing/2014/main" id="{787E19FA-2DAB-FFB9-DFB7-BB14A2D7142A}"/>
+              </a:ext>
+            </a:extLst>
+          </p:cNvPr>
+          <p:cNvPicPr>
+            <a:picLocks noChangeAspect="1"/>
+          </p:cNvPicPr>
+          <p:nvPr/>
+        </p:nvPicPr>
+        <p:blipFill>
+          <a:blip r:embed="rId3">
+            <a:extLst>
+              <a:ext uri="{28A0092B-C50C-407E-A947-70E740481C1C}">
+                <a14:useLocalDpi xmlns:a14="http://schemas.microsoft.com/office/drawing/2010/main" val="0"/>
+              </a:ext>
+            </a:extLst>
+          </a:blip>
+          <a:stretch>
+            <a:fillRect/>
+          </a:stretch>
+        </p:blipFill>
+        <p:spPr>
+          <a:xfrm>
+            <a:off x="9340558" y="2539986"/>
+            <a:ext cx="2637188" cy="3349940"/>
+          </a:xfrm>
+          <a:prstGeom prst="rect">
+            <a:avLst/>
+          </a:prstGeom>
+        </p:spPr>
+      </p:pic>
+      <p:pic>
+        <p:nvPicPr>
+          <p:cNvPr id="17" name="Immagine 16" descr="Immagine che contiene logo, cerchio, Carattere, Elementi grafici&#10;&#10;Descrizione generata automaticamente">
+            <a:extLst>
+              <a:ext uri="{FF2B5EF4-FFF2-40B4-BE49-F238E27FC236}">
+                <a16:creationId xmlns:a16="http://schemas.microsoft.com/office/drawing/2014/main" id="{481B8042-57D3-199E-FCA4-88F18AEE6FEC}"/>
+              </a:ext>
+            </a:extLst>
+          </p:cNvPr>
+          <p:cNvPicPr>
+            <a:picLocks noChangeAspect="1"/>
+          </p:cNvPicPr>
+          <p:nvPr/>
+        </p:nvPicPr>
+        <p:blipFill>
+          <a:blip r:embed="rId4">
+            <a:extLst>
+              <a:ext uri="{28A0092B-C50C-407E-A947-70E740481C1C}">
+                <a14:useLocalDpi xmlns:a14="http://schemas.microsoft.com/office/drawing/2010/main" val="0"/>
+              </a:ext>
+            </a:extLst>
+          </a:blip>
+          <a:stretch>
+            <a:fillRect/>
+          </a:stretch>
+        </p:blipFill>
+        <p:spPr>
+          <a:xfrm>
+            <a:off x="6304480" y="2517040"/>
+            <a:ext cx="2637188" cy="3349941"/>
+          </a:xfrm>
+          <a:prstGeom prst="rect">
+            <a:avLst/>
+          </a:prstGeom>
+        </p:spPr>
+      </p:pic>
+      <p:pic>
+        <p:nvPicPr>
+          <p:cNvPr id="19" name="Immagine 18" descr="Immagine che contiene cerchio, verde, Elementi grafici, logo&#10;&#10;Descrizione generata automaticamente">
+            <a:extLst>
+              <a:ext uri="{FF2B5EF4-FFF2-40B4-BE49-F238E27FC236}">
+                <a16:creationId xmlns:a16="http://schemas.microsoft.com/office/drawing/2014/main" id="{1783FB66-1FCC-D1E4-13AC-B2F44C599719}"/>
+              </a:ext>
+            </a:extLst>
+          </p:cNvPr>
+          <p:cNvPicPr>
+            <a:picLocks noChangeAspect="1"/>
+          </p:cNvPicPr>
+          <p:nvPr/>
+        </p:nvPicPr>
+        <p:blipFill>
+          <a:blip r:embed="rId5">
+            <a:extLst>
+              <a:ext uri="{28A0092B-C50C-407E-A947-70E740481C1C}">
+                <a14:useLocalDpi xmlns:a14="http://schemas.microsoft.com/office/drawing/2010/main" val="0"/>
+              </a:ext>
+            </a:extLst>
+          </a:blip>
+          <a:stretch>
+            <a:fillRect/>
+          </a:stretch>
+        </p:blipFill>
+        <p:spPr>
+          <a:xfrm>
+            <a:off x="3268397" y="2539984"/>
+            <a:ext cx="2637188" cy="3349941"/>
+          </a:xfrm>
+          <a:prstGeom prst="rect">
+            <a:avLst/>
+          </a:prstGeom>
+        </p:spPr>
+      </p:pic>
+      <p:pic>
+        <p:nvPicPr>
+          <p:cNvPr id="21" name="Immagine 20" descr="Immagine che contiene cerchio, logo, simbolo, Carattere&#10;&#10;Descrizione generata automaticamente">
+            <a:extLst>
+              <a:ext uri="{FF2B5EF4-FFF2-40B4-BE49-F238E27FC236}">
+                <a16:creationId xmlns:a16="http://schemas.microsoft.com/office/drawing/2014/main" id="{923451DD-18F1-E3F1-D326-50C8887626DE}"/>
+              </a:ext>
+            </a:extLst>
+          </p:cNvPr>
+          <p:cNvPicPr>
+            <a:picLocks noChangeAspect="1"/>
+          </p:cNvPicPr>
+          <p:nvPr/>
+        </p:nvPicPr>
+        <p:blipFill>
+          <a:blip r:embed="rId6">
+            <a:extLst>
+              <a:ext uri="{28A0092B-C50C-407E-A947-70E740481C1C}">
+                <a14:useLocalDpi xmlns:a14="http://schemas.microsoft.com/office/drawing/2010/main" val="0"/>
+              </a:ext>
+            </a:extLst>
+          </a:blip>
+          <a:stretch>
+            <a:fillRect/>
+          </a:stretch>
+        </p:blipFill>
+        <p:spPr>
+          <a:xfrm>
+            <a:off x="149350" y="2494096"/>
+            <a:ext cx="2655248" cy="3395827"/>
+          </a:xfrm>
+          <a:prstGeom prst="rect">
+            <a:avLst/>
+          </a:prstGeom>
+        </p:spPr>
+      </p:pic>
+    </p:spTree>
+    <p:extLst>
+      <p:ext uri="{BB962C8B-B14F-4D97-AF65-F5344CB8AC3E}">
+        <p14:creationId xmlns:p14="http://schemas.microsoft.com/office/powerpoint/2010/main" val="3896284246"/>
       </p:ext>
     </p:extLst>
   </p:cSld>
@@ -34599,6 +38890,953 @@
       </p:transition>
     </mc:Choice>
     <mc:Fallback xmlns="">
+      <p:transition spd="slow">
+        <p:fade/>
+      </p:transition>
+    </mc:Fallback>
+  </mc:AlternateContent>
+</p:sld>
+</file>
+
+<file path=ppt/slides/slide30.xml><?xml version="1.0" encoding="utf-8"?>
+<p:sld xmlns:a="http://schemas.openxmlformats.org/drawingml/2006/main" xmlns:r="http://schemas.openxmlformats.org/officeDocument/2006/relationships" xmlns:p="http://schemas.openxmlformats.org/presentationml/2006/main">
+  <p:cSld>
+    <p:spTree>
+      <p:nvGrpSpPr>
+        <p:cNvPr id="1" name=""/>
+        <p:cNvGrpSpPr/>
+        <p:nvPr/>
+      </p:nvGrpSpPr>
+      <p:grpSpPr>
+        <a:xfrm>
+          <a:off x="0" y="0"/>
+          <a:ext cx="0" cy="0"/>
+          <a:chOff x="0" y="0"/>
+          <a:chExt cx="0" cy="0"/>
+        </a:xfrm>
+      </p:grpSpPr>
+      <p:sp>
+        <p:nvSpPr>
+          <p:cNvPr id="8" name="Rettangolo 7">
+            <a:extLst>
+              <a:ext uri="{FF2B5EF4-FFF2-40B4-BE49-F238E27FC236}">
+                <a16:creationId xmlns:a16="http://schemas.microsoft.com/office/drawing/2014/main" id="{322A7A11-653B-AEB3-8287-E987BA2DE7B8}"/>
+              </a:ext>
+            </a:extLst>
+          </p:cNvPr>
+          <p:cNvSpPr/>
+          <p:nvPr/>
+        </p:nvSpPr>
+        <p:spPr>
+          <a:xfrm>
+            <a:off x="9252943" y="0"/>
+            <a:ext cx="2939057" cy="6858000"/>
+          </a:xfrm>
+          <a:prstGeom prst="rect">
+            <a:avLst/>
+          </a:prstGeom>
+          <a:solidFill>
+            <a:srgbClr val="8B3E22"/>
+          </a:solidFill>
+        </p:spPr>
+        <p:style>
+          <a:lnRef idx="2">
+            <a:schemeClr val="accent1">
+              <a:shade val="15000"/>
+            </a:schemeClr>
+          </a:lnRef>
+          <a:fillRef idx="1">
+            <a:schemeClr val="accent1"/>
+          </a:fillRef>
+          <a:effectRef idx="0">
+            <a:schemeClr val="accent1"/>
+          </a:effectRef>
+          <a:fontRef idx="minor">
+            <a:schemeClr val="lt1"/>
+          </a:fontRef>
+        </p:style>
+        <p:txBody>
+          <a:bodyPr rtlCol="0" anchor="ctr"/>
+          <a:lstStyle/>
+          <a:p>
+            <a:pPr algn="ctr"/>
+            <a:endParaRPr lang="it-IT" dirty="0"/>
+          </a:p>
+        </p:txBody>
+      </p:sp>
+      <p:sp>
+        <p:nvSpPr>
+          <p:cNvPr id="6" name="Rettangolo 5">
+            <a:extLst>
+              <a:ext uri="{FF2B5EF4-FFF2-40B4-BE49-F238E27FC236}">
+                <a16:creationId xmlns:a16="http://schemas.microsoft.com/office/drawing/2014/main" id="{72B58A70-F1D3-5476-E7AB-89167A280E78}"/>
+              </a:ext>
+            </a:extLst>
+          </p:cNvPr>
+          <p:cNvSpPr/>
+          <p:nvPr/>
+        </p:nvSpPr>
+        <p:spPr>
+          <a:xfrm>
+            <a:off x="9252943" y="-7868"/>
+            <a:ext cx="2939057" cy="6858000"/>
+          </a:xfrm>
+          <a:prstGeom prst="rect">
+            <a:avLst/>
+          </a:prstGeom>
+          <a:solidFill>
+            <a:srgbClr val="EE6138"/>
+          </a:solidFill>
+          <a:ln>
+            <a:noFill/>
+          </a:ln>
+        </p:spPr>
+        <p:style>
+          <a:lnRef idx="2">
+            <a:schemeClr val="accent1">
+              <a:shade val="15000"/>
+            </a:schemeClr>
+          </a:lnRef>
+          <a:fillRef idx="1">
+            <a:schemeClr val="accent1"/>
+          </a:fillRef>
+          <a:effectRef idx="0">
+            <a:schemeClr val="accent1"/>
+          </a:effectRef>
+          <a:fontRef idx="minor">
+            <a:schemeClr val="lt1"/>
+          </a:fontRef>
+        </p:style>
+        <p:txBody>
+          <a:bodyPr rtlCol="0" anchor="ctr"/>
+          <a:lstStyle/>
+          <a:p>
+            <a:pPr algn="ctr"/>
+            <a:endParaRPr lang="it-IT"/>
+          </a:p>
+        </p:txBody>
+      </p:sp>
+      <p:pic>
+        <p:nvPicPr>
+          <p:cNvPr id="15" name="Immagine 14" descr="Immagine che contiene cerchio, logo, simbolo, Carattere&#10;&#10;Descrizione generata automaticamente">
+            <a:extLst>
+              <a:ext uri="{FF2B5EF4-FFF2-40B4-BE49-F238E27FC236}">
+                <a16:creationId xmlns:a16="http://schemas.microsoft.com/office/drawing/2014/main" id="{787E19FA-2DAB-FFB9-DFB7-BB14A2D7142A}"/>
+              </a:ext>
+            </a:extLst>
+          </p:cNvPr>
+          <p:cNvPicPr>
+            <a:picLocks noChangeAspect="1"/>
+          </p:cNvPicPr>
+          <p:nvPr/>
+        </p:nvPicPr>
+        <p:blipFill>
+          <a:blip r:embed="rId2">
+            <a:extLst>
+              <a:ext uri="{28A0092B-C50C-407E-A947-70E740481C1C}">
+                <a14:useLocalDpi xmlns:a14="http://schemas.microsoft.com/office/drawing/2010/main" val="0"/>
+              </a:ext>
+            </a:extLst>
+          </a:blip>
+          <a:stretch>
+            <a:fillRect/>
+          </a:stretch>
+        </p:blipFill>
+        <p:spPr>
+          <a:xfrm>
+            <a:off x="9405468" y="1734689"/>
+            <a:ext cx="2661446" cy="3380754"/>
+          </a:xfrm>
+          <a:prstGeom prst="rect">
+            <a:avLst/>
+          </a:prstGeom>
+        </p:spPr>
+      </p:pic>
+      <p:sp>
+        <p:nvSpPr>
+          <p:cNvPr id="2" name="Rettangolo 1">
+            <a:extLst>
+              <a:ext uri="{FF2B5EF4-FFF2-40B4-BE49-F238E27FC236}">
+                <a16:creationId xmlns:a16="http://schemas.microsoft.com/office/drawing/2014/main" id="{981F11BF-369C-E430-DAE6-6799D08BC15C}"/>
+              </a:ext>
+            </a:extLst>
+          </p:cNvPr>
+          <p:cNvSpPr/>
+          <p:nvPr/>
+        </p:nvSpPr>
+        <p:spPr>
+          <a:xfrm>
+            <a:off x="7136576" y="3127982"/>
+            <a:ext cx="952500" cy="1333500"/>
+          </a:xfrm>
+          <a:prstGeom prst="rect">
+            <a:avLst/>
+          </a:prstGeom>
+          <a:solidFill>
+            <a:srgbClr val="48190B"/>
+          </a:solidFill>
+          <a:ln>
+            <a:noFill/>
+          </a:ln>
+        </p:spPr>
+        <p:style>
+          <a:lnRef idx="2">
+            <a:schemeClr val="accent1">
+              <a:shade val="15000"/>
+            </a:schemeClr>
+          </a:lnRef>
+          <a:fillRef idx="1">
+            <a:schemeClr val="accent1"/>
+          </a:fillRef>
+          <a:effectRef idx="0">
+            <a:schemeClr val="accent1"/>
+          </a:effectRef>
+          <a:fontRef idx="minor">
+            <a:schemeClr val="lt1"/>
+          </a:fontRef>
+        </p:style>
+        <p:txBody>
+          <a:bodyPr rtlCol="0" anchor="ctr"/>
+          <a:lstStyle/>
+          <a:p>
+            <a:pPr algn="ctr"/>
+            <a:endParaRPr lang="it-IT" dirty="0"/>
+          </a:p>
+        </p:txBody>
+      </p:sp>
+      <p:sp>
+        <p:nvSpPr>
+          <p:cNvPr id="5" name="Rettangolo 4">
+            <a:extLst>
+              <a:ext uri="{FF2B5EF4-FFF2-40B4-BE49-F238E27FC236}">
+                <a16:creationId xmlns:a16="http://schemas.microsoft.com/office/drawing/2014/main" id="{C6ED6F97-D7E9-46B3-204D-14FE194922E3}"/>
+              </a:ext>
+            </a:extLst>
+          </p:cNvPr>
+          <p:cNvSpPr/>
+          <p:nvPr/>
+        </p:nvSpPr>
+        <p:spPr>
+          <a:xfrm>
+            <a:off x="7139003" y="3127982"/>
+            <a:ext cx="952500" cy="1333500"/>
+          </a:xfrm>
+          <a:prstGeom prst="rect">
+            <a:avLst/>
+          </a:prstGeom>
+          <a:solidFill>
+            <a:srgbClr val="8B3E22"/>
+          </a:solidFill>
+        </p:spPr>
+        <p:style>
+          <a:lnRef idx="2">
+            <a:schemeClr val="accent1">
+              <a:shade val="15000"/>
+            </a:schemeClr>
+          </a:lnRef>
+          <a:fillRef idx="1">
+            <a:schemeClr val="accent1"/>
+          </a:fillRef>
+          <a:effectRef idx="0">
+            <a:schemeClr val="accent1"/>
+          </a:effectRef>
+          <a:fontRef idx="minor">
+            <a:schemeClr val="lt1"/>
+          </a:fontRef>
+        </p:style>
+        <p:txBody>
+          <a:bodyPr rtlCol="0" anchor="ctr"/>
+          <a:lstStyle/>
+          <a:p>
+            <a:pPr algn="ctr"/>
+            <a:endParaRPr lang="it-IT" dirty="0"/>
+          </a:p>
+        </p:txBody>
+      </p:sp>
+      <p:pic>
+        <p:nvPicPr>
+          <p:cNvPr id="4" name="Immagine 3" descr="Immagine che contiene Carattere, Elementi grafici, grafica, tipografia&#10;&#10;Descrizione generata automaticamente">
+            <a:extLst>
+              <a:ext uri="{FF2B5EF4-FFF2-40B4-BE49-F238E27FC236}">
+                <a16:creationId xmlns:a16="http://schemas.microsoft.com/office/drawing/2014/main" id="{EA2EC9F2-5495-160C-7AC9-3F90E9E2CFA3}"/>
+              </a:ext>
+            </a:extLst>
+          </p:cNvPr>
+          <p:cNvPicPr>
+            <a:picLocks noChangeAspect="1"/>
+          </p:cNvPicPr>
+          <p:nvPr/>
+        </p:nvPicPr>
+        <p:blipFill>
+          <a:blip r:embed="rId3">
+            <a:extLst>
+              <a:ext uri="{28A0092B-C50C-407E-A947-70E740481C1C}">
+                <a14:useLocalDpi xmlns:a14="http://schemas.microsoft.com/office/drawing/2010/main" val="0"/>
+              </a:ext>
+            </a:extLst>
+          </a:blip>
+          <a:stretch>
+            <a:fillRect/>
+          </a:stretch>
+        </p:blipFill>
+        <p:spPr>
+          <a:xfrm>
+            <a:off x="1708585" y="-4091422"/>
+            <a:ext cx="8924925" cy="1228725"/>
+          </a:xfrm>
+          <a:prstGeom prst="rect">
+            <a:avLst/>
+          </a:prstGeom>
+        </p:spPr>
+      </p:pic>
+      <p:sp>
+        <p:nvSpPr>
+          <p:cNvPr id="3" name="CasellaDiTesto 2">
+            <a:extLst>
+              <a:ext uri="{FF2B5EF4-FFF2-40B4-BE49-F238E27FC236}">
+                <a16:creationId xmlns:a16="http://schemas.microsoft.com/office/drawing/2014/main" id="{FE4390CA-EDC7-7703-4DC3-D3BEBEA09EC3}"/>
+              </a:ext>
+            </a:extLst>
+          </p:cNvPr>
+          <p:cNvSpPr txBox="1"/>
+          <p:nvPr/>
+        </p:nvSpPr>
+        <p:spPr>
+          <a:xfrm>
+            <a:off x="682581" y="-1321134"/>
+            <a:ext cx="10976932" cy="1015663"/>
+          </a:xfrm>
+          <a:prstGeom prst="rect">
+            <a:avLst/>
+          </a:prstGeom>
+          <a:noFill/>
+          <a:ln w="0">
+            <a:noFill/>
+          </a:ln>
+        </p:spPr>
+        <p:txBody>
+          <a:bodyPr wrap="square" rtlCol="0">
+            <a:spAutoFit/>
+          </a:bodyPr>
+          <a:lstStyle/>
+          <a:p>
+            <a:r>
+              <a:rPr lang="it-IT" sz="6000" dirty="0">
+                <a:ln w="38100">
+                  <a:solidFill>
+                    <a:srgbClr val="386ABB"/>
+                  </a:solidFill>
+                </a:ln>
+                <a:solidFill>
+                  <a:srgbClr val="FFCC03"/>
+                </a:solidFill>
+                <a:latin typeface="Pokemon Solid" panose="040B0500000000000000" pitchFamily="82" charset="2"/>
+              </a:rPr>
+              <a:t>Fasi di Sviluppo del Progetto</a:t>
+            </a:r>
+          </a:p>
+        </p:txBody>
+      </p:sp>
+      <p:pic>
+        <p:nvPicPr>
+          <p:cNvPr id="17" name="Immagine 16" descr="Immagine che contiene logo, cerchio, Carattere, Elementi grafici&#10;&#10;Descrizione generata automaticamente">
+            <a:extLst>
+              <a:ext uri="{FF2B5EF4-FFF2-40B4-BE49-F238E27FC236}">
+                <a16:creationId xmlns:a16="http://schemas.microsoft.com/office/drawing/2014/main" id="{481B8042-57D3-199E-FCA4-88F18AEE6FEC}"/>
+              </a:ext>
+            </a:extLst>
+          </p:cNvPr>
+          <p:cNvPicPr>
+            <a:picLocks noChangeAspect="1"/>
+          </p:cNvPicPr>
+          <p:nvPr/>
+        </p:nvPicPr>
+        <p:blipFill>
+          <a:blip r:embed="rId4">
+            <a:extLst>
+              <a:ext uri="{28A0092B-C50C-407E-A947-70E740481C1C}">
+                <a14:useLocalDpi xmlns:a14="http://schemas.microsoft.com/office/drawing/2010/main" val="0"/>
+              </a:ext>
+            </a:extLst>
+          </a:blip>
+          <a:stretch>
+            <a:fillRect/>
+          </a:stretch>
+        </p:blipFill>
+        <p:spPr>
+          <a:xfrm>
+            <a:off x="6304480" y="2517040"/>
+            <a:ext cx="2637188" cy="3349941"/>
+          </a:xfrm>
+          <a:prstGeom prst="rect">
+            <a:avLst/>
+          </a:prstGeom>
+        </p:spPr>
+      </p:pic>
+      <p:pic>
+        <p:nvPicPr>
+          <p:cNvPr id="19" name="Immagine 18" descr="Immagine che contiene cerchio, verde, Elementi grafici, logo&#10;&#10;Descrizione generata automaticamente">
+            <a:extLst>
+              <a:ext uri="{FF2B5EF4-FFF2-40B4-BE49-F238E27FC236}">
+                <a16:creationId xmlns:a16="http://schemas.microsoft.com/office/drawing/2014/main" id="{1783FB66-1FCC-D1E4-13AC-B2F44C599719}"/>
+              </a:ext>
+            </a:extLst>
+          </p:cNvPr>
+          <p:cNvPicPr>
+            <a:picLocks noChangeAspect="1"/>
+          </p:cNvPicPr>
+          <p:nvPr/>
+        </p:nvPicPr>
+        <p:blipFill>
+          <a:blip r:embed="rId5">
+            <a:extLst>
+              <a:ext uri="{28A0092B-C50C-407E-A947-70E740481C1C}">
+                <a14:useLocalDpi xmlns:a14="http://schemas.microsoft.com/office/drawing/2010/main" val="0"/>
+              </a:ext>
+            </a:extLst>
+          </a:blip>
+          <a:stretch>
+            <a:fillRect/>
+          </a:stretch>
+        </p:blipFill>
+        <p:spPr>
+          <a:xfrm>
+            <a:off x="3268397" y="2539984"/>
+            <a:ext cx="2637188" cy="3349941"/>
+          </a:xfrm>
+          <a:prstGeom prst="rect">
+            <a:avLst/>
+          </a:prstGeom>
+        </p:spPr>
+      </p:pic>
+      <p:pic>
+        <p:nvPicPr>
+          <p:cNvPr id="21" name="Immagine 20" descr="Immagine che contiene cerchio, logo, simbolo, Carattere&#10;&#10;Descrizione generata automaticamente">
+            <a:extLst>
+              <a:ext uri="{FF2B5EF4-FFF2-40B4-BE49-F238E27FC236}">
+                <a16:creationId xmlns:a16="http://schemas.microsoft.com/office/drawing/2014/main" id="{923451DD-18F1-E3F1-D326-50C8887626DE}"/>
+              </a:ext>
+            </a:extLst>
+          </p:cNvPr>
+          <p:cNvPicPr>
+            <a:picLocks noChangeAspect="1"/>
+          </p:cNvPicPr>
+          <p:nvPr/>
+        </p:nvPicPr>
+        <p:blipFill>
+          <a:blip r:embed="rId6">
+            <a:extLst>
+              <a:ext uri="{28A0092B-C50C-407E-A947-70E740481C1C}">
+                <a14:useLocalDpi xmlns:a14="http://schemas.microsoft.com/office/drawing/2010/main" val="0"/>
+              </a:ext>
+            </a:extLst>
+          </a:blip>
+          <a:stretch>
+            <a:fillRect/>
+          </a:stretch>
+        </p:blipFill>
+        <p:spPr>
+          <a:xfrm>
+            <a:off x="149350" y="2494096"/>
+            <a:ext cx="2655248" cy="3395827"/>
+          </a:xfrm>
+          <a:prstGeom prst="rect">
+            <a:avLst/>
+          </a:prstGeom>
+        </p:spPr>
+      </p:pic>
+    </p:spTree>
+    <p:extLst>
+      <p:ext uri="{BB962C8B-B14F-4D97-AF65-F5344CB8AC3E}">
+        <p14:creationId xmlns:p14="http://schemas.microsoft.com/office/powerpoint/2010/main" val="1619612481"/>
+      </p:ext>
+    </p:extLst>
+  </p:cSld>
+  <p:clrMapOvr>
+    <a:masterClrMapping/>
+  </p:clrMapOvr>
+  <mc:AlternateContent xmlns:mc="http://schemas.openxmlformats.org/markup-compatibility/2006">
+    <mc:Choice xmlns:p159="http://schemas.microsoft.com/office/powerpoint/2015/09/main" Requires="p159">
+      <p:transition xmlns:p14="http://schemas.microsoft.com/office/powerpoint/2010/main" spd="slow" p14:dur="2000">
+        <p159:morph option="byObject"/>
+      </p:transition>
+    </mc:Choice>
+    <mc:Fallback>
+      <p:transition spd="slow">
+        <p:fade/>
+      </p:transition>
+    </mc:Fallback>
+  </mc:AlternateContent>
+</p:sld>
+</file>
+
+<file path=ppt/slides/slide31.xml><?xml version="1.0" encoding="utf-8"?>
+<p:sld xmlns:a="http://schemas.openxmlformats.org/drawingml/2006/main" xmlns:r="http://schemas.openxmlformats.org/officeDocument/2006/relationships" xmlns:p="http://schemas.openxmlformats.org/presentationml/2006/main">
+  <p:cSld>
+    <p:spTree>
+      <p:nvGrpSpPr>
+        <p:cNvPr id="1" name=""/>
+        <p:cNvGrpSpPr/>
+        <p:nvPr/>
+      </p:nvGrpSpPr>
+      <p:grpSpPr>
+        <a:xfrm>
+          <a:off x="0" y="0"/>
+          <a:ext cx="0" cy="0"/>
+          <a:chOff x="0" y="0"/>
+          <a:chExt cx="0" cy="0"/>
+        </a:xfrm>
+      </p:grpSpPr>
+      <p:sp>
+        <p:nvSpPr>
+          <p:cNvPr id="8" name="Rettangolo 7">
+            <a:extLst>
+              <a:ext uri="{FF2B5EF4-FFF2-40B4-BE49-F238E27FC236}">
+                <a16:creationId xmlns:a16="http://schemas.microsoft.com/office/drawing/2014/main" id="{322A7A11-653B-AEB3-8287-E987BA2DE7B8}"/>
+              </a:ext>
+            </a:extLst>
+          </p:cNvPr>
+          <p:cNvSpPr/>
+          <p:nvPr/>
+        </p:nvSpPr>
+        <p:spPr>
+          <a:xfrm>
+            <a:off x="2921238" y="-3934"/>
+            <a:ext cx="9270761" cy="6861934"/>
+          </a:xfrm>
+          <a:prstGeom prst="rect">
+            <a:avLst/>
+          </a:prstGeom>
+          <a:solidFill>
+            <a:srgbClr val="8B3E22"/>
+          </a:solidFill>
+          <a:ln>
+            <a:noFill/>
+          </a:ln>
+        </p:spPr>
+        <p:style>
+          <a:lnRef idx="2">
+            <a:schemeClr val="accent1">
+              <a:shade val="15000"/>
+            </a:schemeClr>
+          </a:lnRef>
+          <a:fillRef idx="1">
+            <a:schemeClr val="accent1"/>
+          </a:fillRef>
+          <a:effectRef idx="0">
+            <a:schemeClr val="accent1"/>
+          </a:effectRef>
+          <a:fontRef idx="minor">
+            <a:schemeClr val="lt1"/>
+          </a:fontRef>
+        </p:style>
+        <p:txBody>
+          <a:bodyPr rtlCol="0" anchor="ctr"/>
+          <a:lstStyle/>
+          <a:p>
+            <a:pPr algn="ctr"/>
+            <a:endParaRPr lang="it-IT" dirty="0"/>
+          </a:p>
+        </p:txBody>
+      </p:sp>
+      <p:sp>
+        <p:nvSpPr>
+          <p:cNvPr id="6" name="Rettangolo 5">
+            <a:extLst>
+              <a:ext uri="{FF2B5EF4-FFF2-40B4-BE49-F238E27FC236}">
+                <a16:creationId xmlns:a16="http://schemas.microsoft.com/office/drawing/2014/main" id="{72B58A70-F1D3-5476-E7AB-89167A280E78}"/>
+              </a:ext>
+            </a:extLst>
+          </p:cNvPr>
+          <p:cNvSpPr/>
+          <p:nvPr/>
+        </p:nvSpPr>
+        <p:spPr>
+          <a:xfrm>
+            <a:off x="-17818" y="-3934"/>
+            <a:ext cx="2939057" cy="6861934"/>
+          </a:xfrm>
+          <a:prstGeom prst="rect">
+            <a:avLst/>
+          </a:prstGeom>
+          <a:solidFill>
+            <a:srgbClr val="EE6138"/>
+          </a:solidFill>
+          <a:ln>
+            <a:noFill/>
+          </a:ln>
+        </p:spPr>
+        <p:style>
+          <a:lnRef idx="2">
+            <a:schemeClr val="accent1">
+              <a:shade val="15000"/>
+            </a:schemeClr>
+          </a:lnRef>
+          <a:fillRef idx="1">
+            <a:schemeClr val="accent1"/>
+          </a:fillRef>
+          <a:effectRef idx="0">
+            <a:schemeClr val="accent1"/>
+          </a:effectRef>
+          <a:fontRef idx="minor">
+            <a:schemeClr val="lt1"/>
+          </a:fontRef>
+        </p:style>
+        <p:txBody>
+          <a:bodyPr rtlCol="0" anchor="ctr"/>
+          <a:lstStyle/>
+          <a:p>
+            <a:pPr algn="ctr"/>
+            <a:endParaRPr lang="it-IT"/>
+          </a:p>
+        </p:txBody>
+      </p:sp>
+      <p:pic>
+        <p:nvPicPr>
+          <p:cNvPr id="15" name="Immagine 14" descr="Immagine che contiene cerchio, logo, simbolo, Carattere&#10;&#10;Descrizione generata automaticamente">
+            <a:extLst>
+              <a:ext uri="{FF2B5EF4-FFF2-40B4-BE49-F238E27FC236}">
+                <a16:creationId xmlns:a16="http://schemas.microsoft.com/office/drawing/2014/main" id="{787E19FA-2DAB-FFB9-DFB7-BB14A2D7142A}"/>
+              </a:ext>
+            </a:extLst>
+          </p:cNvPr>
+          <p:cNvPicPr>
+            <a:picLocks noChangeAspect="1"/>
+          </p:cNvPicPr>
+          <p:nvPr/>
+        </p:nvPicPr>
+        <p:blipFill>
+          <a:blip r:embed="rId2">
+            <a:extLst>
+              <a:ext uri="{28A0092B-C50C-407E-A947-70E740481C1C}">
+                <a14:useLocalDpi xmlns:a14="http://schemas.microsoft.com/office/drawing/2010/main" val="0"/>
+              </a:ext>
+            </a:extLst>
+          </a:blip>
+          <a:stretch>
+            <a:fillRect/>
+          </a:stretch>
+        </p:blipFill>
+        <p:spPr>
+          <a:xfrm>
+            <a:off x="134707" y="1738623"/>
+            <a:ext cx="2661446" cy="3380754"/>
+          </a:xfrm>
+          <a:prstGeom prst="rect">
+            <a:avLst/>
+          </a:prstGeom>
+        </p:spPr>
+      </p:pic>
+      <p:sp>
+        <p:nvSpPr>
+          <p:cNvPr id="2" name="Rettangolo 1">
+            <a:extLst>
+              <a:ext uri="{FF2B5EF4-FFF2-40B4-BE49-F238E27FC236}">
+                <a16:creationId xmlns:a16="http://schemas.microsoft.com/office/drawing/2014/main" id="{981F11BF-369C-E430-DAE6-6799D08BC15C}"/>
+              </a:ext>
+            </a:extLst>
+          </p:cNvPr>
+          <p:cNvSpPr/>
+          <p:nvPr/>
+        </p:nvSpPr>
+        <p:spPr>
+          <a:xfrm>
+            <a:off x="-2410669" y="3328007"/>
+            <a:ext cx="952500" cy="1333500"/>
+          </a:xfrm>
+          <a:prstGeom prst="rect">
+            <a:avLst/>
+          </a:prstGeom>
+          <a:solidFill>
+            <a:srgbClr val="48190B"/>
+          </a:solidFill>
+          <a:ln>
+            <a:noFill/>
+          </a:ln>
+        </p:spPr>
+        <p:style>
+          <a:lnRef idx="2">
+            <a:schemeClr val="accent1">
+              <a:shade val="15000"/>
+            </a:schemeClr>
+          </a:lnRef>
+          <a:fillRef idx="1">
+            <a:schemeClr val="accent1"/>
+          </a:fillRef>
+          <a:effectRef idx="0">
+            <a:schemeClr val="accent1"/>
+          </a:effectRef>
+          <a:fontRef idx="minor">
+            <a:schemeClr val="lt1"/>
+          </a:fontRef>
+        </p:style>
+        <p:txBody>
+          <a:bodyPr rtlCol="0" anchor="ctr"/>
+          <a:lstStyle/>
+          <a:p>
+            <a:pPr algn="ctr"/>
+            <a:endParaRPr lang="it-IT" dirty="0"/>
+          </a:p>
+        </p:txBody>
+      </p:sp>
+      <p:sp>
+        <p:nvSpPr>
+          <p:cNvPr id="5" name="Rettangolo 4">
+            <a:extLst>
+              <a:ext uri="{FF2B5EF4-FFF2-40B4-BE49-F238E27FC236}">
+                <a16:creationId xmlns:a16="http://schemas.microsoft.com/office/drawing/2014/main" id="{C6ED6F97-D7E9-46B3-204D-14FE194922E3}"/>
+              </a:ext>
+            </a:extLst>
+          </p:cNvPr>
+          <p:cNvSpPr/>
+          <p:nvPr/>
+        </p:nvSpPr>
+        <p:spPr>
+          <a:xfrm>
+            <a:off x="-2010682" y="3213707"/>
+            <a:ext cx="952500" cy="1333500"/>
+          </a:xfrm>
+          <a:prstGeom prst="rect">
+            <a:avLst/>
+          </a:prstGeom>
+          <a:solidFill>
+            <a:srgbClr val="8B3E22"/>
+          </a:solidFill>
+        </p:spPr>
+        <p:style>
+          <a:lnRef idx="2">
+            <a:schemeClr val="accent1">
+              <a:shade val="15000"/>
+            </a:schemeClr>
+          </a:lnRef>
+          <a:fillRef idx="1">
+            <a:schemeClr val="accent1"/>
+          </a:fillRef>
+          <a:effectRef idx="0">
+            <a:schemeClr val="accent1"/>
+          </a:effectRef>
+          <a:fontRef idx="minor">
+            <a:schemeClr val="lt1"/>
+          </a:fontRef>
+        </p:style>
+        <p:txBody>
+          <a:bodyPr rtlCol="0" anchor="ctr"/>
+          <a:lstStyle/>
+          <a:p>
+            <a:pPr algn="ctr"/>
+            <a:endParaRPr lang="it-IT" dirty="0"/>
+          </a:p>
+        </p:txBody>
+      </p:sp>
+      <p:pic>
+        <p:nvPicPr>
+          <p:cNvPr id="4" name="Immagine 3" descr="Immagine che contiene Carattere, Elementi grafici, grafica, tipografia&#10;&#10;Descrizione generata automaticamente">
+            <a:extLst>
+              <a:ext uri="{FF2B5EF4-FFF2-40B4-BE49-F238E27FC236}">
+                <a16:creationId xmlns:a16="http://schemas.microsoft.com/office/drawing/2014/main" id="{EA2EC9F2-5495-160C-7AC9-3F90E9E2CFA3}"/>
+              </a:ext>
+            </a:extLst>
+          </p:cNvPr>
+          <p:cNvPicPr>
+            <a:picLocks noChangeAspect="1"/>
+          </p:cNvPicPr>
+          <p:nvPr/>
+        </p:nvPicPr>
+        <p:blipFill>
+          <a:blip r:embed="rId3">
+            <a:extLst>
+              <a:ext uri="{28A0092B-C50C-407E-A947-70E740481C1C}">
+                <a14:useLocalDpi xmlns:a14="http://schemas.microsoft.com/office/drawing/2010/main" val="0"/>
+              </a:ext>
+            </a:extLst>
+          </a:blip>
+          <a:stretch>
+            <a:fillRect/>
+          </a:stretch>
+        </p:blipFill>
+        <p:spPr>
+          <a:xfrm>
+            <a:off x="1708585" y="-4091422"/>
+            <a:ext cx="8924925" cy="1228725"/>
+          </a:xfrm>
+          <a:prstGeom prst="rect">
+            <a:avLst/>
+          </a:prstGeom>
+        </p:spPr>
+      </p:pic>
+      <p:sp>
+        <p:nvSpPr>
+          <p:cNvPr id="3" name="CasellaDiTesto 2">
+            <a:extLst>
+              <a:ext uri="{FF2B5EF4-FFF2-40B4-BE49-F238E27FC236}">
+                <a16:creationId xmlns:a16="http://schemas.microsoft.com/office/drawing/2014/main" id="{FE4390CA-EDC7-7703-4DC3-D3BEBEA09EC3}"/>
+              </a:ext>
+            </a:extLst>
+          </p:cNvPr>
+          <p:cNvSpPr txBox="1"/>
+          <p:nvPr/>
+        </p:nvSpPr>
+        <p:spPr>
+          <a:xfrm>
+            <a:off x="682581" y="-1321134"/>
+            <a:ext cx="10976932" cy="1015663"/>
+          </a:xfrm>
+          <a:prstGeom prst="rect">
+            <a:avLst/>
+          </a:prstGeom>
+          <a:noFill/>
+          <a:ln w="0">
+            <a:noFill/>
+          </a:ln>
+        </p:spPr>
+        <p:txBody>
+          <a:bodyPr wrap="square" rtlCol="0">
+            <a:spAutoFit/>
+          </a:bodyPr>
+          <a:lstStyle/>
+          <a:p>
+            <a:r>
+              <a:rPr lang="it-IT" sz="6000" dirty="0">
+                <a:ln w="38100">
+                  <a:solidFill>
+                    <a:srgbClr val="386ABB"/>
+                  </a:solidFill>
+                </a:ln>
+                <a:solidFill>
+                  <a:srgbClr val="FFCC03"/>
+                </a:solidFill>
+                <a:latin typeface="Pokemon Solid" panose="040B0500000000000000" pitchFamily="82" charset="2"/>
+              </a:rPr>
+              <a:t>Fasi di Sviluppo del Progetto</a:t>
+            </a:r>
+          </a:p>
+        </p:txBody>
+      </p:sp>
+      <p:pic>
+        <p:nvPicPr>
+          <p:cNvPr id="17" name="Immagine 16" descr="Immagine che contiene logo, cerchio, Carattere, Elementi grafici&#10;&#10;Descrizione generata automaticamente">
+            <a:extLst>
+              <a:ext uri="{FF2B5EF4-FFF2-40B4-BE49-F238E27FC236}">
+                <a16:creationId xmlns:a16="http://schemas.microsoft.com/office/drawing/2014/main" id="{481B8042-57D3-199E-FCA4-88F18AEE6FEC}"/>
+              </a:ext>
+            </a:extLst>
+          </p:cNvPr>
+          <p:cNvPicPr>
+            <a:picLocks noChangeAspect="1"/>
+          </p:cNvPicPr>
+          <p:nvPr/>
+        </p:nvPicPr>
+        <p:blipFill>
+          <a:blip r:embed="rId4">
+            <a:extLst>
+              <a:ext uri="{28A0092B-C50C-407E-A947-70E740481C1C}">
+                <a14:useLocalDpi xmlns:a14="http://schemas.microsoft.com/office/drawing/2010/main" val="0"/>
+              </a:ext>
+            </a:extLst>
+          </a:blip>
+          <a:stretch>
+            <a:fillRect/>
+          </a:stretch>
+        </p:blipFill>
+        <p:spPr>
+          <a:xfrm>
+            <a:off x="-3001302" y="2539984"/>
+            <a:ext cx="2637188" cy="3349941"/>
+          </a:xfrm>
+          <a:prstGeom prst="rect">
+            <a:avLst/>
+          </a:prstGeom>
+        </p:spPr>
+      </p:pic>
+      <p:pic>
+        <p:nvPicPr>
+          <p:cNvPr id="19" name="Immagine 18" descr="Immagine che contiene cerchio, verde, Elementi grafici, logo&#10;&#10;Descrizione generata automaticamente">
+            <a:extLst>
+              <a:ext uri="{FF2B5EF4-FFF2-40B4-BE49-F238E27FC236}">
+                <a16:creationId xmlns:a16="http://schemas.microsoft.com/office/drawing/2014/main" id="{1783FB66-1FCC-D1E4-13AC-B2F44C599719}"/>
+              </a:ext>
+            </a:extLst>
+          </p:cNvPr>
+          <p:cNvPicPr>
+            <a:picLocks noChangeAspect="1"/>
+          </p:cNvPicPr>
+          <p:nvPr/>
+        </p:nvPicPr>
+        <p:blipFill>
+          <a:blip r:embed="rId5">
+            <a:extLst>
+              <a:ext uri="{28A0092B-C50C-407E-A947-70E740481C1C}">
+                <a14:useLocalDpi xmlns:a14="http://schemas.microsoft.com/office/drawing/2010/main" val="0"/>
+              </a:ext>
+            </a:extLst>
+          </a:blip>
+          <a:stretch>
+            <a:fillRect/>
+          </a:stretch>
+        </p:blipFill>
+        <p:spPr>
+          <a:xfrm>
+            <a:off x="-3010212" y="2539984"/>
+            <a:ext cx="2637188" cy="3349941"/>
+          </a:xfrm>
+          <a:prstGeom prst="rect">
+            <a:avLst/>
+          </a:prstGeom>
+        </p:spPr>
+      </p:pic>
+      <p:pic>
+        <p:nvPicPr>
+          <p:cNvPr id="21" name="Immagine 20" descr="Immagine che contiene cerchio, logo, simbolo, Carattere&#10;&#10;Descrizione generata automaticamente">
+            <a:extLst>
+              <a:ext uri="{FF2B5EF4-FFF2-40B4-BE49-F238E27FC236}">
+                <a16:creationId xmlns:a16="http://schemas.microsoft.com/office/drawing/2014/main" id="{923451DD-18F1-E3F1-D326-50C8887626DE}"/>
+              </a:ext>
+            </a:extLst>
+          </p:cNvPr>
+          <p:cNvPicPr>
+            <a:picLocks noChangeAspect="1"/>
+          </p:cNvPicPr>
+          <p:nvPr/>
+        </p:nvPicPr>
+        <p:blipFill>
+          <a:blip r:embed="rId6">
+            <a:extLst>
+              <a:ext uri="{28A0092B-C50C-407E-A947-70E740481C1C}">
+                <a14:useLocalDpi xmlns:a14="http://schemas.microsoft.com/office/drawing/2010/main" val="0"/>
+              </a:ext>
+            </a:extLst>
+          </a:blip>
+          <a:stretch>
+            <a:fillRect/>
+          </a:stretch>
+        </p:blipFill>
+        <p:spPr>
+          <a:xfrm>
+            <a:off x="-3001302" y="2539984"/>
+            <a:ext cx="2619369" cy="3349941"/>
+          </a:xfrm>
+          <a:prstGeom prst="rect">
+            <a:avLst/>
+          </a:prstGeom>
+        </p:spPr>
+      </p:pic>
+    </p:spTree>
+    <p:extLst>
+      <p:ext uri="{BB962C8B-B14F-4D97-AF65-F5344CB8AC3E}">
+        <p14:creationId xmlns:p14="http://schemas.microsoft.com/office/powerpoint/2010/main" val="2177710795"/>
+      </p:ext>
+    </p:extLst>
+  </p:cSld>
+  <p:clrMapOvr>
+    <a:masterClrMapping/>
+  </p:clrMapOvr>
+  <mc:AlternateContent xmlns:mc="http://schemas.openxmlformats.org/markup-compatibility/2006">
+    <mc:Choice xmlns:p159="http://schemas.microsoft.com/office/powerpoint/2015/09/main" Requires="p159">
+      <p:transition xmlns:p14="http://schemas.microsoft.com/office/powerpoint/2010/main" spd="slow" p14:dur="2000">
+        <p159:morph option="byObject"/>
+      </p:transition>
+    </mc:Choice>
+    <mc:Fallback>
       <p:transition spd="slow">
         <p:fade/>
       </p:transition>
@@ -35907,13 +41145,13 @@
   <p:clrMapOvr>
     <a:masterClrMapping/>
   </p:clrMapOvr>
-  <mc:AlternateContent xmlns:mc="http://schemas.openxmlformats.org/markup-compatibility/2006">
-    <mc:Choice xmlns:p159="http://schemas.microsoft.com/office/powerpoint/2015/09/main" Requires="p159">
+  <mc:AlternateContent xmlns:mc="http://schemas.openxmlformats.org/markup-compatibility/2006" xmlns:p159="http://schemas.microsoft.com/office/powerpoint/2015/09/main">
+    <mc:Choice Requires="p159">
       <p:transition xmlns:p14="http://schemas.microsoft.com/office/powerpoint/2010/main" spd="slow" p14:dur="2000">
         <p159:morph option="byObject"/>
       </p:transition>
     </mc:Choice>
-    <mc:Fallback>
+    <mc:Fallback xmlns="">
       <p:transition spd="slow">
         <p:fade/>
       </p:transition>
@@ -36523,13 +41761,13 @@
   <p:clrMapOvr>
     <a:masterClrMapping/>
   </p:clrMapOvr>
-  <mc:AlternateContent xmlns:mc="http://schemas.openxmlformats.org/markup-compatibility/2006">
-    <mc:Choice xmlns:p159="http://schemas.microsoft.com/office/powerpoint/2015/09/main" Requires="p159">
+  <mc:AlternateContent xmlns:mc="http://schemas.openxmlformats.org/markup-compatibility/2006" xmlns:p159="http://schemas.microsoft.com/office/powerpoint/2015/09/main">
+    <mc:Choice Requires="p159">
       <p:transition xmlns:p14="http://schemas.microsoft.com/office/powerpoint/2010/main" spd="slow" p14:dur="2000" advClick="0" advTm="0">
         <p159:morph option="byObject"/>
       </p:transition>
     </mc:Choice>
-    <mc:Fallback>
+    <mc:Fallback xmlns="">
       <p:transition spd="slow" advClick="0" advTm="0">
         <p:fade/>
       </p:transition>
@@ -38263,13 +43501,13 @@
   <p:clrMapOvr>
     <a:masterClrMapping/>
   </p:clrMapOvr>
-  <mc:AlternateContent xmlns:mc="http://schemas.openxmlformats.org/markup-compatibility/2006">
-    <mc:Choice xmlns:p159="http://schemas.microsoft.com/office/powerpoint/2015/09/main" Requires="p159">
+  <mc:AlternateContent xmlns:mc="http://schemas.openxmlformats.org/markup-compatibility/2006" xmlns:p159="http://schemas.microsoft.com/office/powerpoint/2015/09/main">
+    <mc:Choice Requires="p159">
       <p:transition xmlns:p14="http://schemas.microsoft.com/office/powerpoint/2010/main" spd="slow" p14:dur="2000">
         <p159:morph option="byObject"/>
       </p:transition>
     </mc:Choice>
-    <mc:Fallback>
+    <mc:Fallback xmlns="">
       <p:transition spd="slow">
         <p:fade/>
       </p:transition>
@@ -40838,13 +46076,13 @@
   <p:clrMapOvr>
     <a:masterClrMapping/>
   </p:clrMapOvr>
-  <mc:AlternateContent xmlns:mc="http://schemas.openxmlformats.org/markup-compatibility/2006">
-    <mc:Choice xmlns:p159="http://schemas.microsoft.com/office/powerpoint/2015/09/main" Requires="p159">
+  <mc:AlternateContent xmlns:mc="http://schemas.openxmlformats.org/markup-compatibility/2006" xmlns:p159="http://schemas.microsoft.com/office/powerpoint/2015/09/main">
+    <mc:Choice Requires="p159">
       <p:transition xmlns:p14="http://schemas.microsoft.com/office/powerpoint/2010/main" spd="slow" p14:dur="2000">
         <p159:morph option="byObject"/>
       </p:transition>
     </mc:Choice>
-    <mc:Fallback>
+    <mc:Fallback xmlns="">
       <p:transition spd="slow">
         <p:fade/>
       </p:transition>
@@ -43081,13 +48319,13 @@
   <p:clrMapOvr>
     <a:masterClrMapping/>
   </p:clrMapOvr>
-  <mc:AlternateContent xmlns:mc="http://schemas.openxmlformats.org/markup-compatibility/2006">
-    <mc:Choice xmlns:p159="http://schemas.microsoft.com/office/powerpoint/2015/09/main" Requires="p159">
+  <mc:AlternateContent xmlns:mc="http://schemas.openxmlformats.org/markup-compatibility/2006" xmlns:p159="http://schemas.microsoft.com/office/powerpoint/2015/09/main">
+    <mc:Choice Requires="p159">
       <p:transition xmlns:p14="http://schemas.microsoft.com/office/powerpoint/2010/main" spd="slow" p14:dur="2000">
         <p159:morph option="byObject"/>
       </p:transition>
     </mc:Choice>
-    <mc:Fallback>
+    <mc:Fallback xmlns="">
       <p:transition spd="slow">
         <p:fade/>
       </p:transition>
